--- a/3-1 지역과 원격 저장소 연동 기초.pptx
+++ b/3-1 지역과 원격 저장소 연동 기초.pptx
@@ -5,52 +5,55 @@
     <p:sldMasterId id="2147483648" r:id="rId1"/>
   </p:sldMasterIdLst>
   <p:notesMasterIdLst>
-    <p:notesMasterId r:id="rId45"/>
+    <p:notesMasterId r:id="rId48"/>
   </p:notesMasterIdLst>
   <p:sldIdLst>
     <p:sldId id="256" r:id="rId2"/>
     <p:sldId id="269" r:id="rId3"/>
     <p:sldId id="342" r:id="rId4"/>
-    <p:sldId id="439" r:id="rId5"/>
-    <p:sldId id="290" r:id="rId6"/>
-    <p:sldId id="541" r:id="rId7"/>
-    <p:sldId id="462" r:id="rId8"/>
-    <p:sldId id="463" r:id="rId9"/>
-    <p:sldId id="288" r:id="rId10"/>
-    <p:sldId id="464" r:id="rId11"/>
-    <p:sldId id="465" r:id="rId12"/>
-    <p:sldId id="471" r:id="rId13"/>
-    <p:sldId id="544" r:id="rId14"/>
-    <p:sldId id="545" r:id="rId15"/>
-    <p:sldId id="546" r:id="rId16"/>
-    <p:sldId id="547" r:id="rId17"/>
-    <p:sldId id="472" r:id="rId18"/>
-    <p:sldId id="500" r:id="rId19"/>
-    <p:sldId id="542" r:id="rId20"/>
-    <p:sldId id="473" r:id="rId21"/>
-    <p:sldId id="474" r:id="rId22"/>
-    <p:sldId id="467" r:id="rId23"/>
-    <p:sldId id="468" r:id="rId24"/>
-    <p:sldId id="475" r:id="rId25"/>
-    <p:sldId id="548" r:id="rId26"/>
-    <p:sldId id="549" r:id="rId27"/>
-    <p:sldId id="466" r:id="rId28"/>
-    <p:sldId id="551" r:id="rId29"/>
-    <p:sldId id="552" r:id="rId30"/>
-    <p:sldId id="469" r:id="rId31"/>
-    <p:sldId id="476" r:id="rId32"/>
-    <p:sldId id="480" r:id="rId33"/>
-    <p:sldId id="477" r:id="rId34"/>
-    <p:sldId id="478" r:id="rId35"/>
-    <p:sldId id="479" r:id="rId36"/>
-    <p:sldId id="536" r:id="rId37"/>
-    <p:sldId id="537" r:id="rId38"/>
-    <p:sldId id="538" r:id="rId39"/>
-    <p:sldId id="470" r:id="rId40"/>
-    <p:sldId id="507" r:id="rId41"/>
-    <p:sldId id="553" r:id="rId42"/>
-    <p:sldId id="554" r:id="rId43"/>
-    <p:sldId id="540" r:id="rId44"/>
+    <p:sldId id="558" r:id="rId5"/>
+    <p:sldId id="555" r:id="rId6"/>
+    <p:sldId id="556" r:id="rId7"/>
+    <p:sldId id="439" r:id="rId8"/>
+    <p:sldId id="290" r:id="rId9"/>
+    <p:sldId id="541" r:id="rId10"/>
+    <p:sldId id="462" r:id="rId11"/>
+    <p:sldId id="463" r:id="rId12"/>
+    <p:sldId id="288" r:id="rId13"/>
+    <p:sldId id="464" r:id="rId14"/>
+    <p:sldId id="465" r:id="rId15"/>
+    <p:sldId id="471" r:id="rId16"/>
+    <p:sldId id="544" r:id="rId17"/>
+    <p:sldId id="545" r:id="rId18"/>
+    <p:sldId id="546" r:id="rId19"/>
+    <p:sldId id="547" r:id="rId20"/>
+    <p:sldId id="472" r:id="rId21"/>
+    <p:sldId id="500" r:id="rId22"/>
+    <p:sldId id="542" r:id="rId23"/>
+    <p:sldId id="473" r:id="rId24"/>
+    <p:sldId id="474" r:id="rId25"/>
+    <p:sldId id="467" r:id="rId26"/>
+    <p:sldId id="468" r:id="rId27"/>
+    <p:sldId id="475" r:id="rId28"/>
+    <p:sldId id="548" r:id="rId29"/>
+    <p:sldId id="549" r:id="rId30"/>
+    <p:sldId id="466" r:id="rId31"/>
+    <p:sldId id="551" r:id="rId32"/>
+    <p:sldId id="552" r:id="rId33"/>
+    <p:sldId id="469" r:id="rId34"/>
+    <p:sldId id="476" r:id="rId35"/>
+    <p:sldId id="480" r:id="rId36"/>
+    <p:sldId id="477" r:id="rId37"/>
+    <p:sldId id="478" r:id="rId38"/>
+    <p:sldId id="479" r:id="rId39"/>
+    <p:sldId id="536" r:id="rId40"/>
+    <p:sldId id="537" r:id="rId41"/>
+    <p:sldId id="538" r:id="rId42"/>
+    <p:sldId id="470" r:id="rId43"/>
+    <p:sldId id="507" r:id="rId44"/>
+    <p:sldId id="553" r:id="rId45"/>
+    <p:sldId id="554" r:id="rId46"/>
+    <p:sldId id="540" r:id="rId47"/>
   </p:sldIdLst>
   <p:sldSz cx="10693400" cy="7561263"/>
   <p:notesSz cx="6858000" cy="9144000"/>
@@ -1109,7 +1112,7 @@
   <pc:docChgLst>
     <pc:chgData name="강환수" userId="f1cac8d9-9172-4d6c-9b10-74cb51d57900" providerId="ADAL" clId="{D9558746-E75C-4652-8B1D-601C7211F7BF}"/>
     <pc:docChg chg="custSel addSld delSld modSld sldOrd">
-      <pc:chgData name="강환수" userId="f1cac8d9-9172-4d6c-9b10-74cb51d57900" providerId="ADAL" clId="{D9558746-E75C-4652-8B1D-601C7211F7BF}" dt="2022-05-25T01:26:19.903" v="2490" actId="14100"/>
+      <pc:chgData name="강환수" userId="f1cac8d9-9172-4d6c-9b10-74cb51d57900" providerId="ADAL" clId="{D9558746-E75C-4652-8B1D-601C7211F7BF}" dt="2022-05-25T06:27:36.997" v="2893" actId="2696"/>
       <pc:docMkLst>
         <pc:docMk/>
       </pc:docMkLst>
@@ -1341,6 +1344,13 @@
             <ac:spMk id="24" creationId="{00000000-0000-0000-0000-000000000000}"/>
           </ac:spMkLst>
         </pc:spChg>
+      </pc:sldChg>
+      <pc:sldChg chg="ord">
+        <pc:chgData name="강환수" userId="f1cac8d9-9172-4d6c-9b10-74cb51d57900" providerId="ADAL" clId="{D9558746-E75C-4652-8B1D-601C7211F7BF}" dt="2022-05-25T06:10:54.215" v="2495"/>
+        <pc:sldMkLst>
+          <pc:docMk/>
+          <pc:sldMk cId="409474156" sldId="439"/>
+        </pc:sldMkLst>
       </pc:sldChg>
       <pc:sldChg chg="del">
         <pc:chgData name="강환수" userId="f1cac8d9-9172-4d6c-9b10-74cb51d57900" providerId="ADAL" clId="{D9558746-E75C-4652-8B1D-601C7211F7BF}" dt="2022-05-24T23:56:41.234" v="43" actId="2696"/>
@@ -2095,6 +2105,66 @@
             <ac:cxnSpMk id="9" creationId="{E38A6623-6B95-41EF-84BE-5986A00C1F4E}"/>
           </ac:cxnSpMkLst>
         </pc:cxnChg>
+      </pc:sldChg>
+      <pc:sldChg chg="modSp add ord">
+        <pc:chgData name="강환수" userId="f1cac8d9-9172-4d6c-9b10-74cb51d57900" providerId="ADAL" clId="{D9558746-E75C-4652-8B1D-601C7211F7BF}" dt="2022-05-25T06:27:19.139" v="2892" actId="6549"/>
+        <pc:sldMkLst>
+          <pc:docMk/>
+          <pc:sldMk cId="2427868181" sldId="555"/>
+        </pc:sldMkLst>
+        <pc:spChg chg="mod">
+          <ac:chgData name="강환수" userId="f1cac8d9-9172-4d6c-9b10-74cb51d57900" providerId="ADAL" clId="{D9558746-E75C-4652-8B1D-601C7211F7BF}" dt="2022-05-25T06:11:29.816" v="2535" actId="20577"/>
+          <ac:spMkLst>
+            <pc:docMk/>
+            <pc:sldMk cId="2427868181" sldId="555"/>
+            <ac:spMk id="2" creationId="{73F38D01-02B2-40F0-8E0C-FBEE6FFE4AC9}"/>
+          </ac:spMkLst>
+        </pc:spChg>
+        <pc:spChg chg="mod">
+          <ac:chgData name="강환수" userId="f1cac8d9-9172-4d6c-9b10-74cb51d57900" providerId="ADAL" clId="{D9558746-E75C-4652-8B1D-601C7211F7BF}" dt="2022-05-25T06:27:19.139" v="2892" actId="6549"/>
+          <ac:spMkLst>
+            <pc:docMk/>
+            <pc:sldMk cId="2427868181" sldId="555"/>
+            <ac:spMk id="3" creationId="{24A8A6F5-42C2-4BF1-B6C9-6A388ECE0C21}"/>
+          </ac:spMkLst>
+        </pc:spChg>
+      </pc:sldChg>
+      <pc:sldChg chg="addSp modSp add">
+        <pc:chgData name="강환수" userId="f1cac8d9-9172-4d6c-9b10-74cb51d57900" providerId="ADAL" clId="{D9558746-E75C-4652-8B1D-601C7211F7BF}" dt="2022-05-25T06:11:18.187" v="2500" actId="1076"/>
+        <pc:sldMkLst>
+          <pc:docMk/>
+          <pc:sldMk cId="145480922" sldId="556"/>
+        </pc:sldMkLst>
+        <pc:spChg chg="add mod">
+          <ac:chgData name="강환수" userId="f1cac8d9-9172-4d6c-9b10-74cb51d57900" providerId="ADAL" clId="{D9558746-E75C-4652-8B1D-601C7211F7BF}" dt="2022-05-25T06:11:18.187" v="2500" actId="1076"/>
+          <ac:spMkLst>
+            <pc:docMk/>
+            <pc:sldMk cId="145480922" sldId="556"/>
+            <ac:spMk id="4" creationId="{5709F69A-08A9-4131-A2D7-3F6B72BD2D11}"/>
+          </ac:spMkLst>
+        </pc:spChg>
+      </pc:sldChg>
+      <pc:sldChg chg="add del">
+        <pc:chgData name="강환수" userId="f1cac8d9-9172-4d6c-9b10-74cb51d57900" providerId="ADAL" clId="{D9558746-E75C-4652-8B1D-601C7211F7BF}" dt="2022-05-25T06:27:36.997" v="2893" actId="2696"/>
+        <pc:sldMkLst>
+          <pc:docMk/>
+          <pc:sldMk cId="107376741" sldId="557"/>
+        </pc:sldMkLst>
+      </pc:sldChg>
+      <pc:sldChg chg="modSp add">
+        <pc:chgData name="강환수" userId="f1cac8d9-9172-4d6c-9b10-74cb51d57900" providerId="ADAL" clId="{D9558746-E75C-4652-8B1D-601C7211F7BF}" dt="2022-05-25T06:26:39.731" v="2864" actId="20577"/>
+        <pc:sldMkLst>
+          <pc:docMk/>
+          <pc:sldMk cId="2500198793" sldId="558"/>
+        </pc:sldMkLst>
+        <pc:spChg chg="mod">
+          <ac:chgData name="강환수" userId="f1cac8d9-9172-4d6c-9b10-74cb51d57900" providerId="ADAL" clId="{D9558746-E75C-4652-8B1D-601C7211F7BF}" dt="2022-05-25T06:26:39.731" v="2864" actId="20577"/>
+          <ac:spMkLst>
+            <pc:docMk/>
+            <pc:sldMk cId="2500198793" sldId="558"/>
+            <ac:spMk id="3" creationId="{24A8A6F5-42C2-4BF1-B6C9-6A388ECE0C21}"/>
+          </ac:spMkLst>
+        </pc:spChg>
       </pc:sldChg>
     </pc:docChg>
   </pc:docChgLst>
@@ -8494,6 +8564,741 @@
           <p:cNvPr id="2" name="제목 1">
             <a:extLst>
               <a:ext uri="{FF2B5EF4-FFF2-40B4-BE49-F238E27FC236}">
+                <a16:creationId xmlns:a16="http://schemas.microsoft.com/office/drawing/2014/main" id="{C443A739-11A8-4A02-B43C-0186762B6ABB}"/>
+              </a:ext>
+            </a:extLst>
+          </p:cNvPr>
+          <p:cNvSpPr>
+            <a:spLocks noGrp="1"/>
+          </p:cNvSpPr>
+          <p:nvPr>
+            <p:ph type="ctrTitle"/>
+          </p:nvPr>
+        </p:nvSpPr>
+        <p:spPr/>
+        <p:txBody>
+          <a:bodyPr/>
+          <a:lstStyle/>
+          <a:p>
+            <a:r>
+              <a:rPr lang="ko-KR" altLang="en-US" dirty="0" err="1"/>
+              <a:t>깃허브에서</a:t>
+            </a:r>
+            <a:r>
+              <a:rPr lang="ko-KR" altLang="en-US" dirty="0"/>
+              <a:t> 저장소 생성</a:t>
+            </a:r>
+          </a:p>
+        </p:txBody>
+      </p:sp>
+      <p:sp>
+        <p:nvSpPr>
+          <p:cNvPr id="3" name="내용 개체 틀 2">
+            <a:extLst>
+              <a:ext uri="{FF2B5EF4-FFF2-40B4-BE49-F238E27FC236}">
+                <a16:creationId xmlns:a16="http://schemas.microsoft.com/office/drawing/2014/main" id="{66CB6D4E-0059-4D81-A819-83FEC7AAB1B8}"/>
+              </a:ext>
+            </a:extLst>
+          </p:cNvPr>
+          <p:cNvSpPr>
+            <a:spLocks noGrp="1"/>
+          </p:cNvSpPr>
+          <p:nvPr>
+            <p:ph idx="1"/>
+          </p:nvPr>
+        </p:nvSpPr>
+        <p:spPr/>
+        <p:txBody>
+          <a:bodyPr/>
+          <a:lstStyle/>
+          <a:p>
+            <a:r>
+              <a:rPr lang="ko-KR" altLang="en-US" dirty="0"/>
+              <a:t>이름</a:t>
+            </a:r>
+            <a:r>
+              <a:rPr lang="en-US" altLang="ko-KR" dirty="0"/>
+              <a:t> git-clone</a:t>
+            </a:r>
+          </a:p>
+          <a:p>
+            <a:endParaRPr lang="en-US" altLang="ko-KR" dirty="0"/>
+          </a:p>
+          <a:p>
+            <a:r>
+              <a:rPr lang="en-US" altLang="ko-KR" dirty="0"/>
+              <a:t>Add a README file </a:t>
+            </a:r>
+            <a:r>
+              <a:rPr lang="ko-KR" altLang="en-US" dirty="0"/>
+              <a:t>체크</a:t>
+            </a:r>
+          </a:p>
+        </p:txBody>
+      </p:sp>
+      <p:pic>
+        <p:nvPicPr>
+          <p:cNvPr id="4" name="그림 3">
+            <a:extLst>
+              <a:ext uri="{FF2B5EF4-FFF2-40B4-BE49-F238E27FC236}">
+                <a16:creationId xmlns:a16="http://schemas.microsoft.com/office/drawing/2014/main" id="{20B708B0-52F7-4CC8-A145-5A4B12293339}"/>
+              </a:ext>
+            </a:extLst>
+          </p:cNvPr>
+          <p:cNvPicPr>
+            <a:picLocks noChangeAspect="1"/>
+          </p:cNvPicPr>
+          <p:nvPr/>
+        </p:nvPicPr>
+        <p:blipFill>
+          <a:blip r:embed="rId2"/>
+          <a:stretch>
+            <a:fillRect/>
+          </a:stretch>
+        </p:blipFill>
+        <p:spPr>
+          <a:xfrm>
+            <a:off x="4338588" y="1323909"/>
+            <a:ext cx="4728230" cy="5589730"/>
+          </a:xfrm>
+          <a:prstGeom prst="rect">
+            <a:avLst/>
+          </a:prstGeom>
+        </p:spPr>
+      </p:pic>
+    </p:spTree>
+    <p:extLst>
+      <p:ext uri="{BB962C8B-B14F-4D97-AF65-F5344CB8AC3E}">
+        <p14:creationId xmlns:p14="http://schemas.microsoft.com/office/powerpoint/2010/main" val="2503753545"/>
+      </p:ext>
+    </p:extLst>
+  </p:cSld>
+  <p:clrMapOvr>
+    <a:masterClrMapping/>
+  </p:clrMapOvr>
+</p:sld>
+</file>
+
+<file path=ppt/slides/slide11.xml><?xml version="1.0" encoding="utf-8"?>
+<p:sld xmlns:a="http://schemas.openxmlformats.org/drawingml/2006/main" xmlns:r="http://schemas.openxmlformats.org/officeDocument/2006/relationships" xmlns:p="http://schemas.openxmlformats.org/presentationml/2006/main">
+  <p:cSld>
+    <p:spTree>
+      <p:nvGrpSpPr>
+        <p:cNvPr id="1" name=""/>
+        <p:cNvGrpSpPr/>
+        <p:nvPr/>
+      </p:nvGrpSpPr>
+      <p:grpSpPr>
+        <a:xfrm>
+          <a:off x="0" y="0"/>
+          <a:ext cx="0" cy="0"/>
+          <a:chOff x="0" y="0"/>
+          <a:chExt cx="0" cy="0"/>
+        </a:xfrm>
+      </p:grpSpPr>
+      <p:sp>
+        <p:nvSpPr>
+          <p:cNvPr id="2" name="제목 1">
+            <a:extLst>
+              <a:ext uri="{FF2B5EF4-FFF2-40B4-BE49-F238E27FC236}">
+                <a16:creationId xmlns:a16="http://schemas.microsoft.com/office/drawing/2014/main" id="{36B1F655-BBAD-4BB0-9664-434ADC1913FA}"/>
+              </a:ext>
+            </a:extLst>
+          </p:cNvPr>
+          <p:cNvSpPr>
+            <a:spLocks noGrp="1"/>
+          </p:cNvSpPr>
+          <p:nvPr>
+            <p:ph type="ctrTitle"/>
+          </p:nvPr>
+        </p:nvSpPr>
+        <p:spPr/>
+        <p:txBody>
+          <a:bodyPr/>
+          <a:lstStyle/>
+          <a:p>
+            <a:r>
+              <a:rPr lang="ko-KR" altLang="en-US" dirty="0" err="1"/>
+              <a:t>깃허브에서</a:t>
+            </a:r>
+            <a:r>
+              <a:rPr lang="ko-KR" altLang="en-US" dirty="0"/>
+              <a:t> 저장소 주소 복사</a:t>
+            </a:r>
+          </a:p>
+        </p:txBody>
+      </p:sp>
+      <p:sp>
+        <p:nvSpPr>
+          <p:cNvPr id="3" name="내용 개체 틀 2">
+            <a:extLst>
+              <a:ext uri="{FF2B5EF4-FFF2-40B4-BE49-F238E27FC236}">
+                <a16:creationId xmlns:a16="http://schemas.microsoft.com/office/drawing/2014/main" id="{7347BD5F-0171-4876-9EC1-3F3F84D8E39F}"/>
+              </a:ext>
+            </a:extLst>
+          </p:cNvPr>
+          <p:cNvSpPr>
+            <a:spLocks noGrp="1"/>
+          </p:cNvSpPr>
+          <p:nvPr>
+            <p:ph idx="1"/>
+          </p:nvPr>
+        </p:nvSpPr>
+        <p:spPr/>
+        <p:txBody>
+          <a:bodyPr/>
+          <a:lstStyle/>
+          <a:p>
+            <a:endParaRPr lang="ko-KR" altLang="en-US"/>
+          </a:p>
+        </p:txBody>
+      </p:sp>
+      <p:pic>
+        <p:nvPicPr>
+          <p:cNvPr id="4" name="그림 3">
+            <a:extLst>
+              <a:ext uri="{FF2B5EF4-FFF2-40B4-BE49-F238E27FC236}">
+                <a16:creationId xmlns:a16="http://schemas.microsoft.com/office/drawing/2014/main" id="{71E5FD58-C800-4379-A231-1ADB3D644BF9}"/>
+              </a:ext>
+            </a:extLst>
+          </p:cNvPr>
+          <p:cNvPicPr>
+            <a:picLocks noChangeAspect="1"/>
+          </p:cNvPicPr>
+          <p:nvPr/>
+        </p:nvPicPr>
+        <p:blipFill>
+          <a:blip r:embed="rId2"/>
+          <a:stretch>
+            <a:fillRect/>
+          </a:stretch>
+        </p:blipFill>
+        <p:spPr>
+          <a:xfrm>
+            <a:off x="1818308" y="1620391"/>
+            <a:ext cx="6659690" cy="4984183"/>
+          </a:xfrm>
+          <a:prstGeom prst="rect">
+            <a:avLst/>
+          </a:prstGeom>
+        </p:spPr>
+      </p:pic>
+    </p:spTree>
+    <p:extLst>
+      <p:ext uri="{BB962C8B-B14F-4D97-AF65-F5344CB8AC3E}">
+        <p14:creationId xmlns:p14="http://schemas.microsoft.com/office/powerpoint/2010/main" val="3974151286"/>
+      </p:ext>
+    </p:extLst>
+  </p:cSld>
+  <p:clrMapOvr>
+    <a:masterClrMapping/>
+  </p:clrMapOvr>
+</p:sld>
+</file>
+
+<file path=ppt/slides/slide12.xml><?xml version="1.0" encoding="utf-8"?>
+<p:sld xmlns:a="http://schemas.openxmlformats.org/drawingml/2006/main" xmlns:r="http://schemas.openxmlformats.org/officeDocument/2006/relationships" xmlns:p="http://schemas.openxmlformats.org/presentationml/2006/main">
+  <p:cSld>
+    <p:spTree>
+      <p:nvGrpSpPr>
+        <p:cNvPr id="1" name=""/>
+        <p:cNvGrpSpPr/>
+        <p:nvPr/>
+      </p:nvGrpSpPr>
+      <p:grpSpPr>
+        <a:xfrm>
+          <a:off x="0" y="0"/>
+          <a:ext cx="0" cy="0"/>
+          <a:chOff x="0" y="0"/>
+          <a:chExt cx="0" cy="0"/>
+        </a:xfrm>
+      </p:grpSpPr>
+      <p:sp>
+        <p:nvSpPr>
+          <p:cNvPr id="2" name="제목 1">
+            <a:extLst>
+              <a:ext uri="{FF2B5EF4-FFF2-40B4-BE49-F238E27FC236}">
+                <a16:creationId xmlns:a16="http://schemas.microsoft.com/office/drawing/2014/main" id="{8E6A17C3-0BF8-48F7-B9DC-EAC254E1D31C}"/>
+              </a:ext>
+            </a:extLst>
+          </p:cNvPr>
+          <p:cNvSpPr>
+            <a:spLocks noGrp="1"/>
+          </p:cNvSpPr>
+          <p:nvPr>
+            <p:ph type="ctrTitle"/>
+          </p:nvPr>
+        </p:nvSpPr>
+        <p:spPr/>
+        <p:txBody>
+          <a:bodyPr/>
+          <a:lstStyle/>
+          <a:p>
+            <a:r>
+              <a:rPr lang="ko-KR" altLang="en-US" dirty="0"/>
+              <a:t>깃에서 복사 실행</a:t>
+            </a:r>
+          </a:p>
+        </p:txBody>
+      </p:sp>
+      <p:sp>
+        <p:nvSpPr>
+          <p:cNvPr id="3" name="내용 개체 틀 2">
+            <a:extLst>
+              <a:ext uri="{FF2B5EF4-FFF2-40B4-BE49-F238E27FC236}">
+                <a16:creationId xmlns:a16="http://schemas.microsoft.com/office/drawing/2014/main" id="{F7C00357-9506-4999-A666-368BE1A79C51}"/>
+              </a:ext>
+            </a:extLst>
+          </p:cNvPr>
+          <p:cNvSpPr>
+            <a:spLocks noGrp="1"/>
+          </p:cNvSpPr>
+          <p:nvPr>
+            <p:ph idx="1"/>
+          </p:nvPr>
+        </p:nvSpPr>
+        <p:spPr/>
+        <p:txBody>
+          <a:bodyPr/>
+          <a:lstStyle/>
+          <a:p>
+            <a:r>
+              <a:rPr lang="ko-KR" altLang="en-US" dirty="0"/>
+              <a:t>명령어</a:t>
+            </a:r>
+            <a:endParaRPr lang="en-US" altLang="ko-KR" dirty="0"/>
+          </a:p>
+          <a:p>
+            <a:pPr lvl="1"/>
+            <a:r>
+              <a:rPr lang="en-US" altLang="ko-KR" dirty="0"/>
+              <a:t>$ </a:t>
+            </a:r>
+            <a:r>
+              <a:rPr lang="en-US" altLang="ko-KR" dirty="0" err="1"/>
+              <a:t>gi</a:t>
+            </a:r>
+            <a:r>
+              <a:rPr lang="en-US" altLang="ko-KR" dirty="0"/>
+              <a:t> clone </a:t>
+            </a:r>
+            <a:r>
+              <a:rPr lang="ko-KR" altLang="en-US" dirty="0"/>
+              <a:t>저장소주소 </a:t>
+            </a:r>
+            <a:r>
+              <a:rPr lang="en-US" altLang="ko-KR" dirty="0"/>
+              <a:t>[</a:t>
+            </a:r>
+            <a:r>
+              <a:rPr lang="ko-KR" altLang="en-US" dirty="0" err="1"/>
+              <a:t>저장소폴더명</a:t>
+            </a:r>
+            <a:r>
+              <a:rPr lang="en-US" altLang="ko-KR" dirty="0"/>
+              <a:t>] </a:t>
+            </a:r>
+          </a:p>
+          <a:p>
+            <a:pPr lvl="1"/>
+            <a:endParaRPr lang="en-US" altLang="ko-KR" dirty="0"/>
+          </a:p>
+          <a:p>
+            <a:r>
+              <a:rPr lang="ko-KR" altLang="en-US" dirty="0"/>
+              <a:t>자신의 지역 저장소에 복사 명령</a:t>
+            </a:r>
+            <a:endParaRPr lang="en-US" altLang="ko-KR" dirty="0"/>
+          </a:p>
+          <a:p>
+            <a:pPr lvl="1"/>
+            <a:r>
+              <a:rPr lang="en-US" altLang="ko-KR" dirty="0"/>
+              <a:t>$ git clone https://github.com/ai7dnn/git-clone.git</a:t>
+            </a:r>
+          </a:p>
+          <a:p>
+            <a:pPr lvl="2"/>
+            <a:r>
+              <a:rPr lang="ko-KR" altLang="en-US" dirty="0"/>
+              <a:t>오른쪽 마우스 팝업 메뉴로 붙여 넣기</a:t>
+            </a:r>
+            <a:endParaRPr lang="en-US" altLang="ko-KR" dirty="0"/>
+          </a:p>
+          <a:p>
+            <a:endParaRPr lang="en-US" altLang="ko-KR" dirty="0"/>
+          </a:p>
+          <a:p>
+            <a:r>
+              <a:rPr lang="ko-KR" altLang="en-US" dirty="0"/>
+              <a:t>복사된 폴더 확인</a:t>
+            </a:r>
+          </a:p>
+        </p:txBody>
+      </p:sp>
+      <p:pic>
+        <p:nvPicPr>
+          <p:cNvPr id="4" name="그림 3">
+            <a:extLst>
+              <a:ext uri="{FF2B5EF4-FFF2-40B4-BE49-F238E27FC236}">
+                <a16:creationId xmlns:a16="http://schemas.microsoft.com/office/drawing/2014/main" id="{ABD51D4E-FC50-4E47-89BC-CE445DCF6727}"/>
+              </a:ext>
+            </a:extLst>
+          </p:cNvPr>
+          <p:cNvPicPr>
+            <a:picLocks noChangeAspect="1"/>
+          </p:cNvPicPr>
+          <p:nvPr/>
+        </p:nvPicPr>
+        <p:blipFill>
+          <a:blip r:embed="rId2"/>
+          <a:stretch>
+            <a:fillRect/>
+          </a:stretch>
+        </p:blipFill>
+        <p:spPr>
+          <a:xfrm>
+            <a:off x="6570836" y="1116335"/>
+            <a:ext cx="2066925" cy="2809875"/>
+          </a:xfrm>
+          <a:prstGeom prst="rect">
+            <a:avLst/>
+          </a:prstGeom>
+        </p:spPr>
+      </p:pic>
+      <p:sp>
+        <p:nvSpPr>
+          <p:cNvPr id="5" name="직사각형 4">
+            <a:extLst>
+              <a:ext uri="{FF2B5EF4-FFF2-40B4-BE49-F238E27FC236}">
+                <a16:creationId xmlns:a16="http://schemas.microsoft.com/office/drawing/2014/main" id="{A070092D-5101-4D9C-8B3E-CC6CAE4DCE56}"/>
+              </a:ext>
+            </a:extLst>
+          </p:cNvPr>
+          <p:cNvSpPr/>
+          <p:nvPr/>
+        </p:nvSpPr>
+        <p:spPr>
+          <a:xfrm>
+            <a:off x="6642844" y="1584294"/>
+            <a:ext cx="1944216" cy="229543"/>
+          </a:xfrm>
+          <a:prstGeom prst="rect">
+            <a:avLst/>
+          </a:prstGeom>
+          <a:noFill/>
+          <a:ln w="19050">
+            <a:solidFill>
+              <a:srgbClr val="FF0000"/>
+            </a:solidFill>
+            <a:prstDash val="sysDash"/>
+          </a:ln>
+        </p:spPr>
+        <p:style>
+          <a:lnRef idx="2">
+            <a:schemeClr val="accent1">
+              <a:shade val="50000"/>
+            </a:schemeClr>
+          </a:lnRef>
+          <a:fillRef idx="1">
+            <a:schemeClr val="accent1"/>
+          </a:fillRef>
+          <a:effectRef idx="0">
+            <a:schemeClr val="accent1"/>
+          </a:effectRef>
+          <a:fontRef idx="minor">
+            <a:schemeClr val="lt1"/>
+          </a:fontRef>
+        </p:style>
+        <p:txBody>
+          <a:bodyPr rtlCol="0" anchor="ctr"/>
+          <a:lstStyle/>
+          <a:p>
+            <a:pPr algn="ctr"/>
+            <a:endParaRPr lang="ko-KR" altLang="en-US"/>
+          </a:p>
+        </p:txBody>
+      </p:sp>
+      <p:sp>
+        <p:nvSpPr>
+          <p:cNvPr id="6" name="직사각형 5">
+            <a:extLst>
+              <a:ext uri="{FF2B5EF4-FFF2-40B4-BE49-F238E27FC236}">
+                <a16:creationId xmlns:a16="http://schemas.microsoft.com/office/drawing/2014/main" id="{E32CC6AB-A007-4896-8509-CCBE3475C3A0}"/>
+              </a:ext>
+            </a:extLst>
+          </p:cNvPr>
+          <p:cNvSpPr/>
+          <p:nvPr/>
+        </p:nvSpPr>
+        <p:spPr>
+          <a:xfrm>
+            <a:off x="810196" y="4010120"/>
+            <a:ext cx="8004809" cy="3108543"/>
+          </a:xfrm>
+          <a:prstGeom prst="rect">
+            <a:avLst/>
+          </a:prstGeom>
+        </p:spPr>
+        <p:txBody>
+          <a:bodyPr wrap="square">
+            <a:spAutoFit/>
+          </a:bodyPr>
+          <a:lstStyle/>
+          <a:p>
+            <a:r>
+              <a:rPr lang="en-US" altLang="ko-KR" sz="1400" dirty="0">
+                <a:solidFill>
+                  <a:srgbClr val="00BF00"/>
+                </a:solidFill>
+                <a:latin typeface="Lucida Console" panose="020B0609040504020204" pitchFamily="49" charset="0"/>
+              </a:rPr>
+              <a:t>PC@DESKTOP-482NOAB </a:t>
+            </a:r>
+            <a:r>
+              <a:rPr lang="en-US" altLang="ko-KR" sz="1400" dirty="0">
+                <a:solidFill>
+                  <a:srgbClr val="BF00BF"/>
+                </a:solidFill>
+                <a:latin typeface="Lucida Console" panose="020B0609040504020204" pitchFamily="49" charset="0"/>
+              </a:rPr>
+              <a:t>MINGW64 </a:t>
+            </a:r>
+            <a:r>
+              <a:rPr lang="en-US" altLang="ko-KR" sz="1400" dirty="0">
+                <a:solidFill>
+                  <a:srgbClr val="BFBF00"/>
+                </a:solidFill>
+                <a:latin typeface="Lucida Console" panose="020B0609040504020204" pitchFamily="49" charset="0"/>
+              </a:rPr>
+              <a:t>/c/[git tutorial]</a:t>
+            </a:r>
+          </a:p>
+          <a:p>
+            <a:r>
+              <a:rPr lang="en-US" altLang="ko-KR" sz="1400" dirty="0">
+                <a:solidFill>
+                  <a:prstClr val="black"/>
+                </a:solidFill>
+                <a:latin typeface="Lucida Console" panose="020B0609040504020204" pitchFamily="49" charset="0"/>
+              </a:rPr>
+              <a:t>$ </a:t>
+            </a:r>
+            <a:r>
+              <a:rPr lang="en-US" altLang="ko-KR" sz="1400" dirty="0" err="1">
+                <a:solidFill>
+                  <a:prstClr val="black"/>
+                </a:solidFill>
+                <a:latin typeface="Lucida Console" panose="020B0609040504020204" pitchFamily="49" charset="0"/>
+              </a:rPr>
+              <a:t>pwd</a:t>
+            </a:r>
+            <a:endParaRPr lang="en-US" altLang="ko-KR" sz="1400" dirty="0">
+              <a:solidFill>
+                <a:prstClr val="black"/>
+              </a:solidFill>
+              <a:latin typeface="Lucida Console" panose="020B0609040504020204" pitchFamily="49" charset="0"/>
+            </a:endParaRPr>
+          </a:p>
+          <a:p>
+            <a:r>
+              <a:rPr lang="en-US" altLang="ko-KR" sz="1400" dirty="0">
+                <a:solidFill>
+                  <a:prstClr val="black"/>
+                </a:solidFill>
+                <a:latin typeface="Lucida Console" panose="020B0609040504020204" pitchFamily="49" charset="0"/>
+              </a:rPr>
+              <a:t>/c/[git tutorial]</a:t>
+            </a:r>
+          </a:p>
+          <a:p>
+            <a:endParaRPr lang="ko-KR" altLang="en-US" sz="1400" dirty="0">
+              <a:solidFill>
+                <a:prstClr val="black"/>
+              </a:solidFill>
+              <a:latin typeface="Lucida Console" panose="020B0609040504020204" pitchFamily="49" charset="0"/>
+            </a:endParaRPr>
+          </a:p>
+          <a:p>
+            <a:r>
+              <a:rPr lang="en-US" altLang="ko-KR" sz="1400" dirty="0">
+                <a:solidFill>
+                  <a:srgbClr val="00BF00"/>
+                </a:solidFill>
+                <a:latin typeface="Lucida Console" panose="020B0609040504020204" pitchFamily="49" charset="0"/>
+              </a:rPr>
+              <a:t>PC@DESKTOP-482NOAB </a:t>
+            </a:r>
+            <a:r>
+              <a:rPr lang="en-US" altLang="ko-KR" sz="1400" dirty="0">
+                <a:solidFill>
+                  <a:srgbClr val="BF00BF"/>
+                </a:solidFill>
+                <a:latin typeface="Lucida Console" panose="020B0609040504020204" pitchFamily="49" charset="0"/>
+              </a:rPr>
+              <a:t>MINGW64 </a:t>
+            </a:r>
+            <a:r>
+              <a:rPr lang="en-US" altLang="ko-KR" sz="1400" dirty="0">
+                <a:solidFill>
+                  <a:srgbClr val="BFBF00"/>
+                </a:solidFill>
+                <a:latin typeface="Lucida Console" panose="020B0609040504020204" pitchFamily="49" charset="0"/>
+              </a:rPr>
+              <a:t>/c/[git tutorial]</a:t>
+            </a:r>
+          </a:p>
+          <a:p>
+            <a:r>
+              <a:rPr lang="en-US" altLang="ko-KR" sz="1400" dirty="0">
+                <a:solidFill>
+                  <a:prstClr val="black"/>
+                </a:solidFill>
+                <a:latin typeface="Lucida Console" panose="020B0609040504020204" pitchFamily="49" charset="0"/>
+              </a:rPr>
+              <a:t>$ git clone https://github.com/ai7dnn/git-clone.git</a:t>
+            </a:r>
+          </a:p>
+          <a:p>
+            <a:r>
+              <a:rPr lang="en-US" altLang="ko-KR" sz="1400" dirty="0">
+                <a:solidFill>
+                  <a:prstClr val="black"/>
+                </a:solidFill>
+                <a:latin typeface="Lucida Console" panose="020B0609040504020204" pitchFamily="49" charset="0"/>
+              </a:rPr>
+              <a:t>Cloning into 'git-clone'...</a:t>
+            </a:r>
+          </a:p>
+          <a:p>
+            <a:r>
+              <a:rPr lang="en-US" altLang="ko-KR" sz="1400" dirty="0">
+                <a:solidFill>
+                  <a:prstClr val="black"/>
+                </a:solidFill>
+                <a:latin typeface="Lucida Console" panose="020B0609040504020204" pitchFamily="49" charset="0"/>
+              </a:rPr>
+              <a:t>remote: Enumerating objects: 3, done.</a:t>
+            </a:r>
+          </a:p>
+          <a:p>
+            <a:r>
+              <a:rPr lang="en-US" altLang="ko-KR" sz="1400" dirty="0">
+                <a:solidFill>
+                  <a:prstClr val="black"/>
+                </a:solidFill>
+                <a:latin typeface="Lucida Console" panose="020B0609040504020204" pitchFamily="49" charset="0"/>
+              </a:rPr>
+              <a:t>remote: Counting objects: 100% (3/3), done.</a:t>
+            </a:r>
+          </a:p>
+          <a:p>
+            <a:r>
+              <a:rPr lang="en-US" altLang="ko-KR" sz="1400" dirty="0">
+                <a:solidFill>
+                  <a:prstClr val="black"/>
+                </a:solidFill>
+                <a:latin typeface="Lucida Console" panose="020B0609040504020204" pitchFamily="49" charset="0"/>
+              </a:rPr>
+              <a:t>remote: Total 3 (delta 0), reused 0 (delta 0), pack-reused 0</a:t>
+            </a:r>
+          </a:p>
+          <a:p>
+            <a:r>
+              <a:rPr lang="en-US" altLang="ko-KR" sz="1400" dirty="0">
+                <a:solidFill>
+                  <a:prstClr val="black"/>
+                </a:solidFill>
+                <a:latin typeface="Lucida Console" panose="020B0609040504020204" pitchFamily="49" charset="0"/>
+              </a:rPr>
+              <a:t>Receiving objects: 100% (3/3), done.</a:t>
+            </a:r>
+          </a:p>
+          <a:p>
+            <a:endParaRPr lang="ko-KR" altLang="en-US" sz="1400" dirty="0">
+              <a:solidFill>
+                <a:prstClr val="black"/>
+              </a:solidFill>
+              <a:latin typeface="Lucida Console" panose="020B0609040504020204" pitchFamily="49" charset="0"/>
+            </a:endParaRPr>
+          </a:p>
+          <a:p>
+            <a:r>
+              <a:rPr lang="en-US" altLang="ko-KR" sz="1400" dirty="0">
+                <a:solidFill>
+                  <a:srgbClr val="00BF00"/>
+                </a:solidFill>
+                <a:latin typeface="Lucida Console" panose="020B0609040504020204" pitchFamily="49" charset="0"/>
+              </a:rPr>
+              <a:t>PC@DESKTOP-482NOAB </a:t>
+            </a:r>
+            <a:r>
+              <a:rPr lang="en-US" altLang="ko-KR" sz="1400" dirty="0">
+                <a:solidFill>
+                  <a:srgbClr val="BF00BF"/>
+                </a:solidFill>
+                <a:latin typeface="Lucida Console" panose="020B0609040504020204" pitchFamily="49" charset="0"/>
+              </a:rPr>
+              <a:t>MINGW64 </a:t>
+            </a:r>
+            <a:r>
+              <a:rPr lang="en-US" altLang="ko-KR" sz="1400" dirty="0">
+                <a:solidFill>
+                  <a:srgbClr val="BFBF00"/>
+                </a:solidFill>
+                <a:latin typeface="Lucida Console" panose="020B0609040504020204" pitchFamily="49" charset="0"/>
+              </a:rPr>
+              <a:t>/c/[git tutorial]</a:t>
+            </a:r>
+          </a:p>
+          <a:p>
+            <a:r>
+              <a:rPr lang="en-US" altLang="ko-KR" sz="1400" dirty="0">
+                <a:solidFill>
+                  <a:prstClr val="black"/>
+                </a:solidFill>
+                <a:latin typeface="Lucida Console" panose="020B0609040504020204" pitchFamily="49" charset="0"/>
+              </a:rPr>
+              <a:t>$</a:t>
+            </a:r>
+          </a:p>
+        </p:txBody>
+      </p:sp>
+    </p:spTree>
+    <p:extLst>
+      <p:ext uri="{BB962C8B-B14F-4D97-AF65-F5344CB8AC3E}">
+        <p14:creationId xmlns:p14="http://schemas.microsoft.com/office/powerpoint/2010/main" val="1521725241"/>
+      </p:ext>
+    </p:extLst>
+  </p:cSld>
+  <p:clrMapOvr>
+    <a:masterClrMapping/>
+  </p:clrMapOvr>
+</p:sld>
+</file>
+
+<file path=ppt/slides/slide13.xml><?xml version="1.0" encoding="utf-8"?>
+<p:sld xmlns:a="http://schemas.openxmlformats.org/drawingml/2006/main" xmlns:r="http://schemas.openxmlformats.org/officeDocument/2006/relationships" xmlns:p="http://schemas.openxmlformats.org/presentationml/2006/main">
+  <p:cSld>
+    <p:spTree>
+      <p:nvGrpSpPr>
+        <p:cNvPr id="1" name=""/>
+        <p:cNvGrpSpPr/>
+        <p:nvPr/>
+      </p:nvGrpSpPr>
+      <p:grpSpPr>
+        <a:xfrm>
+          <a:off x="0" y="0"/>
+          <a:ext cx="0" cy="0"/>
+          <a:chOff x="0" y="0"/>
+          <a:chExt cx="0" cy="0"/>
+        </a:xfrm>
+      </p:grpSpPr>
+      <p:sp>
+        <p:nvSpPr>
+          <p:cNvPr id="2" name="제목 1">
+            <a:extLst>
+              <a:ext uri="{FF2B5EF4-FFF2-40B4-BE49-F238E27FC236}">
                 <a16:creationId xmlns:a16="http://schemas.microsoft.com/office/drawing/2014/main" id="{3E674BAB-68E3-437A-B91F-1FED1DAB4A31}"/>
               </a:ext>
             </a:extLst>
@@ -8726,7 +9531,7 @@
 </p:sld>
 </file>
 
-<file path=ppt/slides/slide11.xml><?xml version="1.0" encoding="utf-8"?>
+<file path=ppt/slides/slide14.xml><?xml version="1.0" encoding="utf-8"?>
 <p:sld xmlns:a="http://schemas.openxmlformats.org/drawingml/2006/main" xmlns:r="http://schemas.openxmlformats.org/officeDocument/2006/relationships" xmlns:p="http://schemas.openxmlformats.org/presentationml/2006/main">
   <p:cSld>
     <p:spTree>
@@ -9345,7 +10150,7 @@
 </p:sld>
 </file>
 
-<file path=ppt/slides/slide12.xml><?xml version="1.0" encoding="utf-8"?>
+<file path=ppt/slides/slide15.xml><?xml version="1.0" encoding="utf-8"?>
 <p:sld xmlns:a="http://schemas.openxmlformats.org/drawingml/2006/main" xmlns:r="http://schemas.openxmlformats.org/officeDocument/2006/relationships" xmlns:p="http://schemas.openxmlformats.org/presentationml/2006/main">
   <p:cSld>
     <p:spTree>
@@ -9708,7 +10513,7 @@
 </p:sld>
 </file>
 
-<file path=ppt/slides/slide13.xml><?xml version="1.0" encoding="utf-8"?>
+<file path=ppt/slides/slide16.xml><?xml version="1.0" encoding="utf-8"?>
 <p:sld xmlns:a="http://schemas.openxmlformats.org/drawingml/2006/main" xmlns:r="http://schemas.openxmlformats.org/officeDocument/2006/relationships" xmlns:p="http://schemas.openxmlformats.org/presentationml/2006/main">
   <p:cSld>
     <p:spTree>
@@ -9847,7 +10652,7 @@
 </p:sld>
 </file>
 
-<file path=ppt/slides/slide14.xml><?xml version="1.0" encoding="utf-8"?>
+<file path=ppt/slides/slide17.xml><?xml version="1.0" encoding="utf-8"?>
 <p:sld xmlns:a="http://schemas.openxmlformats.org/drawingml/2006/main" xmlns:r="http://schemas.openxmlformats.org/officeDocument/2006/relationships" xmlns:p="http://schemas.openxmlformats.org/presentationml/2006/main">
   <p:cSld>
     <p:spTree>
@@ -9990,7 +10795,7 @@
 </p:sld>
 </file>
 
-<file path=ppt/slides/slide15.xml><?xml version="1.0" encoding="utf-8"?>
+<file path=ppt/slides/slide18.xml><?xml version="1.0" encoding="utf-8"?>
 <p:sld xmlns:a="http://schemas.openxmlformats.org/drawingml/2006/main" xmlns:r="http://schemas.openxmlformats.org/officeDocument/2006/relationships" xmlns:p="http://schemas.openxmlformats.org/presentationml/2006/main">
   <p:cSld>
     <p:spTree>
@@ -10137,7 +10942,7 @@
 </p:sld>
 </file>
 
-<file path=ppt/slides/slide16.xml><?xml version="1.0" encoding="utf-8"?>
+<file path=ppt/slides/slide19.xml><?xml version="1.0" encoding="utf-8"?>
 <p:sld xmlns:a="http://schemas.openxmlformats.org/drawingml/2006/main" xmlns:r="http://schemas.openxmlformats.org/officeDocument/2006/relationships" xmlns:p="http://schemas.openxmlformats.org/presentationml/2006/main">
   <p:cSld>
     <p:spTree>
@@ -10385,868 +11190,6 @@
     <p:extLst>
       <p:ext uri="{BB962C8B-B14F-4D97-AF65-F5344CB8AC3E}">
         <p14:creationId xmlns:p14="http://schemas.microsoft.com/office/powerpoint/2010/main" val="892331494"/>
-      </p:ext>
-    </p:extLst>
-  </p:cSld>
-  <p:clrMapOvr>
-    <a:masterClrMapping/>
-  </p:clrMapOvr>
-</p:sld>
-</file>
-
-<file path=ppt/slides/slide17.xml><?xml version="1.0" encoding="utf-8"?>
-<p:sld xmlns:a="http://schemas.openxmlformats.org/drawingml/2006/main" xmlns:r="http://schemas.openxmlformats.org/officeDocument/2006/relationships" xmlns:p="http://schemas.openxmlformats.org/presentationml/2006/main">
-  <p:cSld>
-    <p:spTree>
-      <p:nvGrpSpPr>
-        <p:cNvPr id="1" name=""/>
-        <p:cNvGrpSpPr/>
-        <p:nvPr/>
-      </p:nvGrpSpPr>
-      <p:grpSpPr>
-        <a:xfrm>
-          <a:off x="0" y="0"/>
-          <a:ext cx="0" cy="0"/>
-          <a:chOff x="0" y="0"/>
-          <a:chExt cx="0" cy="0"/>
-        </a:xfrm>
-      </p:grpSpPr>
-      <p:sp>
-        <p:nvSpPr>
-          <p:cNvPr id="2" name="제목 1">
-            <a:extLst>
-              <a:ext uri="{FF2B5EF4-FFF2-40B4-BE49-F238E27FC236}">
-                <a16:creationId xmlns:a16="http://schemas.microsoft.com/office/drawing/2014/main" id="{31F61373-EF6A-4370-A436-5F929669E903}"/>
-              </a:ext>
-            </a:extLst>
-          </p:cNvPr>
-          <p:cNvSpPr>
-            <a:spLocks noGrp="1"/>
-          </p:cNvSpPr>
-          <p:nvPr>
-            <p:ph type="ctrTitle"/>
-          </p:nvPr>
-        </p:nvSpPr>
-        <p:spPr/>
-        <p:txBody>
-          <a:bodyPr/>
-          <a:lstStyle/>
-          <a:p>
-            <a:r>
-              <a:rPr lang="ko-KR" altLang="en-US" dirty="0" err="1"/>
-              <a:t>깃허브</a:t>
-            </a:r>
-            <a:r>
-              <a:rPr lang="en-US" altLang="ko-KR" dirty="0"/>
-              <a:t> </a:t>
-            </a:r>
-            <a:r>
-              <a:rPr lang="ko-KR" altLang="en-US" dirty="0"/>
-              <a:t>원격저장소 수정</a:t>
-            </a:r>
-          </a:p>
-        </p:txBody>
-      </p:sp>
-      <p:sp>
-        <p:nvSpPr>
-          <p:cNvPr id="3" name="내용 개체 틀 2">
-            <a:extLst>
-              <a:ext uri="{FF2B5EF4-FFF2-40B4-BE49-F238E27FC236}">
-                <a16:creationId xmlns:a16="http://schemas.microsoft.com/office/drawing/2014/main" id="{11B04396-E9AB-4746-8812-9A10188995AB}"/>
-              </a:ext>
-            </a:extLst>
-          </p:cNvPr>
-          <p:cNvSpPr>
-            <a:spLocks noGrp="1"/>
-          </p:cNvSpPr>
-          <p:nvPr>
-            <p:ph idx="1"/>
-          </p:nvPr>
-        </p:nvSpPr>
-        <p:spPr/>
-        <p:txBody>
-          <a:bodyPr/>
-          <a:lstStyle/>
-          <a:p>
-            <a:r>
-              <a:rPr lang="ko-KR" altLang="en-US" dirty="0"/>
-              <a:t>파일 </a:t>
-            </a:r>
-            <a:r>
-              <a:rPr lang="en-US" altLang="ko-KR" dirty="0"/>
-              <a:t>README.md </a:t>
-            </a:r>
-            <a:r>
-              <a:rPr lang="ko-KR" altLang="en-US" dirty="0"/>
-              <a:t>수정</a:t>
-            </a:r>
-            <a:r>
-              <a:rPr lang="en-US" altLang="ko-KR" dirty="0"/>
-              <a:t> </a:t>
-            </a:r>
-            <a:r>
-              <a:rPr lang="ko-KR" altLang="en-US" dirty="0"/>
-              <a:t>후 </a:t>
-            </a:r>
-            <a:r>
-              <a:rPr lang="ko-KR" altLang="en-US" dirty="0" err="1"/>
-              <a:t>커밋</a:t>
-            </a:r>
-            <a:endParaRPr lang="en-US" altLang="ko-KR" dirty="0"/>
-          </a:p>
-          <a:p>
-            <a:pPr lvl="1"/>
-            <a:endParaRPr lang="en-US" altLang="ko-KR" dirty="0"/>
-          </a:p>
-          <a:p>
-            <a:pPr lvl="1"/>
-            <a:endParaRPr lang="ko-KR" altLang="en-US" dirty="0"/>
-          </a:p>
-        </p:txBody>
-      </p:sp>
-      <p:sp>
-        <p:nvSpPr>
-          <p:cNvPr id="4" name="직사각형 3">
-            <a:extLst>
-              <a:ext uri="{FF2B5EF4-FFF2-40B4-BE49-F238E27FC236}">
-                <a16:creationId xmlns:a16="http://schemas.microsoft.com/office/drawing/2014/main" id="{7DA0FDA2-3AAF-4571-B02E-2EE0391C1E24}"/>
-              </a:ext>
-            </a:extLst>
-          </p:cNvPr>
-          <p:cNvSpPr/>
-          <p:nvPr/>
-        </p:nvSpPr>
-        <p:spPr>
-          <a:xfrm>
-            <a:off x="1746300" y="1714505"/>
-            <a:ext cx="6777806" cy="2031325"/>
-          </a:xfrm>
-          <a:prstGeom prst="rect">
-            <a:avLst/>
-          </a:prstGeom>
-        </p:spPr>
-        <p:txBody>
-          <a:bodyPr wrap="square">
-            <a:spAutoFit/>
-          </a:bodyPr>
-          <a:lstStyle/>
-          <a:p>
-            <a:r>
-              <a:rPr lang="ko-KR" altLang="en-US" dirty="0"/>
-              <a:t># </a:t>
-            </a:r>
-            <a:r>
-              <a:rPr lang="ko-KR" altLang="en-US" dirty="0" err="1"/>
-              <a:t>git-clone</a:t>
-            </a:r>
-            <a:endParaRPr lang="en-US" altLang="ko-KR" dirty="0"/>
-          </a:p>
-          <a:p>
-            <a:endParaRPr lang="en-US" altLang="ko-KR" dirty="0"/>
-          </a:p>
-          <a:p>
-            <a:r>
-              <a:rPr lang="ko-KR" altLang="en-US" dirty="0"/>
-              <a:t>## 파일 수정 1회 후 </a:t>
-            </a:r>
-            <a:r>
-              <a:rPr lang="ko-KR" altLang="en-US" dirty="0" err="1"/>
-              <a:t>커밋</a:t>
-            </a:r>
-            <a:r>
-              <a:rPr lang="ko-KR" altLang="en-US" dirty="0"/>
-              <a:t>, 헤드라인 마크다운</a:t>
-            </a:r>
-            <a:endParaRPr lang="en-US" altLang="ko-KR" dirty="0"/>
-          </a:p>
-          <a:p>
-            <a:pPr marL="342900" indent="-342900">
-              <a:buFontTx/>
-              <a:buChar char="-"/>
-            </a:pPr>
-            <a:r>
-              <a:rPr lang="ko-KR" altLang="en-US" dirty="0"/>
-              <a:t># The </a:t>
-            </a:r>
-            <a:r>
-              <a:rPr lang="ko-KR" altLang="en-US" dirty="0" err="1"/>
-              <a:t>largest</a:t>
-            </a:r>
-            <a:r>
-              <a:rPr lang="ko-KR" altLang="en-US" dirty="0"/>
-              <a:t> </a:t>
-            </a:r>
-            <a:r>
-              <a:rPr lang="ko-KR" altLang="en-US" dirty="0" err="1"/>
-              <a:t>heading</a:t>
-            </a:r>
-            <a:endParaRPr lang="en-US" altLang="ko-KR" dirty="0"/>
-          </a:p>
-          <a:p>
-            <a:pPr marL="342900" indent="-342900">
-              <a:buFontTx/>
-              <a:buChar char="-"/>
-            </a:pPr>
-            <a:r>
-              <a:rPr lang="ko-KR" altLang="en-US" dirty="0"/>
-              <a:t>## The </a:t>
-            </a:r>
-            <a:r>
-              <a:rPr lang="ko-KR" altLang="en-US" dirty="0" err="1"/>
-              <a:t>second</a:t>
-            </a:r>
-            <a:r>
-              <a:rPr lang="ko-KR" altLang="en-US" dirty="0"/>
-              <a:t> </a:t>
-            </a:r>
-            <a:r>
-              <a:rPr lang="ko-KR" altLang="en-US" dirty="0" err="1"/>
-              <a:t>largest</a:t>
-            </a:r>
-            <a:r>
-              <a:rPr lang="ko-KR" altLang="en-US" dirty="0"/>
-              <a:t> </a:t>
-            </a:r>
-            <a:r>
-              <a:rPr lang="ko-KR" altLang="en-US" dirty="0" err="1"/>
-              <a:t>heading</a:t>
-            </a:r>
-            <a:endParaRPr lang="en-US" altLang="ko-KR" dirty="0"/>
-          </a:p>
-          <a:p>
-            <a:pPr marL="342900" indent="-342900">
-              <a:buFontTx/>
-              <a:buChar char="-"/>
-            </a:pPr>
-            <a:r>
-              <a:rPr lang="ko-KR" altLang="en-US" dirty="0"/>
-              <a:t>###### The </a:t>
-            </a:r>
-            <a:r>
-              <a:rPr lang="ko-KR" altLang="en-US" dirty="0" err="1"/>
-              <a:t>smallest</a:t>
-            </a:r>
-            <a:r>
-              <a:rPr lang="ko-KR" altLang="en-US" dirty="0"/>
-              <a:t> </a:t>
-            </a:r>
-            <a:r>
-              <a:rPr lang="ko-KR" altLang="en-US" dirty="0" err="1"/>
-              <a:t>heading</a:t>
-            </a:r>
-            <a:endParaRPr lang="ko-KR" altLang="en-US" dirty="0"/>
-          </a:p>
-        </p:txBody>
-      </p:sp>
-      <p:pic>
-        <p:nvPicPr>
-          <p:cNvPr id="5" name="그림 4">
-            <a:extLst>
-              <a:ext uri="{FF2B5EF4-FFF2-40B4-BE49-F238E27FC236}">
-                <a16:creationId xmlns:a16="http://schemas.microsoft.com/office/drawing/2014/main" id="{6B041A58-C68B-4497-B118-33319D4E95AC}"/>
-              </a:ext>
-            </a:extLst>
-          </p:cNvPr>
-          <p:cNvPicPr>
-            <a:picLocks noChangeAspect="1"/>
-          </p:cNvPicPr>
-          <p:nvPr/>
-        </p:nvPicPr>
-        <p:blipFill>
-          <a:blip r:embed="rId2"/>
-          <a:stretch>
-            <a:fillRect/>
-          </a:stretch>
-        </p:blipFill>
-        <p:spPr>
-          <a:xfrm>
-            <a:off x="1731321" y="4002146"/>
-            <a:ext cx="7489279" cy="2919168"/>
-          </a:xfrm>
-          <a:prstGeom prst="rect">
-            <a:avLst/>
-          </a:prstGeom>
-        </p:spPr>
-      </p:pic>
-    </p:spTree>
-    <p:extLst>
-      <p:ext uri="{BB962C8B-B14F-4D97-AF65-F5344CB8AC3E}">
-        <p14:creationId xmlns:p14="http://schemas.microsoft.com/office/powerpoint/2010/main" val="221701916"/>
-      </p:ext>
-    </p:extLst>
-  </p:cSld>
-  <p:clrMapOvr>
-    <a:masterClrMapping/>
-  </p:clrMapOvr>
-</p:sld>
-</file>
-
-<file path=ppt/slides/slide18.xml><?xml version="1.0" encoding="utf-8"?>
-<p:sld xmlns:a="http://schemas.openxmlformats.org/drawingml/2006/main" xmlns:r="http://schemas.openxmlformats.org/officeDocument/2006/relationships" xmlns:p="http://schemas.openxmlformats.org/presentationml/2006/main">
-  <p:cSld>
-    <p:spTree>
-      <p:nvGrpSpPr>
-        <p:cNvPr id="1" name=""/>
-        <p:cNvGrpSpPr/>
-        <p:nvPr/>
-      </p:nvGrpSpPr>
-      <p:grpSpPr>
-        <a:xfrm>
-          <a:off x="0" y="0"/>
-          <a:ext cx="0" cy="0"/>
-          <a:chOff x="0" y="0"/>
-          <a:chExt cx="0" cy="0"/>
-        </a:xfrm>
-      </p:grpSpPr>
-      <p:sp>
-        <p:nvSpPr>
-          <p:cNvPr id="2" name="제목 1">
-            <a:extLst>
-              <a:ext uri="{FF2B5EF4-FFF2-40B4-BE49-F238E27FC236}">
-                <a16:creationId xmlns:a16="http://schemas.microsoft.com/office/drawing/2014/main" id="{90864E9B-55FF-47D5-A9D9-6BE0835AB195}"/>
-              </a:ext>
-            </a:extLst>
-          </p:cNvPr>
-          <p:cNvSpPr>
-            <a:spLocks noGrp="1"/>
-          </p:cNvSpPr>
-          <p:nvPr>
-            <p:ph type="ctrTitle"/>
-          </p:nvPr>
-        </p:nvSpPr>
-        <p:spPr/>
-        <p:txBody>
-          <a:bodyPr/>
-          <a:lstStyle/>
-          <a:p>
-            <a:r>
-              <a:rPr lang="ko-KR" altLang="en-US" dirty="0"/>
-              <a:t>마크다운 가이드</a:t>
-            </a:r>
-          </a:p>
-        </p:txBody>
-      </p:sp>
-      <p:sp>
-        <p:nvSpPr>
-          <p:cNvPr id="3" name="내용 개체 틀 2">
-            <a:extLst>
-              <a:ext uri="{FF2B5EF4-FFF2-40B4-BE49-F238E27FC236}">
-                <a16:creationId xmlns:a16="http://schemas.microsoft.com/office/drawing/2014/main" id="{DAA0BB67-78E5-4BEF-943C-414472429485}"/>
-              </a:ext>
-            </a:extLst>
-          </p:cNvPr>
-          <p:cNvSpPr>
-            <a:spLocks noGrp="1"/>
-          </p:cNvSpPr>
-          <p:nvPr>
-            <p:ph idx="1"/>
-          </p:nvPr>
-        </p:nvSpPr>
-        <p:spPr/>
-        <p:txBody>
-          <a:bodyPr/>
-          <a:lstStyle/>
-          <a:p>
-            <a:r>
-              <a:rPr lang="ko-KR" altLang="en-US" dirty="0"/>
-              <a:t>문서 형식화 언어</a:t>
-            </a:r>
-            <a:endParaRPr lang="en-US" altLang="ko-KR" dirty="0"/>
-          </a:p>
-          <a:p>
-            <a:pPr lvl="1"/>
-            <a:r>
-              <a:rPr lang="ko-KR" altLang="en-US" dirty="0"/>
-              <a:t>마크다운은 일반 텍스트 </a:t>
-            </a:r>
-            <a:r>
-              <a:rPr lang="ko-KR" altLang="en-US" dirty="0" err="1"/>
-              <a:t>텍스트</a:t>
-            </a:r>
-            <a:r>
-              <a:rPr lang="ko-KR" altLang="en-US" dirty="0"/>
-              <a:t> 문서에 형식 요소를 추가하는 데 사용할 수 있는 경량 마크업 언어</a:t>
-            </a:r>
-            <a:endParaRPr lang="en-US" altLang="ko-KR" dirty="0"/>
-          </a:p>
-          <a:p>
-            <a:pPr lvl="1"/>
-            <a:r>
-              <a:rPr lang="ko-KR" altLang="en-US" dirty="0"/>
-              <a:t>현재 세계에서 가장 인기 있는 마크업 언어 중 하나</a:t>
-            </a:r>
-            <a:endParaRPr lang="en-US" altLang="ko-KR" dirty="0"/>
-          </a:p>
-          <a:p>
-            <a:pPr lvl="2"/>
-            <a:r>
-              <a:rPr lang="en-US" altLang="ko-KR" dirty="0"/>
-              <a:t>2004</a:t>
-            </a:r>
-            <a:r>
-              <a:rPr lang="ko-KR" altLang="en-US" dirty="0"/>
-              <a:t>년 존 </a:t>
-            </a:r>
-            <a:r>
-              <a:rPr lang="ko-KR" altLang="en-US" dirty="0" err="1"/>
-              <a:t>그루버가</a:t>
-            </a:r>
-            <a:r>
-              <a:rPr lang="ko-KR" altLang="en-US" dirty="0"/>
-              <a:t> 개발</a:t>
-            </a:r>
-            <a:endParaRPr lang="en-US" altLang="ko-KR" dirty="0"/>
-          </a:p>
-          <a:p>
-            <a:r>
-              <a:rPr lang="en-US" altLang="ko-KR" dirty="0">
-                <a:hlinkClick r:id="rId2"/>
-              </a:rPr>
-              <a:t>https://www.markdownguide.org/</a:t>
-            </a:r>
-            <a:endParaRPr lang="en-US" altLang="ko-KR" dirty="0"/>
-          </a:p>
-          <a:p>
-            <a:endParaRPr lang="en-US" altLang="ko-KR" dirty="0"/>
-          </a:p>
-          <a:p>
-            <a:pPr lvl="1"/>
-            <a:endParaRPr lang="ko-KR" altLang="en-US" dirty="0"/>
-          </a:p>
-        </p:txBody>
-      </p:sp>
-      <p:pic>
-        <p:nvPicPr>
-          <p:cNvPr id="4" name="그림 3">
-            <a:extLst>
-              <a:ext uri="{FF2B5EF4-FFF2-40B4-BE49-F238E27FC236}">
-                <a16:creationId xmlns:a16="http://schemas.microsoft.com/office/drawing/2014/main" id="{C68800CB-4C57-455C-81CD-5CB7E6244231}"/>
-              </a:ext>
-            </a:extLst>
-          </p:cNvPr>
-          <p:cNvPicPr>
-            <a:picLocks noChangeAspect="1"/>
-          </p:cNvPicPr>
-          <p:nvPr/>
-        </p:nvPicPr>
-        <p:blipFill>
-          <a:blip r:embed="rId3"/>
-          <a:stretch>
-            <a:fillRect/>
-          </a:stretch>
-        </p:blipFill>
-        <p:spPr>
-          <a:xfrm>
-            <a:off x="2610396" y="2860705"/>
-            <a:ext cx="5022640" cy="4088278"/>
-          </a:xfrm>
-          <a:prstGeom prst="rect">
-            <a:avLst/>
-          </a:prstGeom>
-        </p:spPr>
-      </p:pic>
-    </p:spTree>
-    <p:extLst>
-      <p:ext uri="{BB962C8B-B14F-4D97-AF65-F5344CB8AC3E}">
-        <p14:creationId xmlns:p14="http://schemas.microsoft.com/office/powerpoint/2010/main" val="1993749777"/>
-      </p:ext>
-    </p:extLst>
-  </p:cSld>
-  <p:clrMapOvr>
-    <a:masterClrMapping/>
-  </p:clrMapOvr>
-</p:sld>
-</file>
-
-<file path=ppt/slides/slide19.xml><?xml version="1.0" encoding="utf-8"?>
-<p:sld xmlns:a="http://schemas.openxmlformats.org/drawingml/2006/main" xmlns:r="http://schemas.openxmlformats.org/officeDocument/2006/relationships" xmlns:p="http://schemas.openxmlformats.org/presentationml/2006/main">
-  <p:cSld>
-    <p:spTree>
-      <p:nvGrpSpPr>
-        <p:cNvPr id="1" name=""/>
-        <p:cNvGrpSpPr/>
-        <p:nvPr/>
-      </p:nvGrpSpPr>
-      <p:grpSpPr>
-        <a:xfrm>
-          <a:off x="0" y="0"/>
-          <a:ext cx="0" cy="0"/>
-          <a:chOff x="0" y="0"/>
-          <a:chExt cx="0" cy="0"/>
-        </a:xfrm>
-      </p:grpSpPr>
-      <p:sp>
-        <p:nvSpPr>
-          <p:cNvPr id="2" name="제목 1">
-            <a:extLst>
-              <a:ext uri="{FF2B5EF4-FFF2-40B4-BE49-F238E27FC236}">
-                <a16:creationId xmlns:a16="http://schemas.microsoft.com/office/drawing/2014/main" id="{F71B0973-729D-4AFD-A5D5-AA1EFFABD227}"/>
-              </a:ext>
-            </a:extLst>
-          </p:cNvPr>
-          <p:cNvSpPr>
-            <a:spLocks noGrp="1"/>
-          </p:cNvSpPr>
-          <p:nvPr>
-            <p:ph type="ctrTitle"/>
-          </p:nvPr>
-        </p:nvSpPr>
-        <p:spPr/>
-        <p:txBody>
-          <a:bodyPr/>
-          <a:lstStyle/>
-          <a:p>
-            <a:endParaRPr lang="ko-KR" altLang="en-US"/>
-          </a:p>
-        </p:txBody>
-      </p:sp>
-      <p:sp>
-        <p:nvSpPr>
-          <p:cNvPr id="3" name="내용 개체 틀 2">
-            <a:extLst>
-              <a:ext uri="{FF2B5EF4-FFF2-40B4-BE49-F238E27FC236}">
-                <a16:creationId xmlns:a16="http://schemas.microsoft.com/office/drawing/2014/main" id="{9C25F3F8-7E4A-4592-B66B-14B22CFB57FD}"/>
-              </a:ext>
-            </a:extLst>
-          </p:cNvPr>
-          <p:cNvSpPr>
-            <a:spLocks noGrp="1"/>
-          </p:cNvSpPr>
-          <p:nvPr>
-            <p:ph idx="1"/>
-          </p:nvPr>
-        </p:nvSpPr>
-        <p:spPr/>
-        <p:txBody>
-          <a:bodyPr/>
-          <a:lstStyle/>
-          <a:p>
-            <a:endParaRPr lang="ko-KR" altLang="en-US" dirty="0"/>
-          </a:p>
-        </p:txBody>
-      </p:sp>
-      <p:sp>
-        <p:nvSpPr>
-          <p:cNvPr id="4" name="직사각형 3">
-            <a:extLst>
-              <a:ext uri="{FF2B5EF4-FFF2-40B4-BE49-F238E27FC236}">
-                <a16:creationId xmlns:a16="http://schemas.microsoft.com/office/drawing/2014/main" id="{2AB3FA35-18AB-4E43-9C7E-556AFBB7E205}"/>
-              </a:ext>
-            </a:extLst>
-          </p:cNvPr>
-          <p:cNvSpPr/>
-          <p:nvPr/>
-        </p:nvSpPr>
-        <p:spPr>
-          <a:xfrm>
-            <a:off x="1494272" y="1692399"/>
-            <a:ext cx="7704856" cy="4616648"/>
-          </a:xfrm>
-          <a:prstGeom prst="rect">
-            <a:avLst/>
-          </a:prstGeom>
-        </p:spPr>
-        <p:txBody>
-          <a:bodyPr wrap="square">
-            <a:spAutoFit/>
-          </a:bodyPr>
-          <a:lstStyle/>
-          <a:p>
-            <a:r>
-              <a:rPr lang="en-US" altLang="ko-KR" sz="1400" b="1" dirty="0">
-                <a:solidFill>
-                  <a:srgbClr val="569CD6"/>
-                </a:solidFill>
-                <a:latin typeface="Consolas" panose="020B0609020204030204" pitchFamily="49" charset="0"/>
-              </a:rPr>
-              <a:t>### Link</a:t>
-            </a:r>
-            <a:endParaRPr lang="en-US" altLang="ko-KR" sz="1400" dirty="0">
-              <a:solidFill>
-                <a:srgbClr val="D4D4D4"/>
-              </a:solidFill>
-              <a:latin typeface="Consolas" panose="020B0609020204030204" pitchFamily="49" charset="0"/>
-            </a:endParaRPr>
-          </a:p>
-          <a:p>
-            <a:br>
-              <a:rPr lang="en-US" altLang="ko-KR" sz="1400" dirty="0">
-                <a:solidFill>
-                  <a:srgbClr val="D4D4D4"/>
-                </a:solidFill>
-                <a:latin typeface="Consolas" panose="020B0609020204030204" pitchFamily="49" charset="0"/>
-              </a:rPr>
-            </a:br>
-            <a:r>
-              <a:rPr lang="en-US" altLang="ko-KR" sz="1400" dirty="0">
-                <a:solidFill>
-                  <a:srgbClr val="D4D4D4"/>
-                </a:solidFill>
-                <a:latin typeface="Consolas" panose="020B0609020204030204" pitchFamily="49" charset="0"/>
-              </a:rPr>
-              <a:t>[</a:t>
-            </a:r>
-            <a:r>
-              <a:rPr lang="en-US" altLang="ko-KR" sz="1400" dirty="0">
-                <a:solidFill>
-                  <a:srgbClr val="CE9178"/>
-                </a:solidFill>
-                <a:latin typeface="Consolas" panose="020B0609020204030204" pitchFamily="49" charset="0"/>
-              </a:rPr>
-              <a:t>Markdown Guide</a:t>
-            </a:r>
-            <a:r>
-              <a:rPr lang="en-US" altLang="ko-KR" sz="1400" dirty="0">
-                <a:solidFill>
-                  <a:srgbClr val="D4D4D4"/>
-                </a:solidFill>
-                <a:latin typeface="Consolas" panose="020B0609020204030204" pitchFamily="49" charset="0"/>
-              </a:rPr>
-              <a:t>](</a:t>
-            </a:r>
-            <a:r>
-              <a:rPr lang="en-US" altLang="ko-KR" sz="1400" u="sng" dirty="0">
-                <a:solidFill>
-                  <a:srgbClr val="D4D4D4"/>
-                </a:solidFill>
-                <a:latin typeface="Consolas" panose="020B0609020204030204" pitchFamily="49" charset="0"/>
-              </a:rPr>
-              <a:t>https://www.markdownguide.org</a:t>
-            </a:r>
-            <a:r>
-              <a:rPr lang="en-US" altLang="ko-KR" sz="1400" dirty="0">
-                <a:solidFill>
-                  <a:srgbClr val="D4D4D4"/>
-                </a:solidFill>
-                <a:latin typeface="Consolas" panose="020B0609020204030204" pitchFamily="49" charset="0"/>
-              </a:rPr>
-              <a:t>)</a:t>
-            </a:r>
-          </a:p>
-          <a:p>
-            <a:br>
-              <a:rPr lang="en-US" altLang="ko-KR" sz="1400" dirty="0">
-                <a:solidFill>
-                  <a:srgbClr val="D4D4D4"/>
-                </a:solidFill>
-                <a:latin typeface="Consolas" panose="020B0609020204030204" pitchFamily="49" charset="0"/>
-              </a:rPr>
-            </a:br>
-            <a:r>
-              <a:rPr lang="en-US" altLang="ko-KR" sz="1400" b="1" dirty="0">
-                <a:solidFill>
-                  <a:srgbClr val="569CD6"/>
-                </a:solidFill>
-                <a:latin typeface="Consolas" panose="020B0609020204030204" pitchFamily="49" charset="0"/>
-              </a:rPr>
-              <a:t>### Image</a:t>
-            </a:r>
-            <a:endParaRPr lang="en-US" altLang="ko-KR" sz="1400" dirty="0">
-              <a:solidFill>
-                <a:srgbClr val="D4D4D4"/>
-              </a:solidFill>
-              <a:latin typeface="Consolas" panose="020B0609020204030204" pitchFamily="49" charset="0"/>
-            </a:endParaRPr>
-          </a:p>
-          <a:p>
-            <a:br>
-              <a:rPr lang="en-US" altLang="ko-KR" sz="1400" dirty="0">
-                <a:solidFill>
-                  <a:srgbClr val="D4D4D4"/>
-                </a:solidFill>
-                <a:latin typeface="Consolas" panose="020B0609020204030204" pitchFamily="49" charset="0"/>
-              </a:rPr>
-            </a:br>
-            <a:r>
-              <a:rPr lang="en-US" altLang="ko-KR" sz="1400" dirty="0">
-                <a:solidFill>
-                  <a:srgbClr val="D4D4D4"/>
-                </a:solidFill>
-                <a:latin typeface="Consolas" panose="020B0609020204030204" pitchFamily="49" charset="0"/>
-              </a:rPr>
-              <a:t>![</a:t>
-            </a:r>
-            <a:r>
-              <a:rPr lang="en-US" altLang="ko-KR" sz="1400" dirty="0">
-                <a:solidFill>
-                  <a:srgbClr val="CE9178"/>
-                </a:solidFill>
-                <a:latin typeface="Consolas" panose="020B0609020204030204" pitchFamily="49" charset="0"/>
-              </a:rPr>
-              <a:t>alt text</a:t>
-            </a:r>
-            <a:r>
-              <a:rPr lang="en-US" altLang="ko-KR" sz="1400" dirty="0">
-                <a:solidFill>
-                  <a:srgbClr val="D4D4D4"/>
-                </a:solidFill>
-                <a:latin typeface="Consolas" panose="020B0609020204030204" pitchFamily="49" charset="0"/>
-              </a:rPr>
-              <a:t>](</a:t>
-            </a:r>
-            <a:r>
-              <a:rPr lang="en-US" altLang="ko-KR" sz="1400" u="sng" dirty="0">
-                <a:solidFill>
-                  <a:srgbClr val="D4D4D4"/>
-                </a:solidFill>
-                <a:latin typeface="Consolas" panose="020B0609020204030204" pitchFamily="49" charset="0"/>
-              </a:rPr>
-              <a:t>https://www.markdownguide.org/assets/images/tux.png</a:t>
-            </a:r>
-            <a:r>
-              <a:rPr lang="en-US" altLang="ko-KR" sz="1400" dirty="0">
-                <a:solidFill>
-                  <a:srgbClr val="D4D4D4"/>
-                </a:solidFill>
-                <a:latin typeface="Consolas" panose="020B0609020204030204" pitchFamily="49" charset="0"/>
-              </a:rPr>
-              <a:t>)</a:t>
-            </a:r>
-          </a:p>
-          <a:p>
-            <a:br>
-              <a:rPr lang="en-US" altLang="ko-KR" sz="1400" dirty="0">
-                <a:solidFill>
-                  <a:srgbClr val="D4D4D4"/>
-                </a:solidFill>
-                <a:latin typeface="Consolas" panose="020B0609020204030204" pitchFamily="49" charset="0"/>
-              </a:rPr>
-            </a:br>
-            <a:r>
-              <a:rPr lang="en-US" altLang="ko-KR" sz="1400" b="1" dirty="0">
-                <a:solidFill>
-                  <a:srgbClr val="569CD6"/>
-                </a:solidFill>
-                <a:latin typeface="Consolas" panose="020B0609020204030204" pitchFamily="49" charset="0"/>
-              </a:rPr>
-              <a:t>## Extended Syntax</a:t>
-            </a:r>
-            <a:endParaRPr lang="en-US" altLang="ko-KR" sz="1400" dirty="0">
-              <a:solidFill>
-                <a:srgbClr val="D4D4D4"/>
-              </a:solidFill>
-              <a:latin typeface="Consolas" panose="020B0609020204030204" pitchFamily="49" charset="0"/>
-            </a:endParaRPr>
-          </a:p>
-          <a:p>
-            <a:br>
-              <a:rPr lang="en-US" altLang="ko-KR" sz="1400" dirty="0">
-                <a:solidFill>
-                  <a:srgbClr val="D4D4D4"/>
-                </a:solidFill>
-                <a:latin typeface="Consolas" panose="020B0609020204030204" pitchFamily="49" charset="0"/>
-              </a:rPr>
-            </a:br>
-            <a:r>
-              <a:rPr lang="en-US" altLang="ko-KR" sz="1400" dirty="0">
-                <a:solidFill>
-                  <a:srgbClr val="D4D4D4"/>
-                </a:solidFill>
-                <a:latin typeface="Consolas" panose="020B0609020204030204" pitchFamily="49" charset="0"/>
-              </a:rPr>
-              <a:t>These elements extend the basic syntax by adding additional features. Not all Markdown applications support these elements.</a:t>
-            </a:r>
-          </a:p>
-          <a:p>
-            <a:br>
-              <a:rPr lang="en-US" altLang="ko-KR" sz="1400" dirty="0">
-                <a:solidFill>
-                  <a:srgbClr val="D4D4D4"/>
-                </a:solidFill>
-                <a:latin typeface="Consolas" panose="020B0609020204030204" pitchFamily="49" charset="0"/>
-              </a:rPr>
-            </a:br>
-            <a:r>
-              <a:rPr lang="en-US" altLang="ko-KR" sz="1400" b="1" dirty="0">
-                <a:solidFill>
-                  <a:srgbClr val="569CD6"/>
-                </a:solidFill>
-                <a:latin typeface="Consolas" panose="020B0609020204030204" pitchFamily="49" charset="0"/>
-              </a:rPr>
-              <a:t>### Table</a:t>
-            </a:r>
-            <a:endParaRPr lang="en-US" altLang="ko-KR" sz="1400" dirty="0">
-              <a:solidFill>
-                <a:srgbClr val="D4D4D4"/>
-              </a:solidFill>
-              <a:latin typeface="Consolas" panose="020B0609020204030204" pitchFamily="49" charset="0"/>
-            </a:endParaRPr>
-          </a:p>
-          <a:p>
-            <a:br>
-              <a:rPr lang="en-US" altLang="ko-KR" sz="1400" dirty="0">
-                <a:solidFill>
-                  <a:srgbClr val="D4D4D4"/>
-                </a:solidFill>
-                <a:latin typeface="Consolas" panose="020B0609020204030204" pitchFamily="49" charset="0"/>
-              </a:rPr>
-            </a:br>
-            <a:r>
-              <a:rPr lang="en-US" altLang="ko-KR" sz="1400" dirty="0">
-                <a:solidFill>
-                  <a:srgbClr val="D4D4D4"/>
-                </a:solidFill>
-                <a:latin typeface="Consolas" panose="020B0609020204030204" pitchFamily="49" charset="0"/>
-              </a:rPr>
-              <a:t>| Syntax | Description |</a:t>
-            </a:r>
-          </a:p>
-          <a:p>
-            <a:r>
-              <a:rPr lang="en-US" altLang="ko-KR" sz="1400" dirty="0">
-                <a:solidFill>
-                  <a:srgbClr val="D4D4D4"/>
-                </a:solidFill>
-                <a:latin typeface="Consolas" panose="020B0609020204030204" pitchFamily="49" charset="0"/>
-              </a:rPr>
-              <a:t>| ----------- | ----------- |</a:t>
-            </a:r>
-          </a:p>
-          <a:p>
-            <a:r>
-              <a:rPr lang="en-US" altLang="ko-KR" sz="1400" dirty="0">
-                <a:solidFill>
-                  <a:srgbClr val="D4D4D4"/>
-                </a:solidFill>
-                <a:latin typeface="Consolas" panose="020B0609020204030204" pitchFamily="49" charset="0"/>
-              </a:rPr>
-              <a:t>| Header | Title |</a:t>
-            </a:r>
-          </a:p>
-          <a:p>
-            <a:r>
-              <a:rPr lang="en-US" altLang="ko-KR" sz="1400" dirty="0">
-                <a:solidFill>
-                  <a:srgbClr val="D4D4D4"/>
-                </a:solidFill>
-                <a:latin typeface="Consolas" panose="020B0609020204030204" pitchFamily="49" charset="0"/>
-              </a:rPr>
-              <a:t>| Paragraph | Text |</a:t>
-            </a:r>
-          </a:p>
-          <a:p>
-            <a:br>
-              <a:rPr lang="en-US" altLang="ko-KR" sz="1400" dirty="0">
-                <a:solidFill>
-                  <a:srgbClr val="D4D4D4"/>
-                </a:solidFill>
-                <a:latin typeface="Consolas" panose="020B0609020204030204" pitchFamily="49" charset="0"/>
-              </a:rPr>
-            </a:br>
-            <a:endParaRPr lang="en-US" altLang="ko-KR" sz="1400" b="0" dirty="0">
-              <a:solidFill>
-                <a:srgbClr val="D4D4D4"/>
-              </a:solidFill>
-              <a:effectLst/>
-              <a:latin typeface="Consolas" panose="020B0609020204030204" pitchFamily="49" charset="0"/>
-            </a:endParaRPr>
-          </a:p>
-        </p:txBody>
-      </p:sp>
-    </p:spTree>
-    <p:extLst>
-      <p:ext uri="{BB962C8B-B14F-4D97-AF65-F5344CB8AC3E}">
-        <p14:creationId xmlns:p14="http://schemas.microsoft.com/office/powerpoint/2010/main" val="2810228203"/>
       </p:ext>
     </p:extLst>
   </p:cSld>
@@ -12216,6 +12159,868 @@
           <p:cNvPr id="2" name="제목 1">
             <a:extLst>
               <a:ext uri="{FF2B5EF4-FFF2-40B4-BE49-F238E27FC236}">
+                <a16:creationId xmlns:a16="http://schemas.microsoft.com/office/drawing/2014/main" id="{31F61373-EF6A-4370-A436-5F929669E903}"/>
+              </a:ext>
+            </a:extLst>
+          </p:cNvPr>
+          <p:cNvSpPr>
+            <a:spLocks noGrp="1"/>
+          </p:cNvSpPr>
+          <p:nvPr>
+            <p:ph type="ctrTitle"/>
+          </p:nvPr>
+        </p:nvSpPr>
+        <p:spPr/>
+        <p:txBody>
+          <a:bodyPr/>
+          <a:lstStyle/>
+          <a:p>
+            <a:r>
+              <a:rPr lang="ko-KR" altLang="en-US" dirty="0" err="1"/>
+              <a:t>깃허브</a:t>
+            </a:r>
+            <a:r>
+              <a:rPr lang="en-US" altLang="ko-KR" dirty="0"/>
+              <a:t> </a:t>
+            </a:r>
+            <a:r>
+              <a:rPr lang="ko-KR" altLang="en-US" dirty="0"/>
+              <a:t>원격저장소 수정</a:t>
+            </a:r>
+          </a:p>
+        </p:txBody>
+      </p:sp>
+      <p:sp>
+        <p:nvSpPr>
+          <p:cNvPr id="3" name="내용 개체 틀 2">
+            <a:extLst>
+              <a:ext uri="{FF2B5EF4-FFF2-40B4-BE49-F238E27FC236}">
+                <a16:creationId xmlns:a16="http://schemas.microsoft.com/office/drawing/2014/main" id="{11B04396-E9AB-4746-8812-9A10188995AB}"/>
+              </a:ext>
+            </a:extLst>
+          </p:cNvPr>
+          <p:cNvSpPr>
+            <a:spLocks noGrp="1"/>
+          </p:cNvSpPr>
+          <p:nvPr>
+            <p:ph idx="1"/>
+          </p:nvPr>
+        </p:nvSpPr>
+        <p:spPr/>
+        <p:txBody>
+          <a:bodyPr/>
+          <a:lstStyle/>
+          <a:p>
+            <a:r>
+              <a:rPr lang="ko-KR" altLang="en-US" dirty="0"/>
+              <a:t>파일 </a:t>
+            </a:r>
+            <a:r>
+              <a:rPr lang="en-US" altLang="ko-KR" dirty="0"/>
+              <a:t>README.md </a:t>
+            </a:r>
+            <a:r>
+              <a:rPr lang="ko-KR" altLang="en-US" dirty="0"/>
+              <a:t>수정</a:t>
+            </a:r>
+            <a:r>
+              <a:rPr lang="en-US" altLang="ko-KR" dirty="0"/>
+              <a:t> </a:t>
+            </a:r>
+            <a:r>
+              <a:rPr lang="ko-KR" altLang="en-US" dirty="0"/>
+              <a:t>후 </a:t>
+            </a:r>
+            <a:r>
+              <a:rPr lang="ko-KR" altLang="en-US" dirty="0" err="1"/>
+              <a:t>커밋</a:t>
+            </a:r>
+            <a:endParaRPr lang="en-US" altLang="ko-KR" dirty="0"/>
+          </a:p>
+          <a:p>
+            <a:pPr lvl="1"/>
+            <a:endParaRPr lang="en-US" altLang="ko-KR" dirty="0"/>
+          </a:p>
+          <a:p>
+            <a:pPr lvl="1"/>
+            <a:endParaRPr lang="ko-KR" altLang="en-US" dirty="0"/>
+          </a:p>
+        </p:txBody>
+      </p:sp>
+      <p:sp>
+        <p:nvSpPr>
+          <p:cNvPr id="4" name="직사각형 3">
+            <a:extLst>
+              <a:ext uri="{FF2B5EF4-FFF2-40B4-BE49-F238E27FC236}">
+                <a16:creationId xmlns:a16="http://schemas.microsoft.com/office/drawing/2014/main" id="{7DA0FDA2-3AAF-4571-B02E-2EE0391C1E24}"/>
+              </a:ext>
+            </a:extLst>
+          </p:cNvPr>
+          <p:cNvSpPr/>
+          <p:nvPr/>
+        </p:nvSpPr>
+        <p:spPr>
+          <a:xfrm>
+            <a:off x="1746300" y="1714505"/>
+            <a:ext cx="6777806" cy="2031325"/>
+          </a:xfrm>
+          <a:prstGeom prst="rect">
+            <a:avLst/>
+          </a:prstGeom>
+        </p:spPr>
+        <p:txBody>
+          <a:bodyPr wrap="square">
+            <a:spAutoFit/>
+          </a:bodyPr>
+          <a:lstStyle/>
+          <a:p>
+            <a:r>
+              <a:rPr lang="ko-KR" altLang="en-US" dirty="0"/>
+              <a:t># </a:t>
+            </a:r>
+            <a:r>
+              <a:rPr lang="ko-KR" altLang="en-US" dirty="0" err="1"/>
+              <a:t>git-clone</a:t>
+            </a:r>
+            <a:endParaRPr lang="en-US" altLang="ko-KR" dirty="0"/>
+          </a:p>
+          <a:p>
+            <a:endParaRPr lang="en-US" altLang="ko-KR" dirty="0"/>
+          </a:p>
+          <a:p>
+            <a:r>
+              <a:rPr lang="ko-KR" altLang="en-US" dirty="0"/>
+              <a:t>## 파일 수정 1회 후 </a:t>
+            </a:r>
+            <a:r>
+              <a:rPr lang="ko-KR" altLang="en-US" dirty="0" err="1"/>
+              <a:t>커밋</a:t>
+            </a:r>
+            <a:r>
+              <a:rPr lang="ko-KR" altLang="en-US" dirty="0"/>
+              <a:t>, 헤드라인 마크다운</a:t>
+            </a:r>
+            <a:endParaRPr lang="en-US" altLang="ko-KR" dirty="0"/>
+          </a:p>
+          <a:p>
+            <a:pPr marL="342900" indent="-342900">
+              <a:buFontTx/>
+              <a:buChar char="-"/>
+            </a:pPr>
+            <a:r>
+              <a:rPr lang="ko-KR" altLang="en-US" dirty="0"/>
+              <a:t># The </a:t>
+            </a:r>
+            <a:r>
+              <a:rPr lang="ko-KR" altLang="en-US" dirty="0" err="1"/>
+              <a:t>largest</a:t>
+            </a:r>
+            <a:r>
+              <a:rPr lang="ko-KR" altLang="en-US" dirty="0"/>
+              <a:t> </a:t>
+            </a:r>
+            <a:r>
+              <a:rPr lang="ko-KR" altLang="en-US" dirty="0" err="1"/>
+              <a:t>heading</a:t>
+            </a:r>
+            <a:endParaRPr lang="en-US" altLang="ko-KR" dirty="0"/>
+          </a:p>
+          <a:p>
+            <a:pPr marL="342900" indent="-342900">
+              <a:buFontTx/>
+              <a:buChar char="-"/>
+            </a:pPr>
+            <a:r>
+              <a:rPr lang="ko-KR" altLang="en-US" dirty="0"/>
+              <a:t>## The </a:t>
+            </a:r>
+            <a:r>
+              <a:rPr lang="ko-KR" altLang="en-US" dirty="0" err="1"/>
+              <a:t>second</a:t>
+            </a:r>
+            <a:r>
+              <a:rPr lang="ko-KR" altLang="en-US" dirty="0"/>
+              <a:t> </a:t>
+            </a:r>
+            <a:r>
+              <a:rPr lang="ko-KR" altLang="en-US" dirty="0" err="1"/>
+              <a:t>largest</a:t>
+            </a:r>
+            <a:r>
+              <a:rPr lang="ko-KR" altLang="en-US" dirty="0"/>
+              <a:t> </a:t>
+            </a:r>
+            <a:r>
+              <a:rPr lang="ko-KR" altLang="en-US" dirty="0" err="1"/>
+              <a:t>heading</a:t>
+            </a:r>
+            <a:endParaRPr lang="en-US" altLang="ko-KR" dirty="0"/>
+          </a:p>
+          <a:p>
+            <a:pPr marL="342900" indent="-342900">
+              <a:buFontTx/>
+              <a:buChar char="-"/>
+            </a:pPr>
+            <a:r>
+              <a:rPr lang="ko-KR" altLang="en-US" dirty="0"/>
+              <a:t>###### The </a:t>
+            </a:r>
+            <a:r>
+              <a:rPr lang="ko-KR" altLang="en-US" dirty="0" err="1"/>
+              <a:t>smallest</a:t>
+            </a:r>
+            <a:r>
+              <a:rPr lang="ko-KR" altLang="en-US" dirty="0"/>
+              <a:t> </a:t>
+            </a:r>
+            <a:r>
+              <a:rPr lang="ko-KR" altLang="en-US" dirty="0" err="1"/>
+              <a:t>heading</a:t>
+            </a:r>
+            <a:endParaRPr lang="ko-KR" altLang="en-US" dirty="0"/>
+          </a:p>
+        </p:txBody>
+      </p:sp>
+      <p:pic>
+        <p:nvPicPr>
+          <p:cNvPr id="5" name="그림 4">
+            <a:extLst>
+              <a:ext uri="{FF2B5EF4-FFF2-40B4-BE49-F238E27FC236}">
+                <a16:creationId xmlns:a16="http://schemas.microsoft.com/office/drawing/2014/main" id="{6B041A58-C68B-4497-B118-33319D4E95AC}"/>
+              </a:ext>
+            </a:extLst>
+          </p:cNvPr>
+          <p:cNvPicPr>
+            <a:picLocks noChangeAspect="1"/>
+          </p:cNvPicPr>
+          <p:nvPr/>
+        </p:nvPicPr>
+        <p:blipFill>
+          <a:blip r:embed="rId2"/>
+          <a:stretch>
+            <a:fillRect/>
+          </a:stretch>
+        </p:blipFill>
+        <p:spPr>
+          <a:xfrm>
+            <a:off x="1731321" y="4002146"/>
+            <a:ext cx="7489279" cy="2919168"/>
+          </a:xfrm>
+          <a:prstGeom prst="rect">
+            <a:avLst/>
+          </a:prstGeom>
+        </p:spPr>
+      </p:pic>
+    </p:spTree>
+    <p:extLst>
+      <p:ext uri="{BB962C8B-B14F-4D97-AF65-F5344CB8AC3E}">
+        <p14:creationId xmlns:p14="http://schemas.microsoft.com/office/powerpoint/2010/main" val="221701916"/>
+      </p:ext>
+    </p:extLst>
+  </p:cSld>
+  <p:clrMapOvr>
+    <a:masterClrMapping/>
+  </p:clrMapOvr>
+</p:sld>
+</file>
+
+<file path=ppt/slides/slide21.xml><?xml version="1.0" encoding="utf-8"?>
+<p:sld xmlns:a="http://schemas.openxmlformats.org/drawingml/2006/main" xmlns:r="http://schemas.openxmlformats.org/officeDocument/2006/relationships" xmlns:p="http://schemas.openxmlformats.org/presentationml/2006/main">
+  <p:cSld>
+    <p:spTree>
+      <p:nvGrpSpPr>
+        <p:cNvPr id="1" name=""/>
+        <p:cNvGrpSpPr/>
+        <p:nvPr/>
+      </p:nvGrpSpPr>
+      <p:grpSpPr>
+        <a:xfrm>
+          <a:off x="0" y="0"/>
+          <a:ext cx="0" cy="0"/>
+          <a:chOff x="0" y="0"/>
+          <a:chExt cx="0" cy="0"/>
+        </a:xfrm>
+      </p:grpSpPr>
+      <p:sp>
+        <p:nvSpPr>
+          <p:cNvPr id="2" name="제목 1">
+            <a:extLst>
+              <a:ext uri="{FF2B5EF4-FFF2-40B4-BE49-F238E27FC236}">
+                <a16:creationId xmlns:a16="http://schemas.microsoft.com/office/drawing/2014/main" id="{90864E9B-55FF-47D5-A9D9-6BE0835AB195}"/>
+              </a:ext>
+            </a:extLst>
+          </p:cNvPr>
+          <p:cNvSpPr>
+            <a:spLocks noGrp="1"/>
+          </p:cNvSpPr>
+          <p:nvPr>
+            <p:ph type="ctrTitle"/>
+          </p:nvPr>
+        </p:nvSpPr>
+        <p:spPr/>
+        <p:txBody>
+          <a:bodyPr/>
+          <a:lstStyle/>
+          <a:p>
+            <a:r>
+              <a:rPr lang="ko-KR" altLang="en-US" dirty="0"/>
+              <a:t>마크다운 가이드</a:t>
+            </a:r>
+          </a:p>
+        </p:txBody>
+      </p:sp>
+      <p:sp>
+        <p:nvSpPr>
+          <p:cNvPr id="3" name="내용 개체 틀 2">
+            <a:extLst>
+              <a:ext uri="{FF2B5EF4-FFF2-40B4-BE49-F238E27FC236}">
+                <a16:creationId xmlns:a16="http://schemas.microsoft.com/office/drawing/2014/main" id="{DAA0BB67-78E5-4BEF-943C-414472429485}"/>
+              </a:ext>
+            </a:extLst>
+          </p:cNvPr>
+          <p:cNvSpPr>
+            <a:spLocks noGrp="1"/>
+          </p:cNvSpPr>
+          <p:nvPr>
+            <p:ph idx="1"/>
+          </p:nvPr>
+        </p:nvSpPr>
+        <p:spPr/>
+        <p:txBody>
+          <a:bodyPr/>
+          <a:lstStyle/>
+          <a:p>
+            <a:r>
+              <a:rPr lang="ko-KR" altLang="en-US" dirty="0"/>
+              <a:t>문서 형식화 언어</a:t>
+            </a:r>
+            <a:endParaRPr lang="en-US" altLang="ko-KR" dirty="0"/>
+          </a:p>
+          <a:p>
+            <a:pPr lvl="1"/>
+            <a:r>
+              <a:rPr lang="ko-KR" altLang="en-US" dirty="0"/>
+              <a:t>마크다운은 일반 텍스트 </a:t>
+            </a:r>
+            <a:r>
+              <a:rPr lang="ko-KR" altLang="en-US" dirty="0" err="1"/>
+              <a:t>텍스트</a:t>
+            </a:r>
+            <a:r>
+              <a:rPr lang="ko-KR" altLang="en-US" dirty="0"/>
+              <a:t> 문서에 형식 요소를 추가하는 데 사용할 수 있는 경량 마크업 언어</a:t>
+            </a:r>
+            <a:endParaRPr lang="en-US" altLang="ko-KR" dirty="0"/>
+          </a:p>
+          <a:p>
+            <a:pPr lvl="1"/>
+            <a:r>
+              <a:rPr lang="ko-KR" altLang="en-US" dirty="0"/>
+              <a:t>현재 세계에서 가장 인기 있는 마크업 언어 중 하나</a:t>
+            </a:r>
+            <a:endParaRPr lang="en-US" altLang="ko-KR" dirty="0"/>
+          </a:p>
+          <a:p>
+            <a:pPr lvl="2"/>
+            <a:r>
+              <a:rPr lang="en-US" altLang="ko-KR" dirty="0"/>
+              <a:t>2004</a:t>
+            </a:r>
+            <a:r>
+              <a:rPr lang="ko-KR" altLang="en-US" dirty="0"/>
+              <a:t>년 존 </a:t>
+            </a:r>
+            <a:r>
+              <a:rPr lang="ko-KR" altLang="en-US" dirty="0" err="1"/>
+              <a:t>그루버가</a:t>
+            </a:r>
+            <a:r>
+              <a:rPr lang="ko-KR" altLang="en-US" dirty="0"/>
+              <a:t> 개발</a:t>
+            </a:r>
+            <a:endParaRPr lang="en-US" altLang="ko-KR" dirty="0"/>
+          </a:p>
+          <a:p>
+            <a:r>
+              <a:rPr lang="en-US" altLang="ko-KR" dirty="0">
+                <a:hlinkClick r:id="rId2"/>
+              </a:rPr>
+              <a:t>https://www.markdownguide.org/</a:t>
+            </a:r>
+            <a:endParaRPr lang="en-US" altLang="ko-KR" dirty="0"/>
+          </a:p>
+          <a:p>
+            <a:endParaRPr lang="en-US" altLang="ko-KR" dirty="0"/>
+          </a:p>
+          <a:p>
+            <a:pPr lvl="1"/>
+            <a:endParaRPr lang="ko-KR" altLang="en-US" dirty="0"/>
+          </a:p>
+        </p:txBody>
+      </p:sp>
+      <p:pic>
+        <p:nvPicPr>
+          <p:cNvPr id="4" name="그림 3">
+            <a:extLst>
+              <a:ext uri="{FF2B5EF4-FFF2-40B4-BE49-F238E27FC236}">
+                <a16:creationId xmlns:a16="http://schemas.microsoft.com/office/drawing/2014/main" id="{C68800CB-4C57-455C-81CD-5CB7E6244231}"/>
+              </a:ext>
+            </a:extLst>
+          </p:cNvPr>
+          <p:cNvPicPr>
+            <a:picLocks noChangeAspect="1"/>
+          </p:cNvPicPr>
+          <p:nvPr/>
+        </p:nvPicPr>
+        <p:blipFill>
+          <a:blip r:embed="rId3"/>
+          <a:stretch>
+            <a:fillRect/>
+          </a:stretch>
+        </p:blipFill>
+        <p:spPr>
+          <a:xfrm>
+            <a:off x="2610396" y="2860705"/>
+            <a:ext cx="5022640" cy="4088278"/>
+          </a:xfrm>
+          <a:prstGeom prst="rect">
+            <a:avLst/>
+          </a:prstGeom>
+        </p:spPr>
+      </p:pic>
+    </p:spTree>
+    <p:extLst>
+      <p:ext uri="{BB962C8B-B14F-4D97-AF65-F5344CB8AC3E}">
+        <p14:creationId xmlns:p14="http://schemas.microsoft.com/office/powerpoint/2010/main" val="1993749777"/>
+      </p:ext>
+    </p:extLst>
+  </p:cSld>
+  <p:clrMapOvr>
+    <a:masterClrMapping/>
+  </p:clrMapOvr>
+</p:sld>
+</file>
+
+<file path=ppt/slides/slide22.xml><?xml version="1.0" encoding="utf-8"?>
+<p:sld xmlns:a="http://schemas.openxmlformats.org/drawingml/2006/main" xmlns:r="http://schemas.openxmlformats.org/officeDocument/2006/relationships" xmlns:p="http://schemas.openxmlformats.org/presentationml/2006/main">
+  <p:cSld>
+    <p:spTree>
+      <p:nvGrpSpPr>
+        <p:cNvPr id="1" name=""/>
+        <p:cNvGrpSpPr/>
+        <p:nvPr/>
+      </p:nvGrpSpPr>
+      <p:grpSpPr>
+        <a:xfrm>
+          <a:off x="0" y="0"/>
+          <a:ext cx="0" cy="0"/>
+          <a:chOff x="0" y="0"/>
+          <a:chExt cx="0" cy="0"/>
+        </a:xfrm>
+      </p:grpSpPr>
+      <p:sp>
+        <p:nvSpPr>
+          <p:cNvPr id="2" name="제목 1">
+            <a:extLst>
+              <a:ext uri="{FF2B5EF4-FFF2-40B4-BE49-F238E27FC236}">
+                <a16:creationId xmlns:a16="http://schemas.microsoft.com/office/drawing/2014/main" id="{F71B0973-729D-4AFD-A5D5-AA1EFFABD227}"/>
+              </a:ext>
+            </a:extLst>
+          </p:cNvPr>
+          <p:cNvSpPr>
+            <a:spLocks noGrp="1"/>
+          </p:cNvSpPr>
+          <p:nvPr>
+            <p:ph type="ctrTitle"/>
+          </p:nvPr>
+        </p:nvSpPr>
+        <p:spPr/>
+        <p:txBody>
+          <a:bodyPr/>
+          <a:lstStyle/>
+          <a:p>
+            <a:endParaRPr lang="ko-KR" altLang="en-US"/>
+          </a:p>
+        </p:txBody>
+      </p:sp>
+      <p:sp>
+        <p:nvSpPr>
+          <p:cNvPr id="3" name="내용 개체 틀 2">
+            <a:extLst>
+              <a:ext uri="{FF2B5EF4-FFF2-40B4-BE49-F238E27FC236}">
+                <a16:creationId xmlns:a16="http://schemas.microsoft.com/office/drawing/2014/main" id="{9C25F3F8-7E4A-4592-B66B-14B22CFB57FD}"/>
+              </a:ext>
+            </a:extLst>
+          </p:cNvPr>
+          <p:cNvSpPr>
+            <a:spLocks noGrp="1"/>
+          </p:cNvSpPr>
+          <p:nvPr>
+            <p:ph idx="1"/>
+          </p:nvPr>
+        </p:nvSpPr>
+        <p:spPr/>
+        <p:txBody>
+          <a:bodyPr/>
+          <a:lstStyle/>
+          <a:p>
+            <a:endParaRPr lang="ko-KR" altLang="en-US" dirty="0"/>
+          </a:p>
+        </p:txBody>
+      </p:sp>
+      <p:sp>
+        <p:nvSpPr>
+          <p:cNvPr id="4" name="직사각형 3">
+            <a:extLst>
+              <a:ext uri="{FF2B5EF4-FFF2-40B4-BE49-F238E27FC236}">
+                <a16:creationId xmlns:a16="http://schemas.microsoft.com/office/drawing/2014/main" id="{2AB3FA35-18AB-4E43-9C7E-556AFBB7E205}"/>
+              </a:ext>
+            </a:extLst>
+          </p:cNvPr>
+          <p:cNvSpPr/>
+          <p:nvPr/>
+        </p:nvSpPr>
+        <p:spPr>
+          <a:xfrm>
+            <a:off x="1494272" y="1692399"/>
+            <a:ext cx="7704856" cy="4616648"/>
+          </a:xfrm>
+          <a:prstGeom prst="rect">
+            <a:avLst/>
+          </a:prstGeom>
+        </p:spPr>
+        <p:txBody>
+          <a:bodyPr wrap="square">
+            <a:spAutoFit/>
+          </a:bodyPr>
+          <a:lstStyle/>
+          <a:p>
+            <a:r>
+              <a:rPr lang="en-US" altLang="ko-KR" sz="1400" b="1" dirty="0">
+                <a:solidFill>
+                  <a:srgbClr val="569CD6"/>
+                </a:solidFill>
+                <a:latin typeface="Consolas" panose="020B0609020204030204" pitchFamily="49" charset="0"/>
+              </a:rPr>
+              <a:t>### Link</a:t>
+            </a:r>
+            <a:endParaRPr lang="en-US" altLang="ko-KR" sz="1400" dirty="0">
+              <a:solidFill>
+                <a:srgbClr val="D4D4D4"/>
+              </a:solidFill>
+              <a:latin typeface="Consolas" panose="020B0609020204030204" pitchFamily="49" charset="0"/>
+            </a:endParaRPr>
+          </a:p>
+          <a:p>
+            <a:br>
+              <a:rPr lang="en-US" altLang="ko-KR" sz="1400" dirty="0">
+                <a:solidFill>
+                  <a:srgbClr val="D4D4D4"/>
+                </a:solidFill>
+                <a:latin typeface="Consolas" panose="020B0609020204030204" pitchFamily="49" charset="0"/>
+              </a:rPr>
+            </a:br>
+            <a:r>
+              <a:rPr lang="en-US" altLang="ko-KR" sz="1400" dirty="0">
+                <a:solidFill>
+                  <a:srgbClr val="D4D4D4"/>
+                </a:solidFill>
+                <a:latin typeface="Consolas" panose="020B0609020204030204" pitchFamily="49" charset="0"/>
+              </a:rPr>
+              <a:t>[</a:t>
+            </a:r>
+            <a:r>
+              <a:rPr lang="en-US" altLang="ko-KR" sz="1400" dirty="0">
+                <a:solidFill>
+                  <a:srgbClr val="CE9178"/>
+                </a:solidFill>
+                <a:latin typeface="Consolas" panose="020B0609020204030204" pitchFamily="49" charset="0"/>
+              </a:rPr>
+              <a:t>Markdown Guide</a:t>
+            </a:r>
+            <a:r>
+              <a:rPr lang="en-US" altLang="ko-KR" sz="1400" dirty="0">
+                <a:solidFill>
+                  <a:srgbClr val="D4D4D4"/>
+                </a:solidFill>
+                <a:latin typeface="Consolas" panose="020B0609020204030204" pitchFamily="49" charset="0"/>
+              </a:rPr>
+              <a:t>](</a:t>
+            </a:r>
+            <a:r>
+              <a:rPr lang="en-US" altLang="ko-KR" sz="1400" u="sng" dirty="0">
+                <a:solidFill>
+                  <a:srgbClr val="D4D4D4"/>
+                </a:solidFill>
+                <a:latin typeface="Consolas" panose="020B0609020204030204" pitchFamily="49" charset="0"/>
+              </a:rPr>
+              <a:t>https://www.markdownguide.org</a:t>
+            </a:r>
+            <a:r>
+              <a:rPr lang="en-US" altLang="ko-KR" sz="1400" dirty="0">
+                <a:solidFill>
+                  <a:srgbClr val="D4D4D4"/>
+                </a:solidFill>
+                <a:latin typeface="Consolas" panose="020B0609020204030204" pitchFamily="49" charset="0"/>
+              </a:rPr>
+              <a:t>)</a:t>
+            </a:r>
+          </a:p>
+          <a:p>
+            <a:br>
+              <a:rPr lang="en-US" altLang="ko-KR" sz="1400" dirty="0">
+                <a:solidFill>
+                  <a:srgbClr val="D4D4D4"/>
+                </a:solidFill>
+                <a:latin typeface="Consolas" panose="020B0609020204030204" pitchFamily="49" charset="0"/>
+              </a:rPr>
+            </a:br>
+            <a:r>
+              <a:rPr lang="en-US" altLang="ko-KR" sz="1400" b="1" dirty="0">
+                <a:solidFill>
+                  <a:srgbClr val="569CD6"/>
+                </a:solidFill>
+                <a:latin typeface="Consolas" panose="020B0609020204030204" pitchFamily="49" charset="0"/>
+              </a:rPr>
+              <a:t>### Image</a:t>
+            </a:r>
+            <a:endParaRPr lang="en-US" altLang="ko-KR" sz="1400" dirty="0">
+              <a:solidFill>
+                <a:srgbClr val="D4D4D4"/>
+              </a:solidFill>
+              <a:latin typeface="Consolas" panose="020B0609020204030204" pitchFamily="49" charset="0"/>
+            </a:endParaRPr>
+          </a:p>
+          <a:p>
+            <a:br>
+              <a:rPr lang="en-US" altLang="ko-KR" sz="1400" dirty="0">
+                <a:solidFill>
+                  <a:srgbClr val="D4D4D4"/>
+                </a:solidFill>
+                <a:latin typeface="Consolas" panose="020B0609020204030204" pitchFamily="49" charset="0"/>
+              </a:rPr>
+            </a:br>
+            <a:r>
+              <a:rPr lang="en-US" altLang="ko-KR" sz="1400" dirty="0">
+                <a:solidFill>
+                  <a:srgbClr val="D4D4D4"/>
+                </a:solidFill>
+                <a:latin typeface="Consolas" panose="020B0609020204030204" pitchFamily="49" charset="0"/>
+              </a:rPr>
+              <a:t>![</a:t>
+            </a:r>
+            <a:r>
+              <a:rPr lang="en-US" altLang="ko-KR" sz="1400" dirty="0">
+                <a:solidFill>
+                  <a:srgbClr val="CE9178"/>
+                </a:solidFill>
+                <a:latin typeface="Consolas" panose="020B0609020204030204" pitchFamily="49" charset="0"/>
+              </a:rPr>
+              <a:t>alt text</a:t>
+            </a:r>
+            <a:r>
+              <a:rPr lang="en-US" altLang="ko-KR" sz="1400" dirty="0">
+                <a:solidFill>
+                  <a:srgbClr val="D4D4D4"/>
+                </a:solidFill>
+                <a:latin typeface="Consolas" panose="020B0609020204030204" pitchFamily="49" charset="0"/>
+              </a:rPr>
+              <a:t>](</a:t>
+            </a:r>
+            <a:r>
+              <a:rPr lang="en-US" altLang="ko-KR" sz="1400" u="sng" dirty="0">
+                <a:solidFill>
+                  <a:srgbClr val="D4D4D4"/>
+                </a:solidFill>
+                <a:latin typeface="Consolas" panose="020B0609020204030204" pitchFamily="49" charset="0"/>
+              </a:rPr>
+              <a:t>https://www.markdownguide.org/assets/images/tux.png</a:t>
+            </a:r>
+            <a:r>
+              <a:rPr lang="en-US" altLang="ko-KR" sz="1400" dirty="0">
+                <a:solidFill>
+                  <a:srgbClr val="D4D4D4"/>
+                </a:solidFill>
+                <a:latin typeface="Consolas" panose="020B0609020204030204" pitchFamily="49" charset="0"/>
+              </a:rPr>
+              <a:t>)</a:t>
+            </a:r>
+          </a:p>
+          <a:p>
+            <a:br>
+              <a:rPr lang="en-US" altLang="ko-KR" sz="1400" dirty="0">
+                <a:solidFill>
+                  <a:srgbClr val="D4D4D4"/>
+                </a:solidFill>
+                <a:latin typeface="Consolas" panose="020B0609020204030204" pitchFamily="49" charset="0"/>
+              </a:rPr>
+            </a:br>
+            <a:r>
+              <a:rPr lang="en-US" altLang="ko-KR" sz="1400" b="1" dirty="0">
+                <a:solidFill>
+                  <a:srgbClr val="569CD6"/>
+                </a:solidFill>
+                <a:latin typeface="Consolas" panose="020B0609020204030204" pitchFamily="49" charset="0"/>
+              </a:rPr>
+              <a:t>## Extended Syntax</a:t>
+            </a:r>
+            <a:endParaRPr lang="en-US" altLang="ko-KR" sz="1400" dirty="0">
+              <a:solidFill>
+                <a:srgbClr val="D4D4D4"/>
+              </a:solidFill>
+              <a:latin typeface="Consolas" panose="020B0609020204030204" pitchFamily="49" charset="0"/>
+            </a:endParaRPr>
+          </a:p>
+          <a:p>
+            <a:br>
+              <a:rPr lang="en-US" altLang="ko-KR" sz="1400" dirty="0">
+                <a:solidFill>
+                  <a:srgbClr val="D4D4D4"/>
+                </a:solidFill>
+                <a:latin typeface="Consolas" panose="020B0609020204030204" pitchFamily="49" charset="0"/>
+              </a:rPr>
+            </a:br>
+            <a:r>
+              <a:rPr lang="en-US" altLang="ko-KR" sz="1400" dirty="0">
+                <a:solidFill>
+                  <a:srgbClr val="D4D4D4"/>
+                </a:solidFill>
+                <a:latin typeface="Consolas" panose="020B0609020204030204" pitchFamily="49" charset="0"/>
+              </a:rPr>
+              <a:t>These elements extend the basic syntax by adding additional features. Not all Markdown applications support these elements.</a:t>
+            </a:r>
+          </a:p>
+          <a:p>
+            <a:br>
+              <a:rPr lang="en-US" altLang="ko-KR" sz="1400" dirty="0">
+                <a:solidFill>
+                  <a:srgbClr val="D4D4D4"/>
+                </a:solidFill>
+                <a:latin typeface="Consolas" panose="020B0609020204030204" pitchFamily="49" charset="0"/>
+              </a:rPr>
+            </a:br>
+            <a:r>
+              <a:rPr lang="en-US" altLang="ko-KR" sz="1400" b="1" dirty="0">
+                <a:solidFill>
+                  <a:srgbClr val="569CD6"/>
+                </a:solidFill>
+                <a:latin typeface="Consolas" panose="020B0609020204030204" pitchFamily="49" charset="0"/>
+              </a:rPr>
+              <a:t>### Table</a:t>
+            </a:r>
+            <a:endParaRPr lang="en-US" altLang="ko-KR" sz="1400" dirty="0">
+              <a:solidFill>
+                <a:srgbClr val="D4D4D4"/>
+              </a:solidFill>
+              <a:latin typeface="Consolas" panose="020B0609020204030204" pitchFamily="49" charset="0"/>
+            </a:endParaRPr>
+          </a:p>
+          <a:p>
+            <a:br>
+              <a:rPr lang="en-US" altLang="ko-KR" sz="1400" dirty="0">
+                <a:solidFill>
+                  <a:srgbClr val="D4D4D4"/>
+                </a:solidFill>
+                <a:latin typeface="Consolas" panose="020B0609020204030204" pitchFamily="49" charset="0"/>
+              </a:rPr>
+            </a:br>
+            <a:r>
+              <a:rPr lang="en-US" altLang="ko-KR" sz="1400" dirty="0">
+                <a:solidFill>
+                  <a:srgbClr val="D4D4D4"/>
+                </a:solidFill>
+                <a:latin typeface="Consolas" panose="020B0609020204030204" pitchFamily="49" charset="0"/>
+              </a:rPr>
+              <a:t>| Syntax | Description |</a:t>
+            </a:r>
+          </a:p>
+          <a:p>
+            <a:r>
+              <a:rPr lang="en-US" altLang="ko-KR" sz="1400" dirty="0">
+                <a:solidFill>
+                  <a:srgbClr val="D4D4D4"/>
+                </a:solidFill>
+                <a:latin typeface="Consolas" panose="020B0609020204030204" pitchFamily="49" charset="0"/>
+              </a:rPr>
+              <a:t>| ----------- | ----------- |</a:t>
+            </a:r>
+          </a:p>
+          <a:p>
+            <a:r>
+              <a:rPr lang="en-US" altLang="ko-KR" sz="1400" dirty="0">
+                <a:solidFill>
+                  <a:srgbClr val="D4D4D4"/>
+                </a:solidFill>
+                <a:latin typeface="Consolas" panose="020B0609020204030204" pitchFamily="49" charset="0"/>
+              </a:rPr>
+              <a:t>| Header | Title |</a:t>
+            </a:r>
+          </a:p>
+          <a:p>
+            <a:r>
+              <a:rPr lang="en-US" altLang="ko-KR" sz="1400" dirty="0">
+                <a:solidFill>
+                  <a:srgbClr val="D4D4D4"/>
+                </a:solidFill>
+                <a:latin typeface="Consolas" panose="020B0609020204030204" pitchFamily="49" charset="0"/>
+              </a:rPr>
+              <a:t>| Paragraph | Text |</a:t>
+            </a:r>
+          </a:p>
+          <a:p>
+            <a:br>
+              <a:rPr lang="en-US" altLang="ko-KR" sz="1400" dirty="0">
+                <a:solidFill>
+                  <a:srgbClr val="D4D4D4"/>
+                </a:solidFill>
+                <a:latin typeface="Consolas" panose="020B0609020204030204" pitchFamily="49" charset="0"/>
+              </a:rPr>
+            </a:br>
+            <a:endParaRPr lang="en-US" altLang="ko-KR" sz="1400" b="0" dirty="0">
+              <a:solidFill>
+                <a:srgbClr val="D4D4D4"/>
+              </a:solidFill>
+              <a:effectLst/>
+              <a:latin typeface="Consolas" panose="020B0609020204030204" pitchFamily="49" charset="0"/>
+            </a:endParaRPr>
+          </a:p>
+        </p:txBody>
+      </p:sp>
+    </p:spTree>
+    <p:extLst>
+      <p:ext uri="{BB962C8B-B14F-4D97-AF65-F5344CB8AC3E}">
+        <p14:creationId xmlns:p14="http://schemas.microsoft.com/office/powerpoint/2010/main" val="2810228203"/>
+      </p:ext>
+    </p:extLst>
+  </p:cSld>
+  <p:clrMapOvr>
+    <a:masterClrMapping/>
+  </p:clrMapOvr>
+</p:sld>
+</file>
+
+<file path=ppt/slides/slide23.xml><?xml version="1.0" encoding="utf-8"?>
+<p:sld xmlns:a="http://schemas.openxmlformats.org/drawingml/2006/main" xmlns:r="http://schemas.openxmlformats.org/officeDocument/2006/relationships" xmlns:p="http://schemas.openxmlformats.org/presentationml/2006/main">
+  <p:cSld>
+    <p:spTree>
+      <p:nvGrpSpPr>
+        <p:cNvPr id="1" name=""/>
+        <p:cNvGrpSpPr/>
+        <p:nvPr/>
+      </p:nvGrpSpPr>
+      <p:grpSpPr>
+        <a:xfrm>
+          <a:off x="0" y="0"/>
+          <a:ext cx="0" cy="0"/>
+          <a:chOff x="0" y="0"/>
+          <a:chExt cx="0" cy="0"/>
+        </a:xfrm>
+      </p:grpSpPr>
+      <p:sp>
+        <p:nvSpPr>
+          <p:cNvPr id="2" name="제목 1">
+            <a:extLst>
+              <a:ext uri="{FF2B5EF4-FFF2-40B4-BE49-F238E27FC236}">
                 <a16:creationId xmlns:a16="http://schemas.microsoft.com/office/drawing/2014/main" id="{8F025C83-5106-4BD4-BAEF-987468C3A271}"/>
               </a:ext>
             </a:extLst>
@@ -12330,7 +13135,7 @@
 </p:sld>
 </file>
 
-<file path=ppt/slides/slide21.xml><?xml version="1.0" encoding="utf-8"?>
+<file path=ppt/slides/slide24.xml><?xml version="1.0" encoding="utf-8"?>
 <p:sld xmlns:a="http://schemas.openxmlformats.org/drawingml/2006/main" xmlns:r="http://schemas.openxmlformats.org/officeDocument/2006/relationships" xmlns:p="http://schemas.openxmlformats.org/presentationml/2006/main">
   <p:cSld>
     <p:spTree>
@@ -12451,7 +13256,7 @@
 </p:sld>
 </file>
 
-<file path=ppt/slides/slide22.xml><?xml version="1.0" encoding="utf-8"?>
+<file path=ppt/slides/slide25.xml><?xml version="1.0" encoding="utf-8"?>
 <p:sld xmlns:a="http://schemas.openxmlformats.org/drawingml/2006/main" xmlns:r="http://schemas.openxmlformats.org/officeDocument/2006/relationships" xmlns:p="http://schemas.openxmlformats.org/presentationml/2006/main">
   <p:cSld>
     <p:spTree>
@@ -13040,7 +13845,7 @@
 </p:sld>
 </file>
 
-<file path=ppt/slides/slide23.xml><?xml version="1.0" encoding="utf-8"?>
+<file path=ppt/slides/slide26.xml><?xml version="1.0" encoding="utf-8"?>
 <p:sld xmlns:a="http://schemas.openxmlformats.org/drawingml/2006/main" xmlns:r="http://schemas.openxmlformats.org/officeDocument/2006/relationships" xmlns:p="http://schemas.openxmlformats.org/presentationml/2006/main">
   <p:cSld>
     <p:spTree>
@@ -13210,7 +14015,7 @@
 </p:sld>
 </file>
 
-<file path=ppt/slides/slide24.xml><?xml version="1.0" encoding="utf-8"?>
+<file path=ppt/slides/slide27.xml><?xml version="1.0" encoding="utf-8"?>
 <p:sld xmlns:a="http://schemas.openxmlformats.org/drawingml/2006/main" xmlns:r="http://schemas.openxmlformats.org/officeDocument/2006/relationships" xmlns:p="http://schemas.openxmlformats.org/presentationml/2006/main">
   <p:cSld>
     <p:spTree>
@@ -13836,7 +14641,7 @@
 </p:sld>
 </file>
 
-<file path=ppt/slides/slide25.xml><?xml version="1.0" encoding="utf-8"?>
+<file path=ppt/slides/slide28.xml><?xml version="1.0" encoding="utf-8"?>
 <p:sld xmlns:a="http://schemas.openxmlformats.org/drawingml/2006/main" xmlns:r="http://schemas.openxmlformats.org/officeDocument/2006/relationships" xmlns:p="http://schemas.openxmlformats.org/presentationml/2006/main">
   <p:cSld>
     <p:spTree>
@@ -13916,7 +14721,7 @@
 </p:sld>
 </file>
 
-<file path=ppt/slides/slide26.xml><?xml version="1.0" encoding="utf-8"?>
+<file path=ppt/slides/slide29.xml><?xml version="1.0" encoding="utf-8"?>
 <p:sld xmlns:a="http://schemas.openxmlformats.org/drawingml/2006/main" xmlns:r="http://schemas.openxmlformats.org/officeDocument/2006/relationships" xmlns:p="http://schemas.openxmlformats.org/presentationml/2006/main">
   <p:cSld>
     <p:spTree>
@@ -14294,870 +15099,6 @@
     <p:extLst>
       <p:ext uri="{BB962C8B-B14F-4D97-AF65-F5344CB8AC3E}">
         <p14:creationId xmlns:p14="http://schemas.microsoft.com/office/powerpoint/2010/main" val="52194482"/>
-      </p:ext>
-    </p:extLst>
-  </p:cSld>
-  <p:clrMapOvr>
-    <a:masterClrMapping/>
-  </p:clrMapOvr>
-</p:sld>
-</file>
-
-<file path=ppt/slides/slide27.xml><?xml version="1.0" encoding="utf-8"?>
-<p:sld xmlns:a="http://schemas.openxmlformats.org/drawingml/2006/main" xmlns:r="http://schemas.openxmlformats.org/officeDocument/2006/relationships" xmlns:p="http://schemas.openxmlformats.org/presentationml/2006/main">
-  <p:cSld>
-    <p:spTree>
-      <p:nvGrpSpPr>
-        <p:cNvPr id="1" name=""/>
-        <p:cNvGrpSpPr/>
-        <p:nvPr/>
-      </p:nvGrpSpPr>
-      <p:grpSpPr>
-        <a:xfrm>
-          <a:off x="0" y="0"/>
-          <a:ext cx="0" cy="0"/>
-          <a:chOff x="0" y="0"/>
-          <a:chExt cx="0" cy="0"/>
-        </a:xfrm>
-      </p:grpSpPr>
-      <p:pic>
-        <p:nvPicPr>
-          <p:cNvPr id="19" name="그림 18" descr="aaa-11.png"/>
-          <p:cNvPicPr>
-            <a:picLocks noChangeAspect="1"/>
-          </p:cNvPicPr>
-          <p:nvPr/>
-        </p:nvPicPr>
-        <p:blipFill>
-          <a:blip r:embed="rId2" cstate="print"/>
-          <a:stretch>
-            <a:fillRect/>
-          </a:stretch>
-        </p:blipFill>
-        <p:spPr>
-          <a:xfrm>
-            <a:off x="512" y="6012879"/>
-            <a:ext cx="10692375" cy="173686"/>
-          </a:xfrm>
-          <a:prstGeom prst="rect">
-            <a:avLst/>
-          </a:prstGeom>
-        </p:spPr>
-      </p:pic>
-      <p:pic>
-        <p:nvPicPr>
-          <p:cNvPr id="20" name="그림 19" descr="PPT_스타일(교육 2종)_2,3_슬기 수정-11.png"/>
-          <p:cNvPicPr>
-            <a:picLocks noChangeAspect="1"/>
-          </p:cNvPicPr>
-          <p:nvPr/>
-        </p:nvPicPr>
-        <p:blipFill>
-          <a:blip r:embed="rId3" cstate="print"/>
-          <a:stretch>
-            <a:fillRect/>
-          </a:stretch>
-        </p:blipFill>
-        <p:spPr>
-          <a:xfrm>
-            <a:off x="378148" y="396255"/>
-            <a:ext cx="1969012" cy="256033"/>
-          </a:xfrm>
-          <a:prstGeom prst="rect">
-            <a:avLst/>
-          </a:prstGeom>
-        </p:spPr>
-      </p:pic>
-      <p:pic>
-        <p:nvPicPr>
-          <p:cNvPr id="22" name="그림 21" descr="PPT_스타일(교육 2종)_2,3_슬기 수정-23.png"/>
-          <p:cNvPicPr>
-            <a:picLocks noChangeAspect="1"/>
-          </p:cNvPicPr>
-          <p:nvPr/>
-        </p:nvPicPr>
-        <p:blipFill>
-          <a:blip r:embed="rId4" cstate="print"/>
-          <a:stretch>
-            <a:fillRect/>
-          </a:stretch>
-        </p:blipFill>
-        <p:spPr>
-          <a:xfrm>
-            <a:off x="8587060" y="396255"/>
-            <a:ext cx="1800200" cy="215754"/>
-          </a:xfrm>
-          <a:prstGeom prst="rect">
-            <a:avLst/>
-          </a:prstGeom>
-        </p:spPr>
-      </p:pic>
-      <p:pic>
-        <p:nvPicPr>
-          <p:cNvPr id="23" name="그림 22" descr="aaa-14.png"/>
-          <p:cNvPicPr>
-            <a:picLocks noChangeAspect="1"/>
-          </p:cNvPicPr>
-          <p:nvPr/>
-        </p:nvPicPr>
-        <p:blipFill>
-          <a:blip r:embed="rId5" cstate="print"/>
-          <a:stretch>
-            <a:fillRect/>
-          </a:stretch>
-        </p:blipFill>
-        <p:spPr>
-          <a:xfrm>
-            <a:off x="378148" y="1764407"/>
-            <a:ext cx="1414275" cy="923546"/>
-          </a:xfrm>
-          <a:prstGeom prst="rect">
-            <a:avLst/>
-          </a:prstGeom>
-        </p:spPr>
-      </p:pic>
-      <p:sp>
-        <p:nvSpPr>
-          <p:cNvPr id="24" name="직사각형 23"/>
-          <p:cNvSpPr/>
-          <p:nvPr/>
-        </p:nvSpPr>
-        <p:spPr>
-          <a:xfrm>
-            <a:off x="3402484" y="1768392"/>
-            <a:ext cx="720069" cy="646331"/>
-          </a:xfrm>
-          <a:prstGeom prst="rect">
-            <a:avLst/>
-          </a:prstGeom>
-        </p:spPr>
-        <p:txBody>
-          <a:bodyPr wrap="none">
-            <a:spAutoFit/>
-          </a:bodyPr>
-          <a:lstStyle/>
-          <a:p>
-            <a:r>
-              <a:rPr lang="en-US" altLang="ko-KR" sz="3600" b="1" dirty="0">
-                <a:solidFill>
-                  <a:srgbClr val="0047BA"/>
-                </a:solidFill>
-                <a:ea typeface="Pretendard" pitchFamily="50" charset="-127"/>
-              </a:rPr>
-              <a:t>03</a:t>
-            </a:r>
-            <a:endParaRPr lang="ko-KR" altLang="en-US" sz="3600" b="1" dirty="0">
-              <a:solidFill>
-                <a:srgbClr val="0047BA"/>
-              </a:solidFill>
-              <a:ea typeface="Pretendard" pitchFamily="50" charset="-127"/>
-            </a:endParaRPr>
-          </a:p>
-        </p:txBody>
-      </p:sp>
-      <p:sp>
-        <p:nvSpPr>
-          <p:cNvPr id="25" name="직사각형 24"/>
-          <p:cNvSpPr/>
-          <p:nvPr/>
-        </p:nvSpPr>
-        <p:spPr>
-          <a:xfrm>
-            <a:off x="3445617" y="2613238"/>
-            <a:ext cx="5020926" cy="461665"/>
-          </a:xfrm>
-          <a:prstGeom prst="rect">
-            <a:avLst/>
-          </a:prstGeom>
-        </p:spPr>
-        <p:txBody>
-          <a:bodyPr wrap="none">
-            <a:spAutoFit/>
-          </a:bodyPr>
-          <a:lstStyle/>
-          <a:p>
-            <a:r>
-              <a:rPr lang="ko-KR" altLang="en-US" sz="2400" b="1" spc="-150" dirty="0">
-                <a:solidFill>
-                  <a:srgbClr val="0047BA"/>
-                </a:solidFill>
-                <a:latin typeface="+mj-ea"/>
-                <a:ea typeface="+mj-ea"/>
-              </a:rPr>
-              <a:t>지역에서 </a:t>
-            </a:r>
-            <a:r>
-              <a:rPr lang="ko-KR" altLang="en-US" sz="2400" b="1" spc="-150" dirty="0" err="1">
-                <a:solidFill>
-                  <a:srgbClr val="0047BA"/>
-                </a:solidFill>
-                <a:latin typeface="+mj-ea"/>
-                <a:ea typeface="+mj-ea"/>
-              </a:rPr>
-              <a:t>깃허브</a:t>
-            </a:r>
-            <a:r>
-              <a:rPr lang="en-US" altLang="ko-KR" sz="2400" b="1" spc="-150" dirty="0">
-                <a:solidFill>
-                  <a:srgbClr val="0047BA"/>
-                </a:solidFill>
-                <a:latin typeface="+mj-ea"/>
-                <a:ea typeface="+mj-ea"/>
-              </a:rPr>
-              <a:t> </a:t>
-            </a:r>
-            <a:r>
-              <a:rPr lang="ko-KR" altLang="en-US" sz="2400" b="1" spc="-150" dirty="0">
-                <a:solidFill>
-                  <a:srgbClr val="0047BA"/>
-                </a:solidFill>
-                <a:latin typeface="+mj-ea"/>
-                <a:ea typeface="+mj-ea"/>
-              </a:rPr>
-              <a:t>저장소로 푸시</a:t>
-            </a:r>
-            <a:r>
-              <a:rPr lang="en-US" altLang="ko-KR" sz="2400" b="1" spc="-150" dirty="0">
-                <a:solidFill>
-                  <a:srgbClr val="0047BA"/>
-                </a:solidFill>
-                <a:latin typeface="+mj-ea"/>
-                <a:ea typeface="+mj-ea"/>
-              </a:rPr>
-              <a:t>(push)</a:t>
-            </a:r>
-            <a:endParaRPr lang="ko-KR" altLang="en-US" sz="2400" b="1" spc="-150" dirty="0">
-              <a:solidFill>
-                <a:srgbClr val="0047BA"/>
-              </a:solidFill>
-              <a:latin typeface="+mj-ea"/>
-              <a:ea typeface="+mj-ea"/>
-            </a:endParaRPr>
-          </a:p>
-        </p:txBody>
-      </p:sp>
-      <p:pic>
-        <p:nvPicPr>
-          <p:cNvPr id="34" name="그림 33" descr="PPT_스타일(교육 2종)_2,3_슬기 수정-22.png"/>
-          <p:cNvPicPr>
-            <a:picLocks noChangeAspect="1"/>
-          </p:cNvPicPr>
-          <p:nvPr/>
-        </p:nvPicPr>
-        <p:blipFill>
-          <a:blip r:embed="rId6" cstate="print">
-            <a:lum bright="20000"/>
-          </a:blip>
-          <a:stretch>
-            <a:fillRect/>
-          </a:stretch>
-        </p:blipFill>
-        <p:spPr>
-          <a:xfrm>
-            <a:off x="9091116" y="7045101"/>
-            <a:ext cx="1174803" cy="198000"/>
-          </a:xfrm>
-          <a:prstGeom prst="rect">
-            <a:avLst/>
-          </a:prstGeom>
-        </p:spPr>
-      </p:pic>
-      <p:cxnSp>
-        <p:nvCxnSpPr>
-          <p:cNvPr id="18" name="직선 연결선 17"/>
-          <p:cNvCxnSpPr/>
-          <p:nvPr/>
-        </p:nvCxnSpPr>
-        <p:spPr>
-          <a:xfrm>
-            <a:off x="3517625" y="2493105"/>
-            <a:ext cx="504056" cy="0"/>
-          </a:xfrm>
-          <a:prstGeom prst="line">
-            <a:avLst/>
-          </a:prstGeom>
-          <a:ln w="19050">
-            <a:solidFill>
-              <a:srgbClr val="0047BA"/>
-            </a:solidFill>
-          </a:ln>
-        </p:spPr>
-        <p:style>
-          <a:lnRef idx="1">
-            <a:schemeClr val="accent1"/>
-          </a:lnRef>
-          <a:fillRef idx="0">
-            <a:schemeClr val="accent1"/>
-          </a:fillRef>
-          <a:effectRef idx="0">
-            <a:schemeClr val="accent1"/>
-          </a:effectRef>
-          <a:fontRef idx="minor">
-            <a:schemeClr val="tx1"/>
-          </a:fontRef>
-        </p:style>
-      </p:cxnSp>
-      <p:sp>
-        <p:nvSpPr>
-          <p:cNvPr id="12" name="직사각형 11">
-            <a:extLst>
-              <a:ext uri="{FF2B5EF4-FFF2-40B4-BE49-F238E27FC236}">
-                <a16:creationId xmlns:a16="http://schemas.microsoft.com/office/drawing/2014/main" id="{837B2CCB-75DE-4F5A-8933-22E9BE0E2861}"/>
-              </a:ext>
-            </a:extLst>
-          </p:cNvPr>
-          <p:cNvSpPr/>
-          <p:nvPr/>
-        </p:nvSpPr>
-        <p:spPr>
-          <a:xfrm>
-            <a:off x="306140" y="7020991"/>
-            <a:ext cx="2589170" cy="246221"/>
-          </a:xfrm>
-          <a:prstGeom prst="rect">
-            <a:avLst/>
-          </a:prstGeom>
-        </p:spPr>
-        <p:txBody>
-          <a:bodyPr wrap="none">
-            <a:spAutoFit/>
-          </a:bodyPr>
-          <a:lstStyle/>
-          <a:p>
-            <a:r>
-              <a:rPr lang="ko-KR" altLang="en-US" sz="1000" b="1" dirty="0">
-                <a:solidFill>
-                  <a:schemeClr val="tx1">
-                    <a:lumMod val="65000"/>
-                    <a:lumOff val="35000"/>
-                  </a:schemeClr>
-                </a:solidFill>
-                <a:latin typeface="+mj-ea"/>
-                <a:ea typeface="+mj-ea"/>
-              </a:rPr>
-              <a:t>오프소스 소프트웨어를 위한 깃과 </a:t>
-            </a:r>
-            <a:r>
-              <a:rPr lang="ko-KR" altLang="en-US" sz="1000" b="1" dirty="0" err="1">
-                <a:solidFill>
-                  <a:schemeClr val="tx1">
-                    <a:lumMod val="65000"/>
-                    <a:lumOff val="35000"/>
-                  </a:schemeClr>
-                </a:solidFill>
-                <a:latin typeface="+mj-ea"/>
-                <a:ea typeface="+mj-ea"/>
-              </a:rPr>
-              <a:t>깃허브</a:t>
-            </a:r>
-            <a:endParaRPr lang="ko-KR" altLang="en-US" sz="1000" b="1" dirty="0">
-              <a:solidFill>
-                <a:schemeClr val="tx1">
-                  <a:lumMod val="65000"/>
-                  <a:lumOff val="35000"/>
-                </a:schemeClr>
-              </a:solidFill>
-              <a:latin typeface="+mj-ea"/>
-              <a:ea typeface="+mj-ea"/>
-            </a:endParaRPr>
-          </a:p>
-        </p:txBody>
-      </p:sp>
-    </p:spTree>
-    <p:extLst>
-      <p:ext uri="{BB962C8B-B14F-4D97-AF65-F5344CB8AC3E}">
-        <p14:creationId xmlns:p14="http://schemas.microsoft.com/office/powerpoint/2010/main" val="3944502507"/>
-      </p:ext>
-    </p:extLst>
-  </p:cSld>
-  <p:clrMapOvr>
-    <a:masterClrMapping/>
-  </p:clrMapOvr>
-</p:sld>
-</file>
-
-<file path=ppt/slides/slide28.xml><?xml version="1.0" encoding="utf-8"?>
-<p:sld xmlns:a="http://schemas.openxmlformats.org/drawingml/2006/main" xmlns:r="http://schemas.openxmlformats.org/officeDocument/2006/relationships" xmlns:p="http://schemas.openxmlformats.org/presentationml/2006/main">
-  <p:cSld>
-    <p:spTree>
-      <p:nvGrpSpPr>
-        <p:cNvPr id="1" name=""/>
-        <p:cNvGrpSpPr/>
-        <p:nvPr/>
-      </p:nvGrpSpPr>
-      <p:grpSpPr>
-        <a:xfrm>
-          <a:off x="0" y="0"/>
-          <a:ext cx="0" cy="0"/>
-          <a:chOff x="0" y="0"/>
-          <a:chExt cx="0" cy="0"/>
-        </a:xfrm>
-      </p:grpSpPr>
-      <p:sp>
-        <p:nvSpPr>
-          <p:cNvPr id="2" name="제목 1">
-            <a:extLst>
-              <a:ext uri="{FF2B5EF4-FFF2-40B4-BE49-F238E27FC236}">
-                <a16:creationId xmlns:a16="http://schemas.microsoft.com/office/drawing/2014/main" id="{6DB07EA1-3332-405D-B303-1F5C2A82AB4F}"/>
-              </a:ext>
-            </a:extLst>
-          </p:cNvPr>
-          <p:cNvSpPr>
-            <a:spLocks noGrp="1"/>
-          </p:cNvSpPr>
-          <p:nvPr>
-            <p:ph type="ctrTitle"/>
-          </p:nvPr>
-        </p:nvSpPr>
-        <p:spPr/>
-        <p:txBody>
-          <a:bodyPr/>
-          <a:lstStyle/>
-          <a:p>
-            <a:r>
-              <a:rPr lang="ko-KR" altLang="en-US" dirty="0"/>
-              <a:t>지역</a:t>
-            </a:r>
-            <a:r>
-              <a:rPr lang="en-US" altLang="ko-KR" dirty="0"/>
-              <a:t> </a:t>
-            </a:r>
-            <a:r>
-              <a:rPr lang="ko-KR" altLang="en-US" dirty="0"/>
-              <a:t>저장소에서 </a:t>
-            </a:r>
-            <a:r>
-              <a:rPr lang="en-US" altLang="ko-KR" dirty="0"/>
-              <a:t>push</a:t>
-            </a:r>
-            <a:endParaRPr lang="ko-KR" altLang="en-US" dirty="0"/>
-          </a:p>
-        </p:txBody>
-      </p:sp>
-      <p:sp>
-        <p:nvSpPr>
-          <p:cNvPr id="3" name="내용 개체 틀 2">
-            <a:extLst>
-              <a:ext uri="{FF2B5EF4-FFF2-40B4-BE49-F238E27FC236}">
-                <a16:creationId xmlns:a16="http://schemas.microsoft.com/office/drawing/2014/main" id="{F73A3095-2F88-4797-9677-5A5FCE87824B}"/>
-              </a:ext>
-            </a:extLst>
-          </p:cNvPr>
-          <p:cNvSpPr>
-            <a:spLocks noGrp="1"/>
-          </p:cNvSpPr>
-          <p:nvPr>
-            <p:ph idx="1"/>
-          </p:nvPr>
-        </p:nvSpPr>
-        <p:spPr/>
-        <p:txBody>
-          <a:bodyPr/>
-          <a:lstStyle/>
-          <a:p>
-            <a:r>
-              <a:rPr lang="ko-KR" altLang="en-US" dirty="0"/>
-              <a:t>쓰기 권한이</a:t>
-            </a:r>
-            <a:r>
-              <a:rPr lang="en-US" altLang="ko-KR" dirty="0"/>
-              <a:t> </a:t>
-            </a:r>
-            <a:r>
-              <a:rPr lang="ko-KR" altLang="en-US" dirty="0"/>
-              <a:t>있어야 가능</a:t>
-            </a:r>
-            <a:endParaRPr lang="en-US" altLang="ko-KR" dirty="0"/>
-          </a:p>
-          <a:p>
-            <a:pPr lvl="1"/>
-            <a:r>
-              <a:rPr lang="ko-KR" altLang="en-US" dirty="0"/>
-              <a:t>자신의 저장소</a:t>
-            </a:r>
-            <a:endParaRPr lang="en-US" altLang="ko-KR" dirty="0"/>
-          </a:p>
-          <a:p>
-            <a:pPr lvl="1"/>
-            <a:r>
-              <a:rPr lang="ko-KR" altLang="en-US" dirty="0"/>
-              <a:t>협업자로 등록</a:t>
-            </a:r>
-          </a:p>
-        </p:txBody>
-      </p:sp>
-      <p:pic>
-        <p:nvPicPr>
-          <p:cNvPr id="4098" name="Picture 2" descr="push pull">
-            <a:extLst>
-              <a:ext uri="{FF2B5EF4-FFF2-40B4-BE49-F238E27FC236}">
-                <a16:creationId xmlns:a16="http://schemas.microsoft.com/office/drawing/2014/main" id="{61B809FA-79CD-43D8-83F5-97A753CD8C19}"/>
-              </a:ext>
-            </a:extLst>
-          </p:cNvPr>
-          <p:cNvPicPr>
-            <a:picLocks noChangeAspect="1" noChangeArrowheads="1"/>
-          </p:cNvPicPr>
-          <p:nvPr/>
-        </p:nvPicPr>
-        <p:blipFill>
-          <a:blip r:embed="rId2">
-            <a:extLst>
-              <a:ext uri="{28A0092B-C50C-407E-A947-70E740481C1C}">
-                <a14:useLocalDpi xmlns:a14="http://schemas.microsoft.com/office/drawing/2010/main" val="0"/>
-              </a:ext>
-            </a:extLst>
-          </a:blip>
-          <a:srcRect/>
-          <a:stretch>
-            <a:fillRect/>
-          </a:stretch>
-        </p:blipFill>
-        <p:spPr bwMode="auto">
-          <a:xfrm>
-            <a:off x="203200" y="2412479"/>
-            <a:ext cx="10287000" cy="2143125"/>
-          </a:xfrm>
-          <a:prstGeom prst="rect">
-            <a:avLst/>
-          </a:prstGeom>
-          <a:noFill/>
-          <a:extLst>
-            <a:ext uri="{909E8E84-426E-40DD-AFC4-6F175D3DCCD1}">
-              <a14:hiddenFill xmlns:a14="http://schemas.microsoft.com/office/drawing/2010/main">
-                <a:solidFill>
-                  <a:srgbClr val="FFFFFF"/>
-                </a:solidFill>
-              </a14:hiddenFill>
-            </a:ext>
-          </a:extLst>
-        </p:spPr>
-      </p:pic>
-      <p:sp>
-        <p:nvSpPr>
-          <p:cNvPr id="4" name="직사각형 3">
-            <a:extLst>
-              <a:ext uri="{FF2B5EF4-FFF2-40B4-BE49-F238E27FC236}">
-                <a16:creationId xmlns:a16="http://schemas.microsoft.com/office/drawing/2014/main" id="{0B7C254D-895D-405E-8F85-3B10583CEC67}"/>
-              </a:ext>
-            </a:extLst>
-          </p:cNvPr>
-          <p:cNvSpPr/>
-          <p:nvPr/>
-        </p:nvSpPr>
-        <p:spPr>
-          <a:xfrm>
-            <a:off x="2273423" y="7020991"/>
-            <a:ext cx="3073277" cy="369332"/>
-          </a:xfrm>
-          <a:prstGeom prst="rect">
-            <a:avLst/>
-          </a:prstGeom>
-        </p:spPr>
-        <p:txBody>
-          <a:bodyPr wrap="none">
-            <a:spAutoFit/>
-          </a:bodyPr>
-          <a:lstStyle/>
-          <a:p>
-            <a:r>
-              <a:rPr lang="ko-KR" altLang="en-US" sz="1800" dirty="0"/>
-              <a:t>https://wikidocs.net/151093</a:t>
-            </a:r>
-          </a:p>
-        </p:txBody>
-      </p:sp>
-    </p:spTree>
-    <p:extLst>
-      <p:ext uri="{BB962C8B-B14F-4D97-AF65-F5344CB8AC3E}">
-        <p14:creationId xmlns:p14="http://schemas.microsoft.com/office/powerpoint/2010/main" val="47605959"/>
-      </p:ext>
-    </p:extLst>
-  </p:cSld>
-  <p:clrMapOvr>
-    <a:masterClrMapping/>
-  </p:clrMapOvr>
-</p:sld>
-</file>
-
-<file path=ppt/slides/slide29.xml><?xml version="1.0" encoding="utf-8"?>
-<p:sld xmlns:a="http://schemas.openxmlformats.org/drawingml/2006/main" xmlns:r="http://schemas.openxmlformats.org/officeDocument/2006/relationships" xmlns:p="http://schemas.openxmlformats.org/presentationml/2006/main">
-  <p:cSld>
-    <p:spTree>
-      <p:nvGrpSpPr>
-        <p:cNvPr id="1" name=""/>
-        <p:cNvGrpSpPr/>
-        <p:nvPr/>
-      </p:nvGrpSpPr>
-      <p:grpSpPr>
-        <a:xfrm>
-          <a:off x="0" y="0"/>
-          <a:ext cx="0" cy="0"/>
-          <a:chOff x="0" y="0"/>
-          <a:chExt cx="0" cy="0"/>
-        </a:xfrm>
-      </p:grpSpPr>
-      <p:sp>
-        <p:nvSpPr>
-          <p:cNvPr id="2" name="제목 1">
-            <a:extLst>
-              <a:ext uri="{FF2B5EF4-FFF2-40B4-BE49-F238E27FC236}">
-                <a16:creationId xmlns:a16="http://schemas.microsoft.com/office/drawing/2014/main" id="{DCB367B3-7B1E-4FE7-AD03-E84FF109BFA0}"/>
-              </a:ext>
-            </a:extLst>
-          </p:cNvPr>
-          <p:cNvSpPr>
-            <a:spLocks noGrp="1"/>
-          </p:cNvSpPr>
-          <p:nvPr>
-            <p:ph type="ctrTitle"/>
-          </p:nvPr>
-        </p:nvSpPr>
-        <p:spPr/>
-        <p:txBody>
-          <a:bodyPr/>
-          <a:lstStyle/>
-          <a:p>
-            <a:r>
-              <a:rPr lang="ko-KR" altLang="en-US" dirty="0"/>
-              <a:t>실습</a:t>
-            </a:r>
-            <a:r>
-              <a:rPr lang="en-US" altLang="ko-KR" dirty="0"/>
-              <a:t> </a:t>
-            </a:r>
-            <a:r>
-              <a:rPr lang="ko-KR" altLang="en-US" dirty="0"/>
-              <a:t>준비</a:t>
-            </a:r>
-          </a:p>
-        </p:txBody>
-      </p:sp>
-      <p:sp>
-        <p:nvSpPr>
-          <p:cNvPr id="3" name="내용 개체 틀 2">
-            <a:extLst>
-              <a:ext uri="{FF2B5EF4-FFF2-40B4-BE49-F238E27FC236}">
-                <a16:creationId xmlns:a16="http://schemas.microsoft.com/office/drawing/2014/main" id="{D63FD19E-2DDC-4BDE-88D8-D217E4A4DC7D}"/>
-              </a:ext>
-            </a:extLst>
-          </p:cNvPr>
-          <p:cNvSpPr>
-            <a:spLocks noGrp="1"/>
-          </p:cNvSpPr>
-          <p:nvPr>
-            <p:ph idx="1"/>
-          </p:nvPr>
-        </p:nvSpPr>
-        <p:spPr/>
-        <p:txBody>
-          <a:bodyPr/>
-          <a:lstStyle/>
-          <a:p>
-            <a:r>
-              <a:rPr lang="en-US" altLang="ko-KR" dirty="0"/>
-              <a:t>PC</a:t>
-            </a:r>
-            <a:r>
-              <a:rPr lang="ko-KR" altLang="en-US" dirty="0"/>
-              <a:t>에서 파일을 만들어 </a:t>
-            </a:r>
-            <a:r>
-              <a:rPr lang="en-US" altLang="ko-KR" dirty="0"/>
-              <a:t>add, commit </a:t>
-            </a:r>
-            <a:r>
-              <a:rPr lang="ko-KR" altLang="en-US" dirty="0"/>
-              <a:t>후</a:t>
-            </a:r>
-            <a:r>
-              <a:rPr lang="en-US" altLang="ko-KR" dirty="0"/>
-              <a:t> </a:t>
-            </a:r>
-            <a:r>
-              <a:rPr lang="ko-KR" altLang="en-US" dirty="0" err="1"/>
-              <a:t>깃허브</a:t>
-            </a:r>
-            <a:r>
-              <a:rPr lang="ko-KR" altLang="en-US" dirty="0"/>
-              <a:t> 저장소 </a:t>
-            </a:r>
-            <a:r>
-              <a:rPr lang="en-US" altLang="ko-KR" dirty="0"/>
-              <a:t>git-clone</a:t>
-            </a:r>
-            <a:r>
-              <a:rPr lang="ko-KR" altLang="en-US" dirty="0"/>
-              <a:t>에 올리기</a:t>
-            </a:r>
-            <a:r>
-              <a:rPr lang="en-US" altLang="ko-KR" dirty="0"/>
-              <a:t> push</a:t>
-            </a:r>
-          </a:p>
-          <a:p>
-            <a:endParaRPr lang="en-US" altLang="ko-KR" dirty="0"/>
-          </a:p>
-          <a:p>
-            <a:r>
-              <a:rPr lang="en-US" altLang="ko-KR" dirty="0"/>
-              <a:t>1. PC</a:t>
-            </a:r>
-            <a:r>
-              <a:rPr lang="ko-KR" altLang="en-US" dirty="0"/>
-              <a:t>에서 </a:t>
-            </a:r>
-            <a:r>
-              <a:rPr lang="en-US" altLang="ko-KR" dirty="0"/>
-              <a:t>hello.py </a:t>
-            </a:r>
-            <a:r>
-              <a:rPr lang="ko-KR" altLang="en-US" dirty="0"/>
-              <a:t>파일</a:t>
-            </a:r>
-            <a:r>
-              <a:rPr lang="en-US" altLang="ko-KR" dirty="0"/>
-              <a:t> </a:t>
-            </a:r>
-            <a:r>
-              <a:rPr lang="ko-KR" altLang="en-US" dirty="0"/>
-              <a:t>생성</a:t>
-            </a:r>
-            <a:endParaRPr lang="en-US" altLang="ko-KR" dirty="0"/>
-          </a:p>
-          <a:p>
-            <a:pPr lvl="1"/>
-            <a:r>
-              <a:rPr lang="en-US" altLang="ko-KR" dirty="0"/>
-              <a:t>$ git add</a:t>
-            </a:r>
-          </a:p>
-          <a:p>
-            <a:pPr lvl="1"/>
-            <a:r>
-              <a:rPr lang="en-US" altLang="ko-KR" dirty="0"/>
-              <a:t>$ git commit –m</a:t>
-            </a:r>
-          </a:p>
-          <a:p>
-            <a:pPr lvl="1"/>
-            <a:endParaRPr lang="en-US" altLang="ko-KR" dirty="0"/>
-          </a:p>
-          <a:p>
-            <a:pPr lvl="1"/>
-            <a:r>
-              <a:rPr lang="en-US" altLang="ko-KR" dirty="0"/>
-              <a:t>$ git config </a:t>
-            </a:r>
-            <a:r>
-              <a:rPr lang="en-US" altLang="ko-KR" dirty="0" err="1"/>
-              <a:t>core.editor</a:t>
-            </a:r>
-            <a:r>
-              <a:rPr lang="en-US" altLang="ko-KR" dirty="0"/>
-              <a:t> code</a:t>
-            </a:r>
-          </a:p>
-          <a:p>
-            <a:pPr marL="1043056" lvl="2" indent="0">
-              <a:buNone/>
-            </a:pPr>
-            <a:endParaRPr lang="en-US" altLang="ko-KR" dirty="0"/>
-          </a:p>
-          <a:p>
-            <a:r>
-              <a:rPr lang="en-US" altLang="ko-KR" dirty="0"/>
-              <a:t>2. PC</a:t>
-            </a:r>
-            <a:r>
-              <a:rPr lang="ko-KR" altLang="en-US" dirty="0"/>
-              <a:t> 지역저장소에서 원격저장소로</a:t>
-            </a:r>
-            <a:r>
-              <a:rPr lang="en-US" altLang="ko-KR" dirty="0"/>
-              <a:t> </a:t>
-            </a:r>
-            <a:r>
-              <a:rPr lang="ko-KR" altLang="en-US" dirty="0"/>
-              <a:t>보내기</a:t>
-            </a:r>
-            <a:r>
-              <a:rPr lang="en-US" altLang="ko-KR" dirty="0"/>
-              <a:t> push</a:t>
-            </a:r>
-          </a:p>
-          <a:p>
-            <a:pPr lvl="1"/>
-            <a:r>
-              <a:rPr lang="en-US" altLang="ko-KR" dirty="0"/>
-              <a:t>$ git push</a:t>
-            </a:r>
-          </a:p>
-          <a:p>
-            <a:pPr lvl="2"/>
-            <a:r>
-              <a:rPr lang="ko-KR" altLang="en-US" dirty="0"/>
-              <a:t>오류 발생</a:t>
-            </a:r>
-            <a:r>
-              <a:rPr lang="en-US" altLang="ko-KR" dirty="0"/>
-              <a:t>?</a:t>
-            </a:r>
-          </a:p>
-          <a:p>
-            <a:pPr lvl="1"/>
-            <a:r>
-              <a:rPr lang="en-US" altLang="ko-KR" dirty="0"/>
-              <a:t>$ git push </a:t>
-            </a:r>
-            <a:r>
-              <a:rPr lang="en-US" altLang="ko-KR" dirty="0">
-                <a:hlinkClick r:id="rId2"/>
-              </a:rPr>
-              <a:t>https://{token}@github.com/{username}/{repo_name}.git</a:t>
-            </a:r>
-            <a:endParaRPr lang="en-US" altLang="ko-KR" dirty="0"/>
-          </a:p>
-          <a:p>
-            <a:pPr lvl="1"/>
-            <a:endParaRPr lang="en-US" altLang="ko-KR" dirty="0"/>
-          </a:p>
-          <a:p>
-            <a:pPr lvl="1"/>
-            <a:endParaRPr lang="en-US" altLang="ko-KR" dirty="0"/>
-          </a:p>
-          <a:p>
-            <a:r>
-              <a:rPr lang="en-US" altLang="ko-KR" dirty="0"/>
-              <a:t>3. </a:t>
-            </a:r>
-            <a:r>
-              <a:rPr lang="ko-KR" altLang="en-US" dirty="0" err="1"/>
-              <a:t>깃허브에서</a:t>
-            </a:r>
-            <a:r>
-              <a:rPr lang="en-US" altLang="ko-KR" dirty="0"/>
-              <a:t> </a:t>
-            </a:r>
-            <a:r>
-              <a:rPr lang="ko-KR" altLang="en-US" dirty="0"/>
-              <a:t>확인</a:t>
-            </a:r>
-            <a:endParaRPr lang="en-US" altLang="ko-KR" dirty="0"/>
-          </a:p>
-          <a:p>
-            <a:pPr lvl="1"/>
-            <a:endParaRPr lang="en-US" altLang="ko-KR" dirty="0"/>
-          </a:p>
-          <a:p>
-            <a:endParaRPr lang="ko-KR" altLang="en-US" dirty="0"/>
-          </a:p>
-        </p:txBody>
-      </p:sp>
-    </p:spTree>
-    <p:extLst>
-      <p:ext uri="{BB962C8B-B14F-4D97-AF65-F5344CB8AC3E}">
-        <p14:creationId xmlns:p14="http://schemas.microsoft.com/office/powerpoint/2010/main" val="1948465283"/>
       </p:ext>
     </p:extLst>
   </p:cSld>
@@ -15557,6 +15498,870 @@
           <a:chExt cx="0" cy="0"/>
         </a:xfrm>
       </p:grpSpPr>
+      <p:pic>
+        <p:nvPicPr>
+          <p:cNvPr id="19" name="그림 18" descr="aaa-11.png"/>
+          <p:cNvPicPr>
+            <a:picLocks noChangeAspect="1"/>
+          </p:cNvPicPr>
+          <p:nvPr/>
+        </p:nvPicPr>
+        <p:blipFill>
+          <a:blip r:embed="rId2" cstate="print"/>
+          <a:stretch>
+            <a:fillRect/>
+          </a:stretch>
+        </p:blipFill>
+        <p:spPr>
+          <a:xfrm>
+            <a:off x="512" y="6012879"/>
+            <a:ext cx="10692375" cy="173686"/>
+          </a:xfrm>
+          <a:prstGeom prst="rect">
+            <a:avLst/>
+          </a:prstGeom>
+        </p:spPr>
+      </p:pic>
+      <p:pic>
+        <p:nvPicPr>
+          <p:cNvPr id="20" name="그림 19" descr="PPT_스타일(교육 2종)_2,3_슬기 수정-11.png"/>
+          <p:cNvPicPr>
+            <a:picLocks noChangeAspect="1"/>
+          </p:cNvPicPr>
+          <p:nvPr/>
+        </p:nvPicPr>
+        <p:blipFill>
+          <a:blip r:embed="rId3" cstate="print"/>
+          <a:stretch>
+            <a:fillRect/>
+          </a:stretch>
+        </p:blipFill>
+        <p:spPr>
+          <a:xfrm>
+            <a:off x="378148" y="396255"/>
+            <a:ext cx="1969012" cy="256033"/>
+          </a:xfrm>
+          <a:prstGeom prst="rect">
+            <a:avLst/>
+          </a:prstGeom>
+        </p:spPr>
+      </p:pic>
+      <p:pic>
+        <p:nvPicPr>
+          <p:cNvPr id="22" name="그림 21" descr="PPT_스타일(교육 2종)_2,3_슬기 수정-23.png"/>
+          <p:cNvPicPr>
+            <a:picLocks noChangeAspect="1"/>
+          </p:cNvPicPr>
+          <p:nvPr/>
+        </p:nvPicPr>
+        <p:blipFill>
+          <a:blip r:embed="rId4" cstate="print"/>
+          <a:stretch>
+            <a:fillRect/>
+          </a:stretch>
+        </p:blipFill>
+        <p:spPr>
+          <a:xfrm>
+            <a:off x="8587060" y="396255"/>
+            <a:ext cx="1800200" cy="215754"/>
+          </a:xfrm>
+          <a:prstGeom prst="rect">
+            <a:avLst/>
+          </a:prstGeom>
+        </p:spPr>
+      </p:pic>
+      <p:pic>
+        <p:nvPicPr>
+          <p:cNvPr id="23" name="그림 22" descr="aaa-14.png"/>
+          <p:cNvPicPr>
+            <a:picLocks noChangeAspect="1"/>
+          </p:cNvPicPr>
+          <p:nvPr/>
+        </p:nvPicPr>
+        <p:blipFill>
+          <a:blip r:embed="rId5" cstate="print"/>
+          <a:stretch>
+            <a:fillRect/>
+          </a:stretch>
+        </p:blipFill>
+        <p:spPr>
+          <a:xfrm>
+            <a:off x="378148" y="1764407"/>
+            <a:ext cx="1414275" cy="923546"/>
+          </a:xfrm>
+          <a:prstGeom prst="rect">
+            <a:avLst/>
+          </a:prstGeom>
+        </p:spPr>
+      </p:pic>
+      <p:sp>
+        <p:nvSpPr>
+          <p:cNvPr id="24" name="직사각형 23"/>
+          <p:cNvSpPr/>
+          <p:nvPr/>
+        </p:nvSpPr>
+        <p:spPr>
+          <a:xfrm>
+            <a:off x="3402484" y="1768392"/>
+            <a:ext cx="720069" cy="646331"/>
+          </a:xfrm>
+          <a:prstGeom prst="rect">
+            <a:avLst/>
+          </a:prstGeom>
+        </p:spPr>
+        <p:txBody>
+          <a:bodyPr wrap="none">
+            <a:spAutoFit/>
+          </a:bodyPr>
+          <a:lstStyle/>
+          <a:p>
+            <a:r>
+              <a:rPr lang="en-US" altLang="ko-KR" sz="3600" b="1" dirty="0">
+                <a:solidFill>
+                  <a:srgbClr val="0047BA"/>
+                </a:solidFill>
+                <a:ea typeface="Pretendard" pitchFamily="50" charset="-127"/>
+              </a:rPr>
+              <a:t>03</a:t>
+            </a:r>
+            <a:endParaRPr lang="ko-KR" altLang="en-US" sz="3600" b="1" dirty="0">
+              <a:solidFill>
+                <a:srgbClr val="0047BA"/>
+              </a:solidFill>
+              <a:ea typeface="Pretendard" pitchFamily="50" charset="-127"/>
+            </a:endParaRPr>
+          </a:p>
+        </p:txBody>
+      </p:sp>
+      <p:sp>
+        <p:nvSpPr>
+          <p:cNvPr id="25" name="직사각형 24"/>
+          <p:cNvSpPr/>
+          <p:nvPr/>
+        </p:nvSpPr>
+        <p:spPr>
+          <a:xfrm>
+            <a:off x="3445617" y="2613238"/>
+            <a:ext cx="5020926" cy="461665"/>
+          </a:xfrm>
+          <a:prstGeom prst="rect">
+            <a:avLst/>
+          </a:prstGeom>
+        </p:spPr>
+        <p:txBody>
+          <a:bodyPr wrap="none">
+            <a:spAutoFit/>
+          </a:bodyPr>
+          <a:lstStyle/>
+          <a:p>
+            <a:r>
+              <a:rPr lang="ko-KR" altLang="en-US" sz="2400" b="1" spc="-150" dirty="0">
+                <a:solidFill>
+                  <a:srgbClr val="0047BA"/>
+                </a:solidFill>
+                <a:latin typeface="+mj-ea"/>
+                <a:ea typeface="+mj-ea"/>
+              </a:rPr>
+              <a:t>지역에서 </a:t>
+            </a:r>
+            <a:r>
+              <a:rPr lang="ko-KR" altLang="en-US" sz="2400" b="1" spc="-150" dirty="0" err="1">
+                <a:solidFill>
+                  <a:srgbClr val="0047BA"/>
+                </a:solidFill>
+                <a:latin typeface="+mj-ea"/>
+                <a:ea typeface="+mj-ea"/>
+              </a:rPr>
+              <a:t>깃허브</a:t>
+            </a:r>
+            <a:r>
+              <a:rPr lang="en-US" altLang="ko-KR" sz="2400" b="1" spc="-150" dirty="0">
+                <a:solidFill>
+                  <a:srgbClr val="0047BA"/>
+                </a:solidFill>
+                <a:latin typeface="+mj-ea"/>
+                <a:ea typeface="+mj-ea"/>
+              </a:rPr>
+              <a:t> </a:t>
+            </a:r>
+            <a:r>
+              <a:rPr lang="ko-KR" altLang="en-US" sz="2400" b="1" spc="-150" dirty="0">
+                <a:solidFill>
+                  <a:srgbClr val="0047BA"/>
+                </a:solidFill>
+                <a:latin typeface="+mj-ea"/>
+                <a:ea typeface="+mj-ea"/>
+              </a:rPr>
+              <a:t>저장소로 푸시</a:t>
+            </a:r>
+            <a:r>
+              <a:rPr lang="en-US" altLang="ko-KR" sz="2400" b="1" spc="-150" dirty="0">
+                <a:solidFill>
+                  <a:srgbClr val="0047BA"/>
+                </a:solidFill>
+                <a:latin typeface="+mj-ea"/>
+                <a:ea typeface="+mj-ea"/>
+              </a:rPr>
+              <a:t>(push)</a:t>
+            </a:r>
+            <a:endParaRPr lang="ko-KR" altLang="en-US" sz="2400" b="1" spc="-150" dirty="0">
+              <a:solidFill>
+                <a:srgbClr val="0047BA"/>
+              </a:solidFill>
+              <a:latin typeface="+mj-ea"/>
+              <a:ea typeface="+mj-ea"/>
+            </a:endParaRPr>
+          </a:p>
+        </p:txBody>
+      </p:sp>
+      <p:pic>
+        <p:nvPicPr>
+          <p:cNvPr id="34" name="그림 33" descr="PPT_스타일(교육 2종)_2,3_슬기 수정-22.png"/>
+          <p:cNvPicPr>
+            <a:picLocks noChangeAspect="1"/>
+          </p:cNvPicPr>
+          <p:nvPr/>
+        </p:nvPicPr>
+        <p:blipFill>
+          <a:blip r:embed="rId6" cstate="print">
+            <a:lum bright="20000"/>
+          </a:blip>
+          <a:stretch>
+            <a:fillRect/>
+          </a:stretch>
+        </p:blipFill>
+        <p:spPr>
+          <a:xfrm>
+            <a:off x="9091116" y="7045101"/>
+            <a:ext cx="1174803" cy="198000"/>
+          </a:xfrm>
+          <a:prstGeom prst="rect">
+            <a:avLst/>
+          </a:prstGeom>
+        </p:spPr>
+      </p:pic>
+      <p:cxnSp>
+        <p:nvCxnSpPr>
+          <p:cNvPr id="18" name="직선 연결선 17"/>
+          <p:cNvCxnSpPr/>
+          <p:nvPr/>
+        </p:nvCxnSpPr>
+        <p:spPr>
+          <a:xfrm>
+            <a:off x="3517625" y="2493105"/>
+            <a:ext cx="504056" cy="0"/>
+          </a:xfrm>
+          <a:prstGeom prst="line">
+            <a:avLst/>
+          </a:prstGeom>
+          <a:ln w="19050">
+            <a:solidFill>
+              <a:srgbClr val="0047BA"/>
+            </a:solidFill>
+          </a:ln>
+        </p:spPr>
+        <p:style>
+          <a:lnRef idx="1">
+            <a:schemeClr val="accent1"/>
+          </a:lnRef>
+          <a:fillRef idx="0">
+            <a:schemeClr val="accent1"/>
+          </a:fillRef>
+          <a:effectRef idx="0">
+            <a:schemeClr val="accent1"/>
+          </a:effectRef>
+          <a:fontRef idx="minor">
+            <a:schemeClr val="tx1"/>
+          </a:fontRef>
+        </p:style>
+      </p:cxnSp>
+      <p:sp>
+        <p:nvSpPr>
+          <p:cNvPr id="12" name="직사각형 11">
+            <a:extLst>
+              <a:ext uri="{FF2B5EF4-FFF2-40B4-BE49-F238E27FC236}">
+                <a16:creationId xmlns:a16="http://schemas.microsoft.com/office/drawing/2014/main" id="{837B2CCB-75DE-4F5A-8933-22E9BE0E2861}"/>
+              </a:ext>
+            </a:extLst>
+          </p:cNvPr>
+          <p:cNvSpPr/>
+          <p:nvPr/>
+        </p:nvSpPr>
+        <p:spPr>
+          <a:xfrm>
+            <a:off x="306140" y="7020991"/>
+            <a:ext cx="2589170" cy="246221"/>
+          </a:xfrm>
+          <a:prstGeom prst="rect">
+            <a:avLst/>
+          </a:prstGeom>
+        </p:spPr>
+        <p:txBody>
+          <a:bodyPr wrap="none">
+            <a:spAutoFit/>
+          </a:bodyPr>
+          <a:lstStyle/>
+          <a:p>
+            <a:r>
+              <a:rPr lang="ko-KR" altLang="en-US" sz="1000" b="1" dirty="0">
+                <a:solidFill>
+                  <a:schemeClr val="tx1">
+                    <a:lumMod val="65000"/>
+                    <a:lumOff val="35000"/>
+                  </a:schemeClr>
+                </a:solidFill>
+                <a:latin typeface="+mj-ea"/>
+                <a:ea typeface="+mj-ea"/>
+              </a:rPr>
+              <a:t>오프소스 소프트웨어를 위한 깃과 </a:t>
+            </a:r>
+            <a:r>
+              <a:rPr lang="ko-KR" altLang="en-US" sz="1000" b="1" dirty="0" err="1">
+                <a:solidFill>
+                  <a:schemeClr val="tx1">
+                    <a:lumMod val="65000"/>
+                    <a:lumOff val="35000"/>
+                  </a:schemeClr>
+                </a:solidFill>
+                <a:latin typeface="+mj-ea"/>
+                <a:ea typeface="+mj-ea"/>
+              </a:rPr>
+              <a:t>깃허브</a:t>
+            </a:r>
+            <a:endParaRPr lang="ko-KR" altLang="en-US" sz="1000" b="1" dirty="0">
+              <a:solidFill>
+                <a:schemeClr val="tx1">
+                  <a:lumMod val="65000"/>
+                  <a:lumOff val="35000"/>
+                </a:schemeClr>
+              </a:solidFill>
+              <a:latin typeface="+mj-ea"/>
+              <a:ea typeface="+mj-ea"/>
+            </a:endParaRPr>
+          </a:p>
+        </p:txBody>
+      </p:sp>
+    </p:spTree>
+    <p:extLst>
+      <p:ext uri="{BB962C8B-B14F-4D97-AF65-F5344CB8AC3E}">
+        <p14:creationId xmlns:p14="http://schemas.microsoft.com/office/powerpoint/2010/main" val="3944502507"/>
+      </p:ext>
+    </p:extLst>
+  </p:cSld>
+  <p:clrMapOvr>
+    <a:masterClrMapping/>
+  </p:clrMapOvr>
+</p:sld>
+</file>
+
+<file path=ppt/slides/slide31.xml><?xml version="1.0" encoding="utf-8"?>
+<p:sld xmlns:a="http://schemas.openxmlformats.org/drawingml/2006/main" xmlns:r="http://schemas.openxmlformats.org/officeDocument/2006/relationships" xmlns:p="http://schemas.openxmlformats.org/presentationml/2006/main">
+  <p:cSld>
+    <p:spTree>
+      <p:nvGrpSpPr>
+        <p:cNvPr id="1" name=""/>
+        <p:cNvGrpSpPr/>
+        <p:nvPr/>
+      </p:nvGrpSpPr>
+      <p:grpSpPr>
+        <a:xfrm>
+          <a:off x="0" y="0"/>
+          <a:ext cx="0" cy="0"/>
+          <a:chOff x="0" y="0"/>
+          <a:chExt cx="0" cy="0"/>
+        </a:xfrm>
+      </p:grpSpPr>
+      <p:sp>
+        <p:nvSpPr>
+          <p:cNvPr id="2" name="제목 1">
+            <a:extLst>
+              <a:ext uri="{FF2B5EF4-FFF2-40B4-BE49-F238E27FC236}">
+                <a16:creationId xmlns:a16="http://schemas.microsoft.com/office/drawing/2014/main" id="{6DB07EA1-3332-405D-B303-1F5C2A82AB4F}"/>
+              </a:ext>
+            </a:extLst>
+          </p:cNvPr>
+          <p:cNvSpPr>
+            <a:spLocks noGrp="1"/>
+          </p:cNvSpPr>
+          <p:nvPr>
+            <p:ph type="ctrTitle"/>
+          </p:nvPr>
+        </p:nvSpPr>
+        <p:spPr/>
+        <p:txBody>
+          <a:bodyPr/>
+          <a:lstStyle/>
+          <a:p>
+            <a:r>
+              <a:rPr lang="ko-KR" altLang="en-US" dirty="0"/>
+              <a:t>지역</a:t>
+            </a:r>
+            <a:r>
+              <a:rPr lang="en-US" altLang="ko-KR" dirty="0"/>
+              <a:t> </a:t>
+            </a:r>
+            <a:r>
+              <a:rPr lang="ko-KR" altLang="en-US" dirty="0"/>
+              <a:t>저장소에서 </a:t>
+            </a:r>
+            <a:r>
+              <a:rPr lang="en-US" altLang="ko-KR" dirty="0"/>
+              <a:t>push</a:t>
+            </a:r>
+            <a:endParaRPr lang="ko-KR" altLang="en-US" dirty="0"/>
+          </a:p>
+        </p:txBody>
+      </p:sp>
+      <p:sp>
+        <p:nvSpPr>
+          <p:cNvPr id="3" name="내용 개체 틀 2">
+            <a:extLst>
+              <a:ext uri="{FF2B5EF4-FFF2-40B4-BE49-F238E27FC236}">
+                <a16:creationId xmlns:a16="http://schemas.microsoft.com/office/drawing/2014/main" id="{F73A3095-2F88-4797-9677-5A5FCE87824B}"/>
+              </a:ext>
+            </a:extLst>
+          </p:cNvPr>
+          <p:cNvSpPr>
+            <a:spLocks noGrp="1"/>
+          </p:cNvSpPr>
+          <p:nvPr>
+            <p:ph idx="1"/>
+          </p:nvPr>
+        </p:nvSpPr>
+        <p:spPr/>
+        <p:txBody>
+          <a:bodyPr/>
+          <a:lstStyle/>
+          <a:p>
+            <a:r>
+              <a:rPr lang="ko-KR" altLang="en-US" dirty="0"/>
+              <a:t>쓰기 권한이</a:t>
+            </a:r>
+            <a:r>
+              <a:rPr lang="en-US" altLang="ko-KR" dirty="0"/>
+              <a:t> </a:t>
+            </a:r>
+            <a:r>
+              <a:rPr lang="ko-KR" altLang="en-US" dirty="0"/>
+              <a:t>있어야 가능</a:t>
+            </a:r>
+            <a:endParaRPr lang="en-US" altLang="ko-KR" dirty="0"/>
+          </a:p>
+          <a:p>
+            <a:pPr lvl="1"/>
+            <a:r>
+              <a:rPr lang="ko-KR" altLang="en-US" dirty="0"/>
+              <a:t>자신의 저장소</a:t>
+            </a:r>
+            <a:endParaRPr lang="en-US" altLang="ko-KR" dirty="0"/>
+          </a:p>
+          <a:p>
+            <a:pPr lvl="1"/>
+            <a:r>
+              <a:rPr lang="ko-KR" altLang="en-US" dirty="0"/>
+              <a:t>협업자로 등록</a:t>
+            </a:r>
+          </a:p>
+        </p:txBody>
+      </p:sp>
+      <p:pic>
+        <p:nvPicPr>
+          <p:cNvPr id="4098" name="Picture 2" descr="push pull">
+            <a:extLst>
+              <a:ext uri="{FF2B5EF4-FFF2-40B4-BE49-F238E27FC236}">
+                <a16:creationId xmlns:a16="http://schemas.microsoft.com/office/drawing/2014/main" id="{61B809FA-79CD-43D8-83F5-97A753CD8C19}"/>
+              </a:ext>
+            </a:extLst>
+          </p:cNvPr>
+          <p:cNvPicPr>
+            <a:picLocks noChangeAspect="1" noChangeArrowheads="1"/>
+          </p:cNvPicPr>
+          <p:nvPr/>
+        </p:nvPicPr>
+        <p:blipFill>
+          <a:blip r:embed="rId2">
+            <a:extLst>
+              <a:ext uri="{28A0092B-C50C-407E-A947-70E740481C1C}">
+                <a14:useLocalDpi xmlns:a14="http://schemas.microsoft.com/office/drawing/2010/main" val="0"/>
+              </a:ext>
+            </a:extLst>
+          </a:blip>
+          <a:srcRect/>
+          <a:stretch>
+            <a:fillRect/>
+          </a:stretch>
+        </p:blipFill>
+        <p:spPr bwMode="auto">
+          <a:xfrm>
+            <a:off x="203200" y="2412479"/>
+            <a:ext cx="10287000" cy="2143125"/>
+          </a:xfrm>
+          <a:prstGeom prst="rect">
+            <a:avLst/>
+          </a:prstGeom>
+          <a:noFill/>
+          <a:extLst>
+            <a:ext uri="{909E8E84-426E-40DD-AFC4-6F175D3DCCD1}">
+              <a14:hiddenFill xmlns:a14="http://schemas.microsoft.com/office/drawing/2010/main">
+                <a:solidFill>
+                  <a:srgbClr val="FFFFFF"/>
+                </a:solidFill>
+              </a14:hiddenFill>
+            </a:ext>
+          </a:extLst>
+        </p:spPr>
+      </p:pic>
+      <p:sp>
+        <p:nvSpPr>
+          <p:cNvPr id="4" name="직사각형 3">
+            <a:extLst>
+              <a:ext uri="{FF2B5EF4-FFF2-40B4-BE49-F238E27FC236}">
+                <a16:creationId xmlns:a16="http://schemas.microsoft.com/office/drawing/2014/main" id="{0B7C254D-895D-405E-8F85-3B10583CEC67}"/>
+              </a:ext>
+            </a:extLst>
+          </p:cNvPr>
+          <p:cNvSpPr/>
+          <p:nvPr/>
+        </p:nvSpPr>
+        <p:spPr>
+          <a:xfrm>
+            <a:off x="2273423" y="7020991"/>
+            <a:ext cx="3073277" cy="369332"/>
+          </a:xfrm>
+          <a:prstGeom prst="rect">
+            <a:avLst/>
+          </a:prstGeom>
+        </p:spPr>
+        <p:txBody>
+          <a:bodyPr wrap="none">
+            <a:spAutoFit/>
+          </a:bodyPr>
+          <a:lstStyle/>
+          <a:p>
+            <a:r>
+              <a:rPr lang="ko-KR" altLang="en-US" sz="1800" dirty="0"/>
+              <a:t>https://wikidocs.net/151093</a:t>
+            </a:r>
+          </a:p>
+        </p:txBody>
+      </p:sp>
+    </p:spTree>
+    <p:extLst>
+      <p:ext uri="{BB962C8B-B14F-4D97-AF65-F5344CB8AC3E}">
+        <p14:creationId xmlns:p14="http://schemas.microsoft.com/office/powerpoint/2010/main" val="47605959"/>
+      </p:ext>
+    </p:extLst>
+  </p:cSld>
+  <p:clrMapOvr>
+    <a:masterClrMapping/>
+  </p:clrMapOvr>
+</p:sld>
+</file>
+
+<file path=ppt/slides/slide32.xml><?xml version="1.0" encoding="utf-8"?>
+<p:sld xmlns:a="http://schemas.openxmlformats.org/drawingml/2006/main" xmlns:r="http://schemas.openxmlformats.org/officeDocument/2006/relationships" xmlns:p="http://schemas.openxmlformats.org/presentationml/2006/main">
+  <p:cSld>
+    <p:spTree>
+      <p:nvGrpSpPr>
+        <p:cNvPr id="1" name=""/>
+        <p:cNvGrpSpPr/>
+        <p:nvPr/>
+      </p:nvGrpSpPr>
+      <p:grpSpPr>
+        <a:xfrm>
+          <a:off x="0" y="0"/>
+          <a:ext cx="0" cy="0"/>
+          <a:chOff x="0" y="0"/>
+          <a:chExt cx="0" cy="0"/>
+        </a:xfrm>
+      </p:grpSpPr>
+      <p:sp>
+        <p:nvSpPr>
+          <p:cNvPr id="2" name="제목 1">
+            <a:extLst>
+              <a:ext uri="{FF2B5EF4-FFF2-40B4-BE49-F238E27FC236}">
+                <a16:creationId xmlns:a16="http://schemas.microsoft.com/office/drawing/2014/main" id="{DCB367B3-7B1E-4FE7-AD03-E84FF109BFA0}"/>
+              </a:ext>
+            </a:extLst>
+          </p:cNvPr>
+          <p:cNvSpPr>
+            <a:spLocks noGrp="1"/>
+          </p:cNvSpPr>
+          <p:nvPr>
+            <p:ph type="ctrTitle"/>
+          </p:nvPr>
+        </p:nvSpPr>
+        <p:spPr/>
+        <p:txBody>
+          <a:bodyPr/>
+          <a:lstStyle/>
+          <a:p>
+            <a:r>
+              <a:rPr lang="ko-KR" altLang="en-US" dirty="0"/>
+              <a:t>실습</a:t>
+            </a:r>
+            <a:r>
+              <a:rPr lang="en-US" altLang="ko-KR" dirty="0"/>
+              <a:t> </a:t>
+            </a:r>
+            <a:r>
+              <a:rPr lang="ko-KR" altLang="en-US" dirty="0"/>
+              <a:t>준비</a:t>
+            </a:r>
+          </a:p>
+        </p:txBody>
+      </p:sp>
+      <p:sp>
+        <p:nvSpPr>
+          <p:cNvPr id="3" name="내용 개체 틀 2">
+            <a:extLst>
+              <a:ext uri="{FF2B5EF4-FFF2-40B4-BE49-F238E27FC236}">
+                <a16:creationId xmlns:a16="http://schemas.microsoft.com/office/drawing/2014/main" id="{D63FD19E-2DDC-4BDE-88D8-D217E4A4DC7D}"/>
+              </a:ext>
+            </a:extLst>
+          </p:cNvPr>
+          <p:cNvSpPr>
+            <a:spLocks noGrp="1"/>
+          </p:cNvSpPr>
+          <p:nvPr>
+            <p:ph idx="1"/>
+          </p:nvPr>
+        </p:nvSpPr>
+        <p:spPr/>
+        <p:txBody>
+          <a:bodyPr/>
+          <a:lstStyle/>
+          <a:p>
+            <a:r>
+              <a:rPr lang="en-US" altLang="ko-KR" dirty="0"/>
+              <a:t>PC</a:t>
+            </a:r>
+            <a:r>
+              <a:rPr lang="ko-KR" altLang="en-US" dirty="0"/>
+              <a:t>에서 파일을 만들어 </a:t>
+            </a:r>
+            <a:r>
+              <a:rPr lang="en-US" altLang="ko-KR" dirty="0"/>
+              <a:t>add, commit </a:t>
+            </a:r>
+            <a:r>
+              <a:rPr lang="ko-KR" altLang="en-US" dirty="0"/>
+              <a:t>후</a:t>
+            </a:r>
+            <a:r>
+              <a:rPr lang="en-US" altLang="ko-KR" dirty="0"/>
+              <a:t> </a:t>
+            </a:r>
+            <a:r>
+              <a:rPr lang="ko-KR" altLang="en-US" dirty="0" err="1"/>
+              <a:t>깃허브</a:t>
+            </a:r>
+            <a:r>
+              <a:rPr lang="ko-KR" altLang="en-US" dirty="0"/>
+              <a:t> 저장소 </a:t>
+            </a:r>
+            <a:r>
+              <a:rPr lang="en-US" altLang="ko-KR" dirty="0"/>
+              <a:t>git-clone</a:t>
+            </a:r>
+            <a:r>
+              <a:rPr lang="ko-KR" altLang="en-US" dirty="0"/>
+              <a:t>에 올리기</a:t>
+            </a:r>
+            <a:r>
+              <a:rPr lang="en-US" altLang="ko-KR" dirty="0"/>
+              <a:t> push</a:t>
+            </a:r>
+          </a:p>
+          <a:p>
+            <a:endParaRPr lang="en-US" altLang="ko-KR" dirty="0"/>
+          </a:p>
+          <a:p>
+            <a:r>
+              <a:rPr lang="en-US" altLang="ko-KR" dirty="0"/>
+              <a:t>1. PC</a:t>
+            </a:r>
+            <a:r>
+              <a:rPr lang="ko-KR" altLang="en-US" dirty="0"/>
+              <a:t>에서 </a:t>
+            </a:r>
+            <a:r>
+              <a:rPr lang="en-US" altLang="ko-KR" dirty="0"/>
+              <a:t>hello.py </a:t>
+            </a:r>
+            <a:r>
+              <a:rPr lang="ko-KR" altLang="en-US" dirty="0"/>
+              <a:t>파일</a:t>
+            </a:r>
+            <a:r>
+              <a:rPr lang="en-US" altLang="ko-KR" dirty="0"/>
+              <a:t> </a:t>
+            </a:r>
+            <a:r>
+              <a:rPr lang="ko-KR" altLang="en-US" dirty="0"/>
+              <a:t>생성</a:t>
+            </a:r>
+            <a:endParaRPr lang="en-US" altLang="ko-KR" dirty="0"/>
+          </a:p>
+          <a:p>
+            <a:pPr lvl="1"/>
+            <a:r>
+              <a:rPr lang="en-US" altLang="ko-KR" dirty="0"/>
+              <a:t>$ git add</a:t>
+            </a:r>
+          </a:p>
+          <a:p>
+            <a:pPr lvl="1"/>
+            <a:r>
+              <a:rPr lang="en-US" altLang="ko-KR" dirty="0"/>
+              <a:t>$ git commit –m</a:t>
+            </a:r>
+          </a:p>
+          <a:p>
+            <a:pPr lvl="1"/>
+            <a:endParaRPr lang="en-US" altLang="ko-KR" dirty="0"/>
+          </a:p>
+          <a:p>
+            <a:pPr lvl="1"/>
+            <a:r>
+              <a:rPr lang="en-US" altLang="ko-KR" dirty="0"/>
+              <a:t>$ git config </a:t>
+            </a:r>
+            <a:r>
+              <a:rPr lang="en-US" altLang="ko-KR" dirty="0" err="1"/>
+              <a:t>core.editor</a:t>
+            </a:r>
+            <a:r>
+              <a:rPr lang="en-US" altLang="ko-KR" dirty="0"/>
+              <a:t> code</a:t>
+            </a:r>
+          </a:p>
+          <a:p>
+            <a:pPr marL="1043056" lvl="2" indent="0">
+              <a:buNone/>
+            </a:pPr>
+            <a:endParaRPr lang="en-US" altLang="ko-KR" dirty="0"/>
+          </a:p>
+          <a:p>
+            <a:r>
+              <a:rPr lang="en-US" altLang="ko-KR" dirty="0"/>
+              <a:t>2. PC</a:t>
+            </a:r>
+            <a:r>
+              <a:rPr lang="ko-KR" altLang="en-US" dirty="0"/>
+              <a:t> 지역저장소에서 원격저장소로</a:t>
+            </a:r>
+            <a:r>
+              <a:rPr lang="en-US" altLang="ko-KR" dirty="0"/>
+              <a:t> </a:t>
+            </a:r>
+            <a:r>
+              <a:rPr lang="ko-KR" altLang="en-US" dirty="0"/>
+              <a:t>보내기</a:t>
+            </a:r>
+            <a:r>
+              <a:rPr lang="en-US" altLang="ko-KR" dirty="0"/>
+              <a:t> push</a:t>
+            </a:r>
+          </a:p>
+          <a:p>
+            <a:pPr lvl="1"/>
+            <a:r>
+              <a:rPr lang="en-US" altLang="ko-KR" dirty="0"/>
+              <a:t>$ git push</a:t>
+            </a:r>
+          </a:p>
+          <a:p>
+            <a:pPr lvl="2"/>
+            <a:r>
+              <a:rPr lang="ko-KR" altLang="en-US" dirty="0"/>
+              <a:t>오류 발생</a:t>
+            </a:r>
+            <a:r>
+              <a:rPr lang="en-US" altLang="ko-KR" dirty="0"/>
+              <a:t>?</a:t>
+            </a:r>
+          </a:p>
+          <a:p>
+            <a:pPr lvl="1"/>
+            <a:r>
+              <a:rPr lang="en-US" altLang="ko-KR" dirty="0"/>
+              <a:t>$ git push </a:t>
+            </a:r>
+            <a:r>
+              <a:rPr lang="en-US" altLang="ko-KR" dirty="0">
+                <a:hlinkClick r:id="rId2"/>
+              </a:rPr>
+              <a:t>https://{token}@github.com/{username}/{repo_name}.git</a:t>
+            </a:r>
+            <a:endParaRPr lang="en-US" altLang="ko-KR" dirty="0"/>
+          </a:p>
+          <a:p>
+            <a:pPr lvl="1"/>
+            <a:endParaRPr lang="en-US" altLang="ko-KR" dirty="0"/>
+          </a:p>
+          <a:p>
+            <a:pPr lvl="1"/>
+            <a:endParaRPr lang="en-US" altLang="ko-KR" dirty="0"/>
+          </a:p>
+          <a:p>
+            <a:r>
+              <a:rPr lang="en-US" altLang="ko-KR" dirty="0"/>
+              <a:t>3. </a:t>
+            </a:r>
+            <a:r>
+              <a:rPr lang="ko-KR" altLang="en-US" dirty="0" err="1"/>
+              <a:t>깃허브에서</a:t>
+            </a:r>
+            <a:r>
+              <a:rPr lang="en-US" altLang="ko-KR" dirty="0"/>
+              <a:t> </a:t>
+            </a:r>
+            <a:r>
+              <a:rPr lang="ko-KR" altLang="en-US" dirty="0"/>
+              <a:t>확인</a:t>
+            </a:r>
+            <a:endParaRPr lang="en-US" altLang="ko-KR" dirty="0"/>
+          </a:p>
+          <a:p>
+            <a:pPr lvl="1"/>
+            <a:endParaRPr lang="en-US" altLang="ko-KR" dirty="0"/>
+          </a:p>
+          <a:p>
+            <a:endParaRPr lang="ko-KR" altLang="en-US" dirty="0"/>
+          </a:p>
+        </p:txBody>
+      </p:sp>
+    </p:spTree>
+    <p:extLst>
+      <p:ext uri="{BB962C8B-B14F-4D97-AF65-F5344CB8AC3E}">
+        <p14:creationId xmlns:p14="http://schemas.microsoft.com/office/powerpoint/2010/main" val="1948465283"/>
+      </p:ext>
+    </p:extLst>
+  </p:cSld>
+  <p:clrMapOvr>
+    <a:masterClrMapping/>
+  </p:clrMapOvr>
+</p:sld>
+</file>
+
+<file path=ppt/slides/slide33.xml><?xml version="1.0" encoding="utf-8"?>
+<p:sld xmlns:a="http://schemas.openxmlformats.org/drawingml/2006/main" xmlns:r="http://schemas.openxmlformats.org/officeDocument/2006/relationships" xmlns:p="http://schemas.openxmlformats.org/presentationml/2006/main">
+  <p:cSld>
+    <p:spTree>
+      <p:nvGrpSpPr>
+        <p:cNvPr id="1" name=""/>
+        <p:cNvGrpSpPr/>
+        <p:nvPr/>
+      </p:nvGrpSpPr>
+      <p:grpSpPr>
+        <a:xfrm>
+          <a:off x="0" y="0"/>
+          <a:ext cx="0" cy="0"/>
+          <a:chOff x="0" y="0"/>
+          <a:chExt cx="0" cy="0"/>
+        </a:xfrm>
+      </p:grpSpPr>
       <p:sp>
         <p:nvSpPr>
           <p:cNvPr id="2" name="제목 1">
@@ -16144,1244 +16949,6 @@
 </p:sld>
 </file>
 
-<file path=ppt/slides/slide31.xml><?xml version="1.0" encoding="utf-8"?>
-<p:sld xmlns:a="http://schemas.openxmlformats.org/drawingml/2006/main" xmlns:r="http://schemas.openxmlformats.org/officeDocument/2006/relationships" xmlns:p="http://schemas.openxmlformats.org/presentationml/2006/main">
-  <p:cSld>
-    <p:spTree>
-      <p:nvGrpSpPr>
-        <p:cNvPr id="1" name=""/>
-        <p:cNvGrpSpPr/>
-        <p:nvPr/>
-      </p:nvGrpSpPr>
-      <p:grpSpPr>
-        <a:xfrm>
-          <a:off x="0" y="0"/>
-          <a:ext cx="0" cy="0"/>
-          <a:chOff x="0" y="0"/>
-          <a:chExt cx="0" cy="0"/>
-        </a:xfrm>
-      </p:grpSpPr>
-      <p:sp>
-        <p:nvSpPr>
-          <p:cNvPr id="2" name="제목 1">
-            <a:extLst>
-              <a:ext uri="{FF2B5EF4-FFF2-40B4-BE49-F238E27FC236}">
-                <a16:creationId xmlns:a16="http://schemas.microsoft.com/office/drawing/2014/main" id="{0ED665D2-43B7-4F32-86EA-7D6102168E73}"/>
-              </a:ext>
-            </a:extLst>
-          </p:cNvPr>
-          <p:cNvSpPr>
-            <a:spLocks noGrp="1"/>
-          </p:cNvSpPr>
-          <p:nvPr>
-            <p:ph type="ctrTitle"/>
-          </p:nvPr>
-        </p:nvSpPr>
-        <p:spPr/>
-        <p:txBody>
-          <a:bodyPr/>
-          <a:lstStyle/>
-          <a:p>
-            <a:r>
-              <a:rPr lang="ko-KR" altLang="en-US" dirty="0"/>
-              <a:t>파일</a:t>
-            </a:r>
-            <a:r>
-              <a:rPr lang="en-US" altLang="ko-KR" dirty="0"/>
-              <a:t> hello.py </a:t>
-            </a:r>
-            <a:r>
-              <a:rPr lang="ko-KR" altLang="en-US" dirty="0"/>
-              <a:t>생성</a:t>
-            </a:r>
-          </a:p>
-        </p:txBody>
-      </p:sp>
-      <p:sp>
-        <p:nvSpPr>
-          <p:cNvPr id="3" name="내용 개체 틀 2">
-            <a:extLst>
-              <a:ext uri="{FF2B5EF4-FFF2-40B4-BE49-F238E27FC236}">
-                <a16:creationId xmlns:a16="http://schemas.microsoft.com/office/drawing/2014/main" id="{BC9C482C-E87F-4366-A09F-7305C397AE02}"/>
-              </a:ext>
-            </a:extLst>
-          </p:cNvPr>
-          <p:cNvSpPr>
-            <a:spLocks noGrp="1"/>
-          </p:cNvSpPr>
-          <p:nvPr>
-            <p:ph idx="1"/>
-          </p:nvPr>
-        </p:nvSpPr>
-        <p:spPr/>
-        <p:txBody>
-          <a:bodyPr/>
-          <a:lstStyle/>
-          <a:p>
-            <a:r>
-              <a:rPr lang="en-US" altLang="ko-KR" dirty="0"/>
-              <a:t>$ echo “print(‘Hello, Python.’)” &gt;&gt; hello.py</a:t>
-            </a:r>
-          </a:p>
-          <a:p>
-            <a:endParaRPr lang="en-US" altLang="ko-KR" dirty="0"/>
-          </a:p>
-          <a:p>
-            <a:r>
-              <a:rPr lang="en-US" altLang="ko-KR" dirty="0"/>
-              <a:t>$ ls –al</a:t>
-            </a:r>
-          </a:p>
-          <a:p>
-            <a:endParaRPr lang="en-US" altLang="ko-KR" dirty="0"/>
-          </a:p>
-          <a:p>
-            <a:r>
-              <a:rPr lang="en-US" altLang="ko-KR" dirty="0"/>
-              <a:t>$ git status </a:t>
-            </a:r>
-          </a:p>
-          <a:p>
-            <a:pPr marL="0" indent="0">
-              <a:buNone/>
-            </a:pPr>
-            <a:endParaRPr lang="ko-KR" altLang="en-US" dirty="0"/>
-          </a:p>
-          <a:p>
-            <a:endParaRPr lang="ko-KR" altLang="en-US" dirty="0"/>
-          </a:p>
-        </p:txBody>
-      </p:sp>
-    </p:spTree>
-    <p:extLst>
-      <p:ext uri="{BB962C8B-B14F-4D97-AF65-F5344CB8AC3E}">
-        <p14:creationId xmlns:p14="http://schemas.microsoft.com/office/powerpoint/2010/main" val="2758705128"/>
-      </p:ext>
-    </p:extLst>
-  </p:cSld>
-  <p:clrMapOvr>
-    <a:masterClrMapping/>
-  </p:clrMapOvr>
-</p:sld>
-</file>
-
-<file path=ppt/slides/slide32.xml><?xml version="1.0" encoding="utf-8"?>
-<p:sld xmlns:a="http://schemas.openxmlformats.org/drawingml/2006/main" xmlns:r="http://schemas.openxmlformats.org/officeDocument/2006/relationships" xmlns:p="http://schemas.openxmlformats.org/presentationml/2006/main">
-  <p:cSld>
-    <p:spTree>
-      <p:nvGrpSpPr>
-        <p:cNvPr id="1" name=""/>
-        <p:cNvGrpSpPr/>
-        <p:nvPr/>
-      </p:nvGrpSpPr>
-      <p:grpSpPr>
-        <a:xfrm>
-          <a:off x="0" y="0"/>
-          <a:ext cx="0" cy="0"/>
-          <a:chOff x="0" y="0"/>
-          <a:chExt cx="0" cy="0"/>
-        </a:xfrm>
-      </p:grpSpPr>
-      <p:sp>
-        <p:nvSpPr>
-          <p:cNvPr id="2" name="제목 1">
-            <a:extLst>
-              <a:ext uri="{FF2B5EF4-FFF2-40B4-BE49-F238E27FC236}">
-                <a16:creationId xmlns:a16="http://schemas.microsoft.com/office/drawing/2014/main" id="{EE177188-2383-499B-9BAE-0F27AD3B72ED}"/>
-              </a:ext>
-            </a:extLst>
-          </p:cNvPr>
-          <p:cNvSpPr>
-            <a:spLocks noGrp="1"/>
-          </p:cNvSpPr>
-          <p:nvPr>
-            <p:ph type="ctrTitle"/>
-          </p:nvPr>
-        </p:nvSpPr>
-        <p:spPr/>
-        <p:txBody>
-          <a:bodyPr/>
-          <a:lstStyle/>
-          <a:p>
-            <a:r>
-              <a:rPr lang="en-US" altLang="ko-KR" dirty="0"/>
-              <a:t>Untracked files:</a:t>
-            </a:r>
-            <a:endParaRPr lang="ko-KR" altLang="en-US" dirty="0"/>
-          </a:p>
-        </p:txBody>
-      </p:sp>
-      <p:sp>
-        <p:nvSpPr>
-          <p:cNvPr id="3" name="내용 개체 틀 2">
-            <a:extLst>
-              <a:ext uri="{FF2B5EF4-FFF2-40B4-BE49-F238E27FC236}">
-                <a16:creationId xmlns:a16="http://schemas.microsoft.com/office/drawing/2014/main" id="{84731DEC-59E7-4A05-B40A-A469A7670B47}"/>
-              </a:ext>
-            </a:extLst>
-          </p:cNvPr>
-          <p:cNvSpPr>
-            <a:spLocks noGrp="1"/>
-          </p:cNvSpPr>
-          <p:nvPr>
-            <p:ph idx="1"/>
-          </p:nvPr>
-        </p:nvSpPr>
-        <p:spPr>
-          <a:xfrm>
-            <a:off x="414152" y="1116335"/>
-            <a:ext cx="9865096" cy="5832648"/>
-          </a:xfrm>
-        </p:spPr>
-        <p:txBody>
-          <a:bodyPr/>
-          <a:lstStyle/>
-          <a:p>
-            <a:endParaRPr lang="ko-KR" altLang="en-US" dirty="0"/>
-          </a:p>
-        </p:txBody>
-      </p:sp>
-      <p:sp>
-        <p:nvSpPr>
-          <p:cNvPr id="4" name="직사각형 3">
-            <a:extLst>
-              <a:ext uri="{FF2B5EF4-FFF2-40B4-BE49-F238E27FC236}">
-                <a16:creationId xmlns:a16="http://schemas.microsoft.com/office/drawing/2014/main" id="{FEAAC1F8-C8AD-4907-B0AC-312D96266C0B}"/>
-              </a:ext>
-            </a:extLst>
-          </p:cNvPr>
-          <p:cNvSpPr/>
-          <p:nvPr/>
-        </p:nvSpPr>
-        <p:spPr>
-          <a:xfrm>
-            <a:off x="1051248" y="1228803"/>
-            <a:ext cx="8640960" cy="5909310"/>
-          </a:xfrm>
-          <a:prstGeom prst="rect">
-            <a:avLst/>
-          </a:prstGeom>
-        </p:spPr>
-        <p:txBody>
-          <a:bodyPr wrap="square">
-            <a:spAutoFit/>
-          </a:bodyPr>
-          <a:lstStyle/>
-          <a:p>
-            <a:endParaRPr lang="ko-KR" altLang="en-US" sz="1400" dirty="0">
-              <a:latin typeface="Lucida Console" panose="020B0609040504020204" pitchFamily="49" charset="0"/>
-            </a:endParaRPr>
-          </a:p>
-          <a:p>
-            <a:r>
-              <a:rPr lang="en-US" altLang="ko-KR" sz="1400" dirty="0">
-                <a:solidFill>
-                  <a:srgbClr val="00BF00"/>
-                </a:solidFill>
-                <a:latin typeface="Lucida Console" panose="020B0609040504020204" pitchFamily="49" charset="0"/>
-              </a:rPr>
-              <a:t>PC@DESKTOP-482NOAB </a:t>
-            </a:r>
-            <a:r>
-              <a:rPr lang="en-US" altLang="ko-KR" sz="1400" dirty="0">
-                <a:solidFill>
-                  <a:srgbClr val="BF00BF"/>
-                </a:solidFill>
-                <a:latin typeface="Lucida Console" panose="020B0609040504020204" pitchFamily="49" charset="0"/>
-              </a:rPr>
-              <a:t>MINGW64 </a:t>
-            </a:r>
-            <a:r>
-              <a:rPr lang="en-US" altLang="ko-KR" sz="1400" dirty="0">
-                <a:solidFill>
-                  <a:srgbClr val="BFBF00"/>
-                </a:solidFill>
-                <a:latin typeface="Lucida Console" panose="020B0609040504020204" pitchFamily="49" charset="0"/>
-              </a:rPr>
-              <a:t>/c/[git tutorial]/git-clone</a:t>
-            </a:r>
-            <a:r>
-              <a:rPr lang="en-US" altLang="ko-KR" sz="1400" dirty="0">
-                <a:solidFill>
-                  <a:srgbClr val="00BFBF"/>
-                </a:solidFill>
-                <a:latin typeface="Lucida Console" panose="020B0609040504020204" pitchFamily="49" charset="0"/>
-              </a:rPr>
-              <a:t> (main)</a:t>
-            </a:r>
-          </a:p>
-          <a:p>
-            <a:r>
-              <a:rPr lang="en-US" altLang="ko-KR" sz="1400" dirty="0">
-                <a:solidFill>
-                  <a:prstClr val="black"/>
-                </a:solidFill>
-                <a:latin typeface="Lucida Console" panose="020B0609040504020204" pitchFamily="49" charset="0"/>
-              </a:rPr>
-              <a:t>$ echo "print('Hello, Python.')" &gt;&gt; hello.py</a:t>
-            </a:r>
-          </a:p>
-          <a:p>
-            <a:endParaRPr lang="ko-KR" altLang="en-US" sz="1400" dirty="0">
-              <a:solidFill>
-                <a:prstClr val="black"/>
-              </a:solidFill>
-              <a:latin typeface="Lucida Console" panose="020B0609040504020204" pitchFamily="49" charset="0"/>
-            </a:endParaRPr>
-          </a:p>
-          <a:p>
-            <a:r>
-              <a:rPr lang="en-US" altLang="ko-KR" sz="1400" dirty="0">
-                <a:solidFill>
-                  <a:srgbClr val="00BF00"/>
-                </a:solidFill>
-                <a:latin typeface="Lucida Console" panose="020B0609040504020204" pitchFamily="49" charset="0"/>
-              </a:rPr>
-              <a:t>PC@DESKTOP-482NOAB </a:t>
-            </a:r>
-            <a:r>
-              <a:rPr lang="en-US" altLang="ko-KR" sz="1400" dirty="0">
-                <a:solidFill>
-                  <a:srgbClr val="BF00BF"/>
-                </a:solidFill>
-                <a:latin typeface="Lucida Console" panose="020B0609040504020204" pitchFamily="49" charset="0"/>
-              </a:rPr>
-              <a:t>MINGW64 </a:t>
-            </a:r>
-            <a:r>
-              <a:rPr lang="en-US" altLang="ko-KR" sz="1400" dirty="0">
-                <a:solidFill>
-                  <a:srgbClr val="BFBF00"/>
-                </a:solidFill>
-                <a:latin typeface="Lucida Console" panose="020B0609040504020204" pitchFamily="49" charset="0"/>
-              </a:rPr>
-              <a:t>/c/[git tutorial]/git-clone</a:t>
-            </a:r>
-            <a:r>
-              <a:rPr lang="en-US" altLang="ko-KR" sz="1400" dirty="0">
-                <a:solidFill>
-                  <a:srgbClr val="00BFBF"/>
-                </a:solidFill>
-                <a:latin typeface="Lucida Console" panose="020B0609040504020204" pitchFamily="49" charset="0"/>
-              </a:rPr>
-              <a:t> (main)</a:t>
-            </a:r>
-          </a:p>
-          <a:p>
-            <a:r>
-              <a:rPr lang="en-US" altLang="ko-KR" sz="1400" dirty="0">
-                <a:solidFill>
-                  <a:prstClr val="black"/>
-                </a:solidFill>
-                <a:latin typeface="Lucida Console" panose="020B0609040504020204" pitchFamily="49" charset="0"/>
-              </a:rPr>
-              <a:t>$ ls -al</a:t>
-            </a:r>
-          </a:p>
-          <a:p>
-            <a:r>
-              <a:rPr lang="en-US" altLang="ko-KR" sz="1400" dirty="0">
-                <a:solidFill>
-                  <a:prstClr val="black"/>
-                </a:solidFill>
-                <a:latin typeface="Lucida Console" panose="020B0609040504020204" pitchFamily="49" charset="0"/>
-              </a:rPr>
-              <a:t>total 6</a:t>
-            </a:r>
-          </a:p>
-          <a:p>
-            <a:r>
-              <a:rPr lang="en-US" altLang="ko-KR" sz="1400" dirty="0" err="1">
-                <a:solidFill>
-                  <a:prstClr val="black"/>
-                </a:solidFill>
-                <a:latin typeface="Lucida Console" panose="020B0609040504020204" pitchFamily="49" charset="0"/>
-              </a:rPr>
-              <a:t>drwxr</a:t>
-            </a:r>
-            <a:r>
-              <a:rPr lang="en-US" altLang="ko-KR" sz="1400" dirty="0">
-                <a:solidFill>
-                  <a:prstClr val="black"/>
-                </a:solidFill>
-                <a:latin typeface="Lucida Console" panose="020B0609040504020204" pitchFamily="49" charset="0"/>
-              </a:rPr>
-              <a:t>-</a:t>
-            </a:r>
-            <a:r>
-              <a:rPr lang="en-US" altLang="ko-KR" sz="1400" dirty="0" err="1">
-                <a:solidFill>
-                  <a:prstClr val="black"/>
-                </a:solidFill>
-                <a:latin typeface="Lucida Console" panose="020B0609040504020204" pitchFamily="49" charset="0"/>
-              </a:rPr>
-              <a:t>xr</a:t>
-            </a:r>
-            <a:r>
-              <a:rPr lang="en-US" altLang="ko-KR" sz="1400" dirty="0">
-                <a:solidFill>
-                  <a:prstClr val="black"/>
-                </a:solidFill>
-                <a:latin typeface="Lucida Console" panose="020B0609040504020204" pitchFamily="49" charset="0"/>
-              </a:rPr>
-              <a:t>-x 1 PC 197121   0 May 22 13:29 </a:t>
-            </a:r>
-            <a:r>
-              <a:rPr lang="en-US" altLang="ko-KR" sz="1400" dirty="0">
-                <a:solidFill>
-                  <a:srgbClr val="6060FF"/>
-                </a:solidFill>
-                <a:latin typeface="Lucida Console" panose="020B0609040504020204" pitchFamily="49" charset="0"/>
-              </a:rPr>
-              <a:t>.</a:t>
-            </a:r>
-            <a:r>
-              <a:rPr lang="en-US" altLang="ko-KR" sz="1400" dirty="0">
-                <a:solidFill>
-                  <a:prstClr val="black"/>
-                </a:solidFill>
-                <a:latin typeface="Lucida Console" panose="020B0609040504020204" pitchFamily="49" charset="0"/>
-              </a:rPr>
-              <a:t>/</a:t>
-            </a:r>
-          </a:p>
-          <a:p>
-            <a:r>
-              <a:rPr lang="en-US" altLang="ko-KR" sz="1400" dirty="0" err="1">
-                <a:solidFill>
-                  <a:prstClr val="black"/>
-                </a:solidFill>
-                <a:latin typeface="Lucida Console" panose="020B0609040504020204" pitchFamily="49" charset="0"/>
-              </a:rPr>
-              <a:t>drwxr</a:t>
-            </a:r>
-            <a:r>
-              <a:rPr lang="en-US" altLang="ko-KR" sz="1400" dirty="0">
-                <a:solidFill>
-                  <a:prstClr val="black"/>
-                </a:solidFill>
-                <a:latin typeface="Lucida Console" panose="020B0609040504020204" pitchFamily="49" charset="0"/>
-              </a:rPr>
-              <a:t>-</a:t>
-            </a:r>
-            <a:r>
-              <a:rPr lang="en-US" altLang="ko-KR" sz="1400" dirty="0" err="1">
-                <a:solidFill>
-                  <a:prstClr val="black"/>
-                </a:solidFill>
-                <a:latin typeface="Lucida Console" panose="020B0609040504020204" pitchFamily="49" charset="0"/>
-              </a:rPr>
-              <a:t>xr</a:t>
-            </a:r>
-            <a:r>
-              <a:rPr lang="en-US" altLang="ko-KR" sz="1400" dirty="0">
-                <a:solidFill>
-                  <a:prstClr val="black"/>
-                </a:solidFill>
-                <a:latin typeface="Lucida Console" panose="020B0609040504020204" pitchFamily="49" charset="0"/>
-              </a:rPr>
-              <a:t>-x 1 PC 197121   0 May 22 11:38 </a:t>
-            </a:r>
-            <a:r>
-              <a:rPr lang="en-US" altLang="ko-KR" sz="1400" dirty="0">
-                <a:solidFill>
-                  <a:srgbClr val="6060FF"/>
-                </a:solidFill>
-                <a:latin typeface="Lucida Console" panose="020B0609040504020204" pitchFamily="49" charset="0"/>
-              </a:rPr>
-              <a:t>..</a:t>
-            </a:r>
-            <a:r>
-              <a:rPr lang="en-US" altLang="ko-KR" sz="1400" dirty="0">
-                <a:solidFill>
-                  <a:prstClr val="black"/>
-                </a:solidFill>
-                <a:latin typeface="Lucida Console" panose="020B0609040504020204" pitchFamily="49" charset="0"/>
-              </a:rPr>
-              <a:t>/</a:t>
-            </a:r>
-          </a:p>
-          <a:p>
-            <a:r>
-              <a:rPr lang="en-US" altLang="ko-KR" sz="1400" dirty="0" err="1">
-                <a:solidFill>
-                  <a:prstClr val="black"/>
-                </a:solidFill>
-                <a:latin typeface="Lucida Console" panose="020B0609040504020204" pitchFamily="49" charset="0"/>
-              </a:rPr>
-              <a:t>drwxr</a:t>
-            </a:r>
-            <a:r>
-              <a:rPr lang="en-US" altLang="ko-KR" sz="1400" dirty="0">
-                <a:solidFill>
-                  <a:prstClr val="black"/>
-                </a:solidFill>
-                <a:latin typeface="Lucida Console" panose="020B0609040504020204" pitchFamily="49" charset="0"/>
-              </a:rPr>
-              <a:t>-</a:t>
-            </a:r>
-            <a:r>
-              <a:rPr lang="en-US" altLang="ko-KR" sz="1400" dirty="0" err="1">
-                <a:solidFill>
-                  <a:prstClr val="black"/>
-                </a:solidFill>
-                <a:latin typeface="Lucida Console" panose="020B0609040504020204" pitchFamily="49" charset="0"/>
-              </a:rPr>
-              <a:t>xr</a:t>
-            </a:r>
-            <a:r>
-              <a:rPr lang="en-US" altLang="ko-KR" sz="1400" dirty="0">
-                <a:solidFill>
-                  <a:prstClr val="black"/>
-                </a:solidFill>
-                <a:latin typeface="Lucida Console" panose="020B0609040504020204" pitchFamily="49" charset="0"/>
-              </a:rPr>
-              <a:t>-x 1 PC 197121   0 May 22 13:06 </a:t>
-            </a:r>
-            <a:r>
-              <a:rPr lang="en-US" altLang="ko-KR" sz="1400" dirty="0">
-                <a:solidFill>
-                  <a:srgbClr val="6060FF"/>
-                </a:solidFill>
-                <a:latin typeface="Lucida Console" panose="020B0609040504020204" pitchFamily="49" charset="0"/>
-              </a:rPr>
-              <a:t>.git</a:t>
-            </a:r>
-            <a:r>
-              <a:rPr lang="en-US" altLang="ko-KR" sz="1400" dirty="0">
-                <a:solidFill>
-                  <a:prstClr val="black"/>
-                </a:solidFill>
-                <a:latin typeface="Lucida Console" panose="020B0609040504020204" pitchFamily="49" charset="0"/>
-              </a:rPr>
-              <a:t>/</a:t>
-            </a:r>
-          </a:p>
-          <a:p>
-            <a:r>
-              <a:rPr lang="en-US" altLang="ko-KR" sz="1400" dirty="0">
-                <a:solidFill>
-                  <a:prstClr val="black"/>
-                </a:solidFill>
-                <a:latin typeface="Lucida Console" panose="020B0609040504020204" pitchFamily="49" charset="0"/>
-              </a:rPr>
-              <a:t>-</a:t>
-            </a:r>
-            <a:r>
-              <a:rPr lang="en-US" altLang="ko-KR" sz="1400" dirty="0" err="1">
-                <a:solidFill>
-                  <a:prstClr val="black"/>
-                </a:solidFill>
-                <a:latin typeface="Lucida Console" panose="020B0609040504020204" pitchFamily="49" charset="0"/>
-              </a:rPr>
-              <a:t>rw</a:t>
-            </a:r>
-            <a:r>
-              <a:rPr lang="en-US" altLang="ko-KR" sz="1400" dirty="0">
-                <a:solidFill>
-                  <a:prstClr val="black"/>
-                </a:solidFill>
-                <a:latin typeface="Lucida Console" panose="020B0609040504020204" pitchFamily="49" charset="0"/>
-              </a:rPr>
-              <a:t>-r--r-- 1 PC 197121 165 May 22 13:06 README.md</a:t>
-            </a:r>
-          </a:p>
-          <a:p>
-            <a:r>
-              <a:rPr lang="en-US" altLang="ko-KR" sz="1400" dirty="0">
-                <a:solidFill>
-                  <a:prstClr val="black"/>
-                </a:solidFill>
-                <a:latin typeface="Lucida Console" panose="020B0609040504020204" pitchFamily="49" charset="0"/>
-              </a:rPr>
-              <a:t>-</a:t>
-            </a:r>
-            <a:r>
-              <a:rPr lang="en-US" altLang="ko-KR" sz="1400" dirty="0" err="1">
-                <a:solidFill>
-                  <a:prstClr val="black"/>
-                </a:solidFill>
-                <a:latin typeface="Lucida Console" panose="020B0609040504020204" pitchFamily="49" charset="0"/>
-              </a:rPr>
-              <a:t>rw</a:t>
-            </a:r>
-            <a:r>
-              <a:rPr lang="en-US" altLang="ko-KR" sz="1400" dirty="0">
-                <a:solidFill>
-                  <a:prstClr val="black"/>
-                </a:solidFill>
-                <a:latin typeface="Lucida Console" panose="020B0609040504020204" pitchFamily="49" charset="0"/>
-              </a:rPr>
-              <a:t>-r--r-- 1 PC 197121  24 May 22 13:29 hello.py</a:t>
-            </a:r>
-          </a:p>
-          <a:p>
-            <a:endParaRPr lang="ko-KR" altLang="en-US" sz="1400" dirty="0">
-              <a:solidFill>
-                <a:prstClr val="black"/>
-              </a:solidFill>
-              <a:latin typeface="Lucida Console" panose="020B0609040504020204" pitchFamily="49" charset="0"/>
-            </a:endParaRPr>
-          </a:p>
-          <a:p>
-            <a:r>
-              <a:rPr lang="en-US" altLang="ko-KR" sz="1400" dirty="0">
-                <a:solidFill>
-                  <a:srgbClr val="00BF00"/>
-                </a:solidFill>
-                <a:latin typeface="Lucida Console" panose="020B0609040504020204" pitchFamily="49" charset="0"/>
-              </a:rPr>
-              <a:t>PC@DESKTOP-482NOAB </a:t>
-            </a:r>
-            <a:r>
-              <a:rPr lang="en-US" altLang="ko-KR" sz="1400" dirty="0">
-                <a:solidFill>
-                  <a:srgbClr val="BF00BF"/>
-                </a:solidFill>
-                <a:latin typeface="Lucida Console" panose="020B0609040504020204" pitchFamily="49" charset="0"/>
-              </a:rPr>
-              <a:t>MINGW64 </a:t>
-            </a:r>
-            <a:r>
-              <a:rPr lang="en-US" altLang="ko-KR" sz="1400" dirty="0">
-                <a:solidFill>
-                  <a:srgbClr val="BFBF00"/>
-                </a:solidFill>
-                <a:latin typeface="Lucida Console" panose="020B0609040504020204" pitchFamily="49" charset="0"/>
-              </a:rPr>
-              <a:t>/c/[git tutorial]/git-clone</a:t>
-            </a:r>
-            <a:r>
-              <a:rPr lang="en-US" altLang="ko-KR" sz="1400" dirty="0">
-                <a:solidFill>
-                  <a:srgbClr val="00BFBF"/>
-                </a:solidFill>
-                <a:latin typeface="Lucida Console" panose="020B0609040504020204" pitchFamily="49" charset="0"/>
-              </a:rPr>
-              <a:t> (main)</a:t>
-            </a:r>
-          </a:p>
-          <a:p>
-            <a:r>
-              <a:rPr lang="en-US" altLang="ko-KR" sz="1400" dirty="0">
-                <a:solidFill>
-                  <a:prstClr val="black"/>
-                </a:solidFill>
-                <a:latin typeface="Lucida Console" panose="020B0609040504020204" pitchFamily="49" charset="0"/>
-              </a:rPr>
-              <a:t>$ git status</a:t>
-            </a:r>
-          </a:p>
-          <a:p>
-            <a:r>
-              <a:rPr lang="en-US" altLang="ko-KR" sz="1400" dirty="0">
-                <a:solidFill>
-                  <a:prstClr val="black"/>
-                </a:solidFill>
-                <a:latin typeface="Lucida Console" panose="020B0609040504020204" pitchFamily="49" charset="0"/>
-              </a:rPr>
-              <a:t>On branch main</a:t>
-            </a:r>
-          </a:p>
-          <a:p>
-            <a:r>
-              <a:rPr lang="en-US" altLang="ko-KR" sz="1400" dirty="0">
-                <a:solidFill>
-                  <a:prstClr val="black"/>
-                </a:solidFill>
-                <a:latin typeface="Lucida Console" panose="020B0609040504020204" pitchFamily="49" charset="0"/>
-              </a:rPr>
-              <a:t>Your branch is up to date with 'origin/main'.</a:t>
-            </a:r>
-          </a:p>
-          <a:p>
-            <a:endParaRPr lang="ko-KR" altLang="en-US" sz="1400" dirty="0">
-              <a:solidFill>
-                <a:prstClr val="black"/>
-              </a:solidFill>
-              <a:latin typeface="Lucida Console" panose="020B0609040504020204" pitchFamily="49" charset="0"/>
-            </a:endParaRPr>
-          </a:p>
-          <a:p>
-            <a:r>
-              <a:rPr lang="en-US" altLang="ko-KR" sz="1400" dirty="0">
-                <a:solidFill>
-                  <a:prstClr val="black"/>
-                </a:solidFill>
-                <a:latin typeface="Lucida Console" panose="020B0609040504020204" pitchFamily="49" charset="0"/>
-              </a:rPr>
-              <a:t>Untracked files:</a:t>
-            </a:r>
-          </a:p>
-          <a:p>
-            <a:r>
-              <a:rPr lang="en-US" altLang="ko-KR" sz="1400" dirty="0">
-                <a:solidFill>
-                  <a:prstClr val="black"/>
-                </a:solidFill>
-                <a:latin typeface="Lucida Console" panose="020B0609040504020204" pitchFamily="49" charset="0"/>
-              </a:rPr>
-              <a:t>  (use "git add &lt;file&gt;..." to include in what will be committed)</a:t>
-            </a:r>
-          </a:p>
-          <a:p>
-            <a:r>
-              <a:rPr lang="en-US" altLang="ko-KR" sz="1400" dirty="0">
-                <a:solidFill>
-                  <a:prstClr val="black"/>
-                </a:solidFill>
-                <a:latin typeface="Lucida Console" panose="020B0609040504020204" pitchFamily="49" charset="0"/>
-              </a:rPr>
-              <a:t>        </a:t>
-            </a:r>
-            <a:r>
-              <a:rPr lang="en-US" altLang="ko-KR" sz="1400" dirty="0">
-                <a:solidFill>
-                  <a:srgbClr val="BF0000"/>
-                </a:solidFill>
-                <a:latin typeface="Lucida Console" panose="020B0609040504020204" pitchFamily="49" charset="0"/>
-              </a:rPr>
-              <a:t>hello.py</a:t>
-            </a:r>
-          </a:p>
-          <a:p>
-            <a:endParaRPr lang="ko-KR" altLang="en-US" sz="1400" dirty="0">
-              <a:solidFill>
-                <a:srgbClr val="BF0000"/>
-              </a:solidFill>
-              <a:latin typeface="Lucida Console" panose="020B0609040504020204" pitchFamily="49" charset="0"/>
-            </a:endParaRPr>
-          </a:p>
-          <a:p>
-            <a:r>
-              <a:rPr lang="en-US" altLang="ko-KR" sz="1400" dirty="0">
-                <a:solidFill>
-                  <a:prstClr val="black"/>
-                </a:solidFill>
-                <a:latin typeface="Lucida Console" panose="020B0609040504020204" pitchFamily="49" charset="0"/>
-              </a:rPr>
-              <a:t>nothing added to commit but untracked files present (use "git add" to track)</a:t>
-            </a:r>
-          </a:p>
-          <a:p>
-            <a:endParaRPr lang="ko-KR" altLang="en-US" sz="1400" dirty="0">
-              <a:solidFill>
-                <a:prstClr val="black"/>
-              </a:solidFill>
-              <a:latin typeface="Lucida Console" panose="020B0609040504020204" pitchFamily="49" charset="0"/>
-            </a:endParaRPr>
-          </a:p>
-          <a:p>
-            <a:r>
-              <a:rPr lang="en-US" altLang="ko-KR" sz="1400" dirty="0">
-                <a:solidFill>
-                  <a:srgbClr val="00BF00"/>
-                </a:solidFill>
-                <a:latin typeface="Lucida Console" panose="020B0609040504020204" pitchFamily="49" charset="0"/>
-              </a:rPr>
-              <a:t>PC@DESKTOP-482NOAB </a:t>
-            </a:r>
-            <a:r>
-              <a:rPr lang="en-US" altLang="ko-KR" sz="1400" dirty="0">
-                <a:solidFill>
-                  <a:srgbClr val="BF00BF"/>
-                </a:solidFill>
-                <a:latin typeface="Lucida Console" panose="020B0609040504020204" pitchFamily="49" charset="0"/>
-              </a:rPr>
-              <a:t>MINGW64 </a:t>
-            </a:r>
-            <a:r>
-              <a:rPr lang="en-US" altLang="ko-KR" sz="1400" dirty="0">
-                <a:solidFill>
-                  <a:srgbClr val="BFBF00"/>
-                </a:solidFill>
-                <a:latin typeface="Lucida Console" panose="020B0609040504020204" pitchFamily="49" charset="0"/>
-              </a:rPr>
-              <a:t>/c/[git tutorial]/git-clone</a:t>
-            </a:r>
-            <a:r>
-              <a:rPr lang="en-US" altLang="ko-KR" sz="1400" dirty="0">
-                <a:solidFill>
-                  <a:srgbClr val="00BFBF"/>
-                </a:solidFill>
-                <a:latin typeface="Lucida Console" panose="020B0609040504020204" pitchFamily="49" charset="0"/>
-              </a:rPr>
-              <a:t> (main)</a:t>
-            </a:r>
-          </a:p>
-          <a:p>
-            <a:r>
-              <a:rPr lang="en-US" altLang="ko-KR" sz="1400" dirty="0">
-                <a:solidFill>
-                  <a:prstClr val="black"/>
-                </a:solidFill>
-                <a:latin typeface="Lucida Console" panose="020B0609040504020204" pitchFamily="49" charset="0"/>
-              </a:rPr>
-              <a:t>$</a:t>
-            </a:r>
-          </a:p>
-        </p:txBody>
-      </p:sp>
-    </p:spTree>
-    <p:extLst>
-      <p:ext uri="{BB962C8B-B14F-4D97-AF65-F5344CB8AC3E}">
-        <p14:creationId xmlns:p14="http://schemas.microsoft.com/office/powerpoint/2010/main" val="2576728242"/>
-      </p:ext>
-    </p:extLst>
-  </p:cSld>
-  <p:clrMapOvr>
-    <a:masterClrMapping/>
-  </p:clrMapOvr>
-</p:sld>
-</file>
-
-<file path=ppt/slides/slide33.xml><?xml version="1.0" encoding="utf-8"?>
-<p:sld xmlns:a="http://schemas.openxmlformats.org/drawingml/2006/main" xmlns:r="http://schemas.openxmlformats.org/officeDocument/2006/relationships" xmlns:p="http://schemas.openxmlformats.org/presentationml/2006/main">
-  <p:cSld>
-    <p:spTree>
-      <p:nvGrpSpPr>
-        <p:cNvPr id="1" name=""/>
-        <p:cNvGrpSpPr/>
-        <p:nvPr/>
-      </p:nvGrpSpPr>
-      <p:grpSpPr>
-        <a:xfrm>
-          <a:off x="0" y="0"/>
-          <a:ext cx="0" cy="0"/>
-          <a:chOff x="0" y="0"/>
-          <a:chExt cx="0" cy="0"/>
-        </a:xfrm>
-      </p:grpSpPr>
-      <p:sp>
-        <p:nvSpPr>
-          <p:cNvPr id="2" name="제목 1">
-            <a:extLst>
-              <a:ext uri="{FF2B5EF4-FFF2-40B4-BE49-F238E27FC236}">
-                <a16:creationId xmlns:a16="http://schemas.microsoft.com/office/drawing/2014/main" id="{0ED665D2-43B7-4F32-86EA-7D6102168E73}"/>
-              </a:ext>
-            </a:extLst>
-          </p:cNvPr>
-          <p:cNvSpPr>
-            <a:spLocks noGrp="1"/>
-          </p:cNvSpPr>
-          <p:nvPr>
-            <p:ph type="ctrTitle"/>
-          </p:nvPr>
-        </p:nvSpPr>
-        <p:spPr/>
-        <p:txBody>
-          <a:bodyPr/>
-          <a:lstStyle/>
-          <a:p>
-            <a:r>
-              <a:rPr lang="en-US" altLang="ko-KR" dirty="0"/>
-              <a:t>Tracked</a:t>
-            </a:r>
-            <a:r>
-              <a:rPr lang="ko-KR" altLang="en-US" dirty="0"/>
-              <a:t> 파일로 이동</a:t>
-            </a:r>
-          </a:p>
-        </p:txBody>
-      </p:sp>
-      <p:sp>
-        <p:nvSpPr>
-          <p:cNvPr id="3" name="내용 개체 틀 2">
-            <a:extLst>
-              <a:ext uri="{FF2B5EF4-FFF2-40B4-BE49-F238E27FC236}">
-                <a16:creationId xmlns:a16="http://schemas.microsoft.com/office/drawing/2014/main" id="{BC9C482C-E87F-4366-A09F-7305C397AE02}"/>
-              </a:ext>
-            </a:extLst>
-          </p:cNvPr>
-          <p:cNvSpPr>
-            <a:spLocks noGrp="1"/>
-          </p:cNvSpPr>
-          <p:nvPr>
-            <p:ph idx="1"/>
-          </p:nvPr>
-        </p:nvSpPr>
-        <p:spPr/>
-        <p:txBody>
-          <a:bodyPr/>
-          <a:lstStyle/>
-          <a:p>
-            <a:r>
-              <a:rPr lang="ko-KR" altLang="en-US" dirty="0"/>
-              <a:t>작업 디렉토리에서 </a:t>
-            </a:r>
-            <a:r>
-              <a:rPr lang="ko-KR" altLang="en-US" dirty="0" err="1"/>
-              <a:t>스테이징</a:t>
-            </a:r>
-            <a:r>
-              <a:rPr lang="ko-KR" altLang="en-US" dirty="0"/>
-              <a:t> 영역으로</a:t>
-            </a:r>
-            <a:endParaRPr lang="en-US" altLang="ko-KR" dirty="0"/>
-          </a:p>
-          <a:p>
-            <a:endParaRPr lang="en-US" altLang="ko-KR" dirty="0"/>
-          </a:p>
-          <a:p>
-            <a:r>
-              <a:rPr lang="en-US" altLang="ko-KR" dirty="0"/>
-              <a:t>$ git add hello.py </a:t>
-            </a:r>
-            <a:endParaRPr lang="ko-KR" altLang="en-US" dirty="0"/>
-          </a:p>
-          <a:p>
-            <a:endParaRPr lang="en-US" altLang="ko-KR" dirty="0"/>
-          </a:p>
-          <a:p>
-            <a:r>
-              <a:rPr lang="en-US" altLang="ko-KR" dirty="0"/>
-              <a:t>$ git status</a:t>
-            </a:r>
-            <a:endParaRPr lang="ko-KR" altLang="en-US" dirty="0"/>
-          </a:p>
-          <a:p>
-            <a:endParaRPr lang="en-US" altLang="ko-KR" dirty="0"/>
-          </a:p>
-          <a:p>
-            <a:pPr marL="0" indent="0">
-              <a:buNone/>
-            </a:pPr>
-            <a:endParaRPr lang="ko-KR" altLang="en-US" dirty="0"/>
-          </a:p>
-          <a:p>
-            <a:endParaRPr lang="ko-KR" altLang="en-US" dirty="0"/>
-          </a:p>
-        </p:txBody>
-      </p:sp>
-      <p:sp>
-        <p:nvSpPr>
-          <p:cNvPr id="4" name="직사각형 3">
-            <a:extLst>
-              <a:ext uri="{FF2B5EF4-FFF2-40B4-BE49-F238E27FC236}">
-                <a16:creationId xmlns:a16="http://schemas.microsoft.com/office/drawing/2014/main" id="{7A419F2B-2453-416D-80DC-5203A3494E70}"/>
-              </a:ext>
-            </a:extLst>
-          </p:cNvPr>
-          <p:cNvSpPr/>
-          <p:nvPr/>
-        </p:nvSpPr>
-        <p:spPr>
-          <a:xfrm>
-            <a:off x="1314252" y="2916535"/>
-            <a:ext cx="8352928" cy="3970318"/>
-          </a:xfrm>
-          <a:prstGeom prst="rect">
-            <a:avLst/>
-          </a:prstGeom>
-        </p:spPr>
-        <p:txBody>
-          <a:bodyPr wrap="square">
-            <a:spAutoFit/>
-          </a:bodyPr>
-          <a:lstStyle/>
-          <a:p>
-            <a:endParaRPr lang="ko-KR" altLang="en-US" sz="1400" dirty="0">
-              <a:latin typeface="Lucida Console" panose="020B0609040504020204" pitchFamily="49" charset="0"/>
-            </a:endParaRPr>
-          </a:p>
-          <a:p>
-            <a:r>
-              <a:rPr lang="en-US" altLang="ko-KR" sz="1400" dirty="0">
-                <a:solidFill>
-                  <a:srgbClr val="00BF00"/>
-                </a:solidFill>
-                <a:latin typeface="Lucida Console" panose="020B0609040504020204" pitchFamily="49" charset="0"/>
-              </a:rPr>
-              <a:t>PC@DESKTOP-482NOAB </a:t>
-            </a:r>
-            <a:r>
-              <a:rPr lang="en-US" altLang="ko-KR" sz="1400" dirty="0">
-                <a:solidFill>
-                  <a:srgbClr val="BF00BF"/>
-                </a:solidFill>
-                <a:latin typeface="Lucida Console" panose="020B0609040504020204" pitchFamily="49" charset="0"/>
-              </a:rPr>
-              <a:t>MINGW64 </a:t>
-            </a:r>
-            <a:r>
-              <a:rPr lang="en-US" altLang="ko-KR" sz="1400" dirty="0">
-                <a:solidFill>
-                  <a:srgbClr val="BFBF00"/>
-                </a:solidFill>
-                <a:latin typeface="Lucida Console" panose="020B0609040504020204" pitchFamily="49" charset="0"/>
-              </a:rPr>
-              <a:t>/c/[git tutorial]/git-clone</a:t>
-            </a:r>
-            <a:r>
-              <a:rPr lang="en-US" altLang="ko-KR" sz="1400" dirty="0">
-                <a:solidFill>
-                  <a:srgbClr val="00BFBF"/>
-                </a:solidFill>
-                <a:latin typeface="Lucida Console" panose="020B0609040504020204" pitchFamily="49" charset="0"/>
-              </a:rPr>
-              <a:t> (main)</a:t>
-            </a:r>
-          </a:p>
-          <a:p>
-            <a:r>
-              <a:rPr lang="en-US" altLang="ko-KR" sz="1400" dirty="0">
-                <a:solidFill>
-                  <a:prstClr val="black"/>
-                </a:solidFill>
-                <a:latin typeface="Lucida Console" panose="020B0609040504020204" pitchFamily="49" charset="0"/>
-              </a:rPr>
-              <a:t>$ git add hello.py</a:t>
-            </a:r>
-          </a:p>
-          <a:p>
-            <a:r>
-              <a:rPr lang="en-US" altLang="ko-KR" sz="1400" dirty="0">
-                <a:solidFill>
-                  <a:prstClr val="black"/>
-                </a:solidFill>
-                <a:latin typeface="Lucida Console" panose="020B0609040504020204" pitchFamily="49" charset="0"/>
-              </a:rPr>
-              <a:t>warning: LF will be replaced by CRLF in hello.py.</a:t>
-            </a:r>
-          </a:p>
-          <a:p>
-            <a:r>
-              <a:rPr lang="en-US" altLang="ko-KR" sz="1400" dirty="0">
-                <a:solidFill>
-                  <a:prstClr val="black"/>
-                </a:solidFill>
-                <a:latin typeface="Lucida Console" panose="020B0609040504020204" pitchFamily="49" charset="0"/>
-              </a:rPr>
-              <a:t>The file will have its original line endings in your working directory</a:t>
-            </a:r>
-          </a:p>
-          <a:p>
-            <a:endParaRPr lang="ko-KR" altLang="en-US" sz="1400" dirty="0">
-              <a:solidFill>
-                <a:prstClr val="black"/>
-              </a:solidFill>
-              <a:latin typeface="Lucida Console" panose="020B0609040504020204" pitchFamily="49" charset="0"/>
-            </a:endParaRPr>
-          </a:p>
-          <a:p>
-            <a:r>
-              <a:rPr lang="en-US" altLang="ko-KR" sz="1400" dirty="0">
-                <a:solidFill>
-                  <a:srgbClr val="00BF00"/>
-                </a:solidFill>
-                <a:latin typeface="Lucida Console" panose="020B0609040504020204" pitchFamily="49" charset="0"/>
-              </a:rPr>
-              <a:t>PC@DESKTOP-482NOAB </a:t>
-            </a:r>
-            <a:r>
-              <a:rPr lang="en-US" altLang="ko-KR" sz="1400" dirty="0">
-                <a:solidFill>
-                  <a:srgbClr val="BF00BF"/>
-                </a:solidFill>
-                <a:latin typeface="Lucida Console" panose="020B0609040504020204" pitchFamily="49" charset="0"/>
-              </a:rPr>
-              <a:t>MINGW64 </a:t>
-            </a:r>
-            <a:r>
-              <a:rPr lang="en-US" altLang="ko-KR" sz="1400" dirty="0">
-                <a:solidFill>
-                  <a:srgbClr val="BFBF00"/>
-                </a:solidFill>
-                <a:latin typeface="Lucida Console" panose="020B0609040504020204" pitchFamily="49" charset="0"/>
-              </a:rPr>
-              <a:t>/c/[git tutorial]/git-clone</a:t>
-            </a:r>
-            <a:r>
-              <a:rPr lang="en-US" altLang="ko-KR" sz="1400" dirty="0">
-                <a:solidFill>
-                  <a:srgbClr val="00BFBF"/>
-                </a:solidFill>
-                <a:latin typeface="Lucida Console" panose="020B0609040504020204" pitchFamily="49" charset="0"/>
-              </a:rPr>
-              <a:t> (main)</a:t>
-            </a:r>
-          </a:p>
-          <a:p>
-            <a:r>
-              <a:rPr lang="en-US" altLang="ko-KR" sz="1400" dirty="0">
-                <a:solidFill>
-                  <a:prstClr val="black"/>
-                </a:solidFill>
-                <a:latin typeface="Lucida Console" panose="020B0609040504020204" pitchFamily="49" charset="0"/>
-              </a:rPr>
-              <a:t>$ git status</a:t>
-            </a:r>
-          </a:p>
-          <a:p>
-            <a:r>
-              <a:rPr lang="en-US" altLang="ko-KR" sz="1400" dirty="0">
-                <a:solidFill>
-                  <a:prstClr val="black"/>
-                </a:solidFill>
-                <a:latin typeface="Lucida Console" panose="020B0609040504020204" pitchFamily="49" charset="0"/>
-              </a:rPr>
-              <a:t>On branch main</a:t>
-            </a:r>
-          </a:p>
-          <a:p>
-            <a:r>
-              <a:rPr lang="en-US" altLang="ko-KR" sz="1400" dirty="0">
-                <a:solidFill>
-                  <a:prstClr val="black"/>
-                </a:solidFill>
-                <a:latin typeface="Lucida Console" panose="020B0609040504020204" pitchFamily="49" charset="0"/>
-              </a:rPr>
-              <a:t>Your branch is up to date with 'origin/main'.</a:t>
-            </a:r>
-          </a:p>
-          <a:p>
-            <a:endParaRPr lang="ko-KR" altLang="en-US" sz="1400" dirty="0">
-              <a:solidFill>
-                <a:prstClr val="black"/>
-              </a:solidFill>
-              <a:latin typeface="Lucida Console" panose="020B0609040504020204" pitchFamily="49" charset="0"/>
-            </a:endParaRPr>
-          </a:p>
-          <a:p>
-            <a:r>
-              <a:rPr lang="en-US" altLang="ko-KR" sz="1400" dirty="0">
-                <a:solidFill>
-                  <a:prstClr val="black"/>
-                </a:solidFill>
-                <a:latin typeface="Lucida Console" panose="020B0609040504020204" pitchFamily="49" charset="0"/>
-              </a:rPr>
-              <a:t>Changes to be committed:</a:t>
-            </a:r>
-          </a:p>
-          <a:p>
-            <a:r>
-              <a:rPr lang="en-US" altLang="ko-KR" sz="1400" dirty="0">
-                <a:solidFill>
-                  <a:prstClr val="black"/>
-                </a:solidFill>
-                <a:latin typeface="Lucida Console" panose="020B0609040504020204" pitchFamily="49" charset="0"/>
-              </a:rPr>
-              <a:t>  (use "git restore --staged &lt;file&gt;..." to </a:t>
-            </a:r>
-            <a:r>
-              <a:rPr lang="en-US" altLang="ko-KR" sz="1400" dirty="0" err="1">
-                <a:solidFill>
-                  <a:prstClr val="black"/>
-                </a:solidFill>
-                <a:latin typeface="Lucida Console" panose="020B0609040504020204" pitchFamily="49" charset="0"/>
-              </a:rPr>
-              <a:t>unstage</a:t>
-            </a:r>
-            <a:r>
-              <a:rPr lang="en-US" altLang="ko-KR" sz="1400" dirty="0">
-                <a:solidFill>
-                  <a:prstClr val="black"/>
-                </a:solidFill>
-                <a:latin typeface="Lucida Console" panose="020B0609040504020204" pitchFamily="49" charset="0"/>
-              </a:rPr>
-              <a:t>)</a:t>
-            </a:r>
-          </a:p>
-          <a:p>
-            <a:r>
-              <a:rPr lang="en-US" altLang="ko-KR" sz="1400" dirty="0">
-                <a:solidFill>
-                  <a:prstClr val="black"/>
-                </a:solidFill>
-                <a:latin typeface="Lucida Console" panose="020B0609040504020204" pitchFamily="49" charset="0"/>
-              </a:rPr>
-              <a:t>        </a:t>
-            </a:r>
-            <a:r>
-              <a:rPr lang="en-US" altLang="ko-KR" sz="1400" dirty="0">
-                <a:solidFill>
-                  <a:srgbClr val="00BF00"/>
-                </a:solidFill>
-                <a:latin typeface="Lucida Console" panose="020B0609040504020204" pitchFamily="49" charset="0"/>
-              </a:rPr>
-              <a:t>new file:   hello.py</a:t>
-            </a:r>
-          </a:p>
-          <a:p>
-            <a:endParaRPr lang="ko-KR" altLang="en-US" sz="1400" dirty="0">
-              <a:solidFill>
-                <a:srgbClr val="00BF00"/>
-              </a:solidFill>
-              <a:latin typeface="Lucida Console" panose="020B0609040504020204" pitchFamily="49" charset="0"/>
-            </a:endParaRPr>
-          </a:p>
-          <a:p>
-            <a:endParaRPr lang="ko-KR" altLang="en-US" sz="1400" dirty="0">
-              <a:solidFill>
-                <a:srgbClr val="00BF00"/>
-              </a:solidFill>
-              <a:latin typeface="Lucida Console" panose="020B0609040504020204" pitchFamily="49" charset="0"/>
-            </a:endParaRPr>
-          </a:p>
-          <a:p>
-            <a:r>
-              <a:rPr lang="en-US" altLang="ko-KR" sz="1400" dirty="0">
-                <a:solidFill>
-                  <a:srgbClr val="00BF00"/>
-                </a:solidFill>
-                <a:latin typeface="Lucida Console" panose="020B0609040504020204" pitchFamily="49" charset="0"/>
-              </a:rPr>
-              <a:t>PC@DESKTOP-482NOAB </a:t>
-            </a:r>
-            <a:r>
-              <a:rPr lang="en-US" altLang="ko-KR" sz="1400" dirty="0">
-                <a:solidFill>
-                  <a:srgbClr val="BF00BF"/>
-                </a:solidFill>
-                <a:latin typeface="Lucida Console" panose="020B0609040504020204" pitchFamily="49" charset="0"/>
-              </a:rPr>
-              <a:t>MINGW64 </a:t>
-            </a:r>
-            <a:r>
-              <a:rPr lang="en-US" altLang="ko-KR" sz="1400" dirty="0">
-                <a:solidFill>
-                  <a:srgbClr val="BFBF00"/>
-                </a:solidFill>
-                <a:latin typeface="Lucida Console" panose="020B0609040504020204" pitchFamily="49" charset="0"/>
-              </a:rPr>
-              <a:t>/c/[git tutorial]/git-clone</a:t>
-            </a:r>
-            <a:r>
-              <a:rPr lang="en-US" altLang="ko-KR" sz="1400" dirty="0">
-                <a:solidFill>
-                  <a:srgbClr val="00BFBF"/>
-                </a:solidFill>
-                <a:latin typeface="Lucida Console" panose="020B0609040504020204" pitchFamily="49" charset="0"/>
-              </a:rPr>
-              <a:t> (main)</a:t>
-            </a:r>
-          </a:p>
-          <a:p>
-            <a:r>
-              <a:rPr lang="en-US" altLang="ko-KR" sz="1400" dirty="0">
-                <a:solidFill>
-                  <a:prstClr val="black"/>
-                </a:solidFill>
-                <a:latin typeface="Lucida Console" panose="020B0609040504020204" pitchFamily="49" charset="0"/>
-              </a:rPr>
-              <a:t>$</a:t>
-            </a:r>
-          </a:p>
-        </p:txBody>
-      </p:sp>
-    </p:spTree>
-    <p:extLst>
-      <p:ext uri="{BB962C8B-B14F-4D97-AF65-F5344CB8AC3E}">
-        <p14:creationId xmlns:p14="http://schemas.microsoft.com/office/powerpoint/2010/main" val="3512793197"/>
-      </p:ext>
-    </p:extLst>
-  </p:cSld>
-  <p:clrMapOvr>
-    <a:masterClrMapping/>
-  </p:clrMapOvr>
-</p:sld>
-</file>
-
 <file path=ppt/slides/slide34.xml><?xml version="1.0" encoding="utf-8"?>
 <p:sld xmlns:a="http://schemas.openxmlformats.org/drawingml/2006/main" xmlns:r="http://schemas.openxmlformats.org/officeDocument/2006/relationships" xmlns:p="http://schemas.openxmlformats.org/presentationml/2006/main">
   <p:cSld>
@@ -17421,6 +16988,1244 @@
           <a:lstStyle/>
           <a:p>
             <a:r>
+              <a:rPr lang="ko-KR" altLang="en-US" dirty="0"/>
+              <a:t>파일</a:t>
+            </a:r>
+            <a:r>
+              <a:rPr lang="en-US" altLang="ko-KR" dirty="0"/>
+              <a:t> hello.py </a:t>
+            </a:r>
+            <a:r>
+              <a:rPr lang="ko-KR" altLang="en-US" dirty="0"/>
+              <a:t>생성</a:t>
+            </a:r>
+          </a:p>
+        </p:txBody>
+      </p:sp>
+      <p:sp>
+        <p:nvSpPr>
+          <p:cNvPr id="3" name="내용 개체 틀 2">
+            <a:extLst>
+              <a:ext uri="{FF2B5EF4-FFF2-40B4-BE49-F238E27FC236}">
+                <a16:creationId xmlns:a16="http://schemas.microsoft.com/office/drawing/2014/main" id="{BC9C482C-E87F-4366-A09F-7305C397AE02}"/>
+              </a:ext>
+            </a:extLst>
+          </p:cNvPr>
+          <p:cNvSpPr>
+            <a:spLocks noGrp="1"/>
+          </p:cNvSpPr>
+          <p:nvPr>
+            <p:ph idx="1"/>
+          </p:nvPr>
+        </p:nvSpPr>
+        <p:spPr/>
+        <p:txBody>
+          <a:bodyPr/>
+          <a:lstStyle/>
+          <a:p>
+            <a:r>
+              <a:rPr lang="en-US" altLang="ko-KR" dirty="0"/>
+              <a:t>$ echo “print(‘Hello, Python.’)” &gt;&gt; hello.py</a:t>
+            </a:r>
+          </a:p>
+          <a:p>
+            <a:endParaRPr lang="en-US" altLang="ko-KR" dirty="0"/>
+          </a:p>
+          <a:p>
+            <a:r>
+              <a:rPr lang="en-US" altLang="ko-KR" dirty="0"/>
+              <a:t>$ ls –al</a:t>
+            </a:r>
+          </a:p>
+          <a:p>
+            <a:endParaRPr lang="en-US" altLang="ko-KR" dirty="0"/>
+          </a:p>
+          <a:p>
+            <a:r>
+              <a:rPr lang="en-US" altLang="ko-KR" dirty="0"/>
+              <a:t>$ git status </a:t>
+            </a:r>
+          </a:p>
+          <a:p>
+            <a:pPr marL="0" indent="0">
+              <a:buNone/>
+            </a:pPr>
+            <a:endParaRPr lang="ko-KR" altLang="en-US" dirty="0"/>
+          </a:p>
+          <a:p>
+            <a:endParaRPr lang="ko-KR" altLang="en-US" dirty="0"/>
+          </a:p>
+        </p:txBody>
+      </p:sp>
+    </p:spTree>
+    <p:extLst>
+      <p:ext uri="{BB962C8B-B14F-4D97-AF65-F5344CB8AC3E}">
+        <p14:creationId xmlns:p14="http://schemas.microsoft.com/office/powerpoint/2010/main" val="2758705128"/>
+      </p:ext>
+    </p:extLst>
+  </p:cSld>
+  <p:clrMapOvr>
+    <a:masterClrMapping/>
+  </p:clrMapOvr>
+</p:sld>
+</file>
+
+<file path=ppt/slides/slide35.xml><?xml version="1.0" encoding="utf-8"?>
+<p:sld xmlns:a="http://schemas.openxmlformats.org/drawingml/2006/main" xmlns:r="http://schemas.openxmlformats.org/officeDocument/2006/relationships" xmlns:p="http://schemas.openxmlformats.org/presentationml/2006/main">
+  <p:cSld>
+    <p:spTree>
+      <p:nvGrpSpPr>
+        <p:cNvPr id="1" name=""/>
+        <p:cNvGrpSpPr/>
+        <p:nvPr/>
+      </p:nvGrpSpPr>
+      <p:grpSpPr>
+        <a:xfrm>
+          <a:off x="0" y="0"/>
+          <a:ext cx="0" cy="0"/>
+          <a:chOff x="0" y="0"/>
+          <a:chExt cx="0" cy="0"/>
+        </a:xfrm>
+      </p:grpSpPr>
+      <p:sp>
+        <p:nvSpPr>
+          <p:cNvPr id="2" name="제목 1">
+            <a:extLst>
+              <a:ext uri="{FF2B5EF4-FFF2-40B4-BE49-F238E27FC236}">
+                <a16:creationId xmlns:a16="http://schemas.microsoft.com/office/drawing/2014/main" id="{EE177188-2383-499B-9BAE-0F27AD3B72ED}"/>
+              </a:ext>
+            </a:extLst>
+          </p:cNvPr>
+          <p:cNvSpPr>
+            <a:spLocks noGrp="1"/>
+          </p:cNvSpPr>
+          <p:nvPr>
+            <p:ph type="ctrTitle"/>
+          </p:nvPr>
+        </p:nvSpPr>
+        <p:spPr/>
+        <p:txBody>
+          <a:bodyPr/>
+          <a:lstStyle/>
+          <a:p>
+            <a:r>
+              <a:rPr lang="en-US" altLang="ko-KR" dirty="0"/>
+              <a:t>Untracked files:</a:t>
+            </a:r>
+            <a:endParaRPr lang="ko-KR" altLang="en-US" dirty="0"/>
+          </a:p>
+        </p:txBody>
+      </p:sp>
+      <p:sp>
+        <p:nvSpPr>
+          <p:cNvPr id="3" name="내용 개체 틀 2">
+            <a:extLst>
+              <a:ext uri="{FF2B5EF4-FFF2-40B4-BE49-F238E27FC236}">
+                <a16:creationId xmlns:a16="http://schemas.microsoft.com/office/drawing/2014/main" id="{84731DEC-59E7-4A05-B40A-A469A7670B47}"/>
+              </a:ext>
+            </a:extLst>
+          </p:cNvPr>
+          <p:cNvSpPr>
+            <a:spLocks noGrp="1"/>
+          </p:cNvSpPr>
+          <p:nvPr>
+            <p:ph idx="1"/>
+          </p:nvPr>
+        </p:nvSpPr>
+        <p:spPr>
+          <a:xfrm>
+            <a:off x="414152" y="1116335"/>
+            <a:ext cx="9865096" cy="5832648"/>
+          </a:xfrm>
+        </p:spPr>
+        <p:txBody>
+          <a:bodyPr/>
+          <a:lstStyle/>
+          <a:p>
+            <a:endParaRPr lang="ko-KR" altLang="en-US" dirty="0"/>
+          </a:p>
+        </p:txBody>
+      </p:sp>
+      <p:sp>
+        <p:nvSpPr>
+          <p:cNvPr id="4" name="직사각형 3">
+            <a:extLst>
+              <a:ext uri="{FF2B5EF4-FFF2-40B4-BE49-F238E27FC236}">
+                <a16:creationId xmlns:a16="http://schemas.microsoft.com/office/drawing/2014/main" id="{FEAAC1F8-C8AD-4907-B0AC-312D96266C0B}"/>
+              </a:ext>
+            </a:extLst>
+          </p:cNvPr>
+          <p:cNvSpPr/>
+          <p:nvPr/>
+        </p:nvSpPr>
+        <p:spPr>
+          <a:xfrm>
+            <a:off x="1051248" y="1228803"/>
+            <a:ext cx="8640960" cy="5909310"/>
+          </a:xfrm>
+          <a:prstGeom prst="rect">
+            <a:avLst/>
+          </a:prstGeom>
+        </p:spPr>
+        <p:txBody>
+          <a:bodyPr wrap="square">
+            <a:spAutoFit/>
+          </a:bodyPr>
+          <a:lstStyle/>
+          <a:p>
+            <a:endParaRPr lang="ko-KR" altLang="en-US" sz="1400" dirty="0">
+              <a:latin typeface="Lucida Console" panose="020B0609040504020204" pitchFamily="49" charset="0"/>
+            </a:endParaRPr>
+          </a:p>
+          <a:p>
+            <a:r>
+              <a:rPr lang="en-US" altLang="ko-KR" sz="1400" dirty="0">
+                <a:solidFill>
+                  <a:srgbClr val="00BF00"/>
+                </a:solidFill>
+                <a:latin typeface="Lucida Console" panose="020B0609040504020204" pitchFamily="49" charset="0"/>
+              </a:rPr>
+              <a:t>PC@DESKTOP-482NOAB </a:t>
+            </a:r>
+            <a:r>
+              <a:rPr lang="en-US" altLang="ko-KR" sz="1400" dirty="0">
+                <a:solidFill>
+                  <a:srgbClr val="BF00BF"/>
+                </a:solidFill>
+                <a:latin typeface="Lucida Console" panose="020B0609040504020204" pitchFamily="49" charset="0"/>
+              </a:rPr>
+              <a:t>MINGW64 </a:t>
+            </a:r>
+            <a:r>
+              <a:rPr lang="en-US" altLang="ko-KR" sz="1400" dirty="0">
+                <a:solidFill>
+                  <a:srgbClr val="BFBF00"/>
+                </a:solidFill>
+                <a:latin typeface="Lucida Console" panose="020B0609040504020204" pitchFamily="49" charset="0"/>
+              </a:rPr>
+              <a:t>/c/[git tutorial]/git-clone</a:t>
+            </a:r>
+            <a:r>
+              <a:rPr lang="en-US" altLang="ko-KR" sz="1400" dirty="0">
+                <a:solidFill>
+                  <a:srgbClr val="00BFBF"/>
+                </a:solidFill>
+                <a:latin typeface="Lucida Console" panose="020B0609040504020204" pitchFamily="49" charset="0"/>
+              </a:rPr>
+              <a:t> (main)</a:t>
+            </a:r>
+          </a:p>
+          <a:p>
+            <a:r>
+              <a:rPr lang="en-US" altLang="ko-KR" sz="1400" dirty="0">
+                <a:solidFill>
+                  <a:prstClr val="black"/>
+                </a:solidFill>
+                <a:latin typeface="Lucida Console" panose="020B0609040504020204" pitchFamily="49" charset="0"/>
+              </a:rPr>
+              <a:t>$ echo "print('Hello, Python.')" &gt;&gt; hello.py</a:t>
+            </a:r>
+          </a:p>
+          <a:p>
+            <a:endParaRPr lang="ko-KR" altLang="en-US" sz="1400" dirty="0">
+              <a:solidFill>
+                <a:prstClr val="black"/>
+              </a:solidFill>
+              <a:latin typeface="Lucida Console" panose="020B0609040504020204" pitchFamily="49" charset="0"/>
+            </a:endParaRPr>
+          </a:p>
+          <a:p>
+            <a:r>
+              <a:rPr lang="en-US" altLang="ko-KR" sz="1400" dirty="0">
+                <a:solidFill>
+                  <a:srgbClr val="00BF00"/>
+                </a:solidFill>
+                <a:latin typeface="Lucida Console" panose="020B0609040504020204" pitchFamily="49" charset="0"/>
+              </a:rPr>
+              <a:t>PC@DESKTOP-482NOAB </a:t>
+            </a:r>
+            <a:r>
+              <a:rPr lang="en-US" altLang="ko-KR" sz="1400" dirty="0">
+                <a:solidFill>
+                  <a:srgbClr val="BF00BF"/>
+                </a:solidFill>
+                <a:latin typeface="Lucida Console" panose="020B0609040504020204" pitchFamily="49" charset="0"/>
+              </a:rPr>
+              <a:t>MINGW64 </a:t>
+            </a:r>
+            <a:r>
+              <a:rPr lang="en-US" altLang="ko-KR" sz="1400" dirty="0">
+                <a:solidFill>
+                  <a:srgbClr val="BFBF00"/>
+                </a:solidFill>
+                <a:latin typeface="Lucida Console" panose="020B0609040504020204" pitchFamily="49" charset="0"/>
+              </a:rPr>
+              <a:t>/c/[git tutorial]/git-clone</a:t>
+            </a:r>
+            <a:r>
+              <a:rPr lang="en-US" altLang="ko-KR" sz="1400" dirty="0">
+                <a:solidFill>
+                  <a:srgbClr val="00BFBF"/>
+                </a:solidFill>
+                <a:latin typeface="Lucida Console" panose="020B0609040504020204" pitchFamily="49" charset="0"/>
+              </a:rPr>
+              <a:t> (main)</a:t>
+            </a:r>
+          </a:p>
+          <a:p>
+            <a:r>
+              <a:rPr lang="en-US" altLang="ko-KR" sz="1400" dirty="0">
+                <a:solidFill>
+                  <a:prstClr val="black"/>
+                </a:solidFill>
+                <a:latin typeface="Lucida Console" panose="020B0609040504020204" pitchFamily="49" charset="0"/>
+              </a:rPr>
+              <a:t>$ ls -al</a:t>
+            </a:r>
+          </a:p>
+          <a:p>
+            <a:r>
+              <a:rPr lang="en-US" altLang="ko-KR" sz="1400" dirty="0">
+                <a:solidFill>
+                  <a:prstClr val="black"/>
+                </a:solidFill>
+                <a:latin typeface="Lucida Console" panose="020B0609040504020204" pitchFamily="49" charset="0"/>
+              </a:rPr>
+              <a:t>total 6</a:t>
+            </a:r>
+          </a:p>
+          <a:p>
+            <a:r>
+              <a:rPr lang="en-US" altLang="ko-KR" sz="1400" dirty="0" err="1">
+                <a:solidFill>
+                  <a:prstClr val="black"/>
+                </a:solidFill>
+                <a:latin typeface="Lucida Console" panose="020B0609040504020204" pitchFamily="49" charset="0"/>
+              </a:rPr>
+              <a:t>drwxr</a:t>
+            </a:r>
+            <a:r>
+              <a:rPr lang="en-US" altLang="ko-KR" sz="1400" dirty="0">
+                <a:solidFill>
+                  <a:prstClr val="black"/>
+                </a:solidFill>
+                <a:latin typeface="Lucida Console" panose="020B0609040504020204" pitchFamily="49" charset="0"/>
+              </a:rPr>
+              <a:t>-</a:t>
+            </a:r>
+            <a:r>
+              <a:rPr lang="en-US" altLang="ko-KR" sz="1400" dirty="0" err="1">
+                <a:solidFill>
+                  <a:prstClr val="black"/>
+                </a:solidFill>
+                <a:latin typeface="Lucida Console" panose="020B0609040504020204" pitchFamily="49" charset="0"/>
+              </a:rPr>
+              <a:t>xr</a:t>
+            </a:r>
+            <a:r>
+              <a:rPr lang="en-US" altLang="ko-KR" sz="1400" dirty="0">
+                <a:solidFill>
+                  <a:prstClr val="black"/>
+                </a:solidFill>
+                <a:latin typeface="Lucida Console" panose="020B0609040504020204" pitchFamily="49" charset="0"/>
+              </a:rPr>
+              <a:t>-x 1 PC 197121   0 May 22 13:29 </a:t>
+            </a:r>
+            <a:r>
+              <a:rPr lang="en-US" altLang="ko-KR" sz="1400" dirty="0">
+                <a:solidFill>
+                  <a:srgbClr val="6060FF"/>
+                </a:solidFill>
+                <a:latin typeface="Lucida Console" panose="020B0609040504020204" pitchFamily="49" charset="0"/>
+              </a:rPr>
+              <a:t>.</a:t>
+            </a:r>
+            <a:r>
+              <a:rPr lang="en-US" altLang="ko-KR" sz="1400" dirty="0">
+                <a:solidFill>
+                  <a:prstClr val="black"/>
+                </a:solidFill>
+                <a:latin typeface="Lucida Console" panose="020B0609040504020204" pitchFamily="49" charset="0"/>
+              </a:rPr>
+              <a:t>/</a:t>
+            </a:r>
+          </a:p>
+          <a:p>
+            <a:r>
+              <a:rPr lang="en-US" altLang="ko-KR" sz="1400" dirty="0" err="1">
+                <a:solidFill>
+                  <a:prstClr val="black"/>
+                </a:solidFill>
+                <a:latin typeface="Lucida Console" panose="020B0609040504020204" pitchFamily="49" charset="0"/>
+              </a:rPr>
+              <a:t>drwxr</a:t>
+            </a:r>
+            <a:r>
+              <a:rPr lang="en-US" altLang="ko-KR" sz="1400" dirty="0">
+                <a:solidFill>
+                  <a:prstClr val="black"/>
+                </a:solidFill>
+                <a:latin typeface="Lucida Console" panose="020B0609040504020204" pitchFamily="49" charset="0"/>
+              </a:rPr>
+              <a:t>-</a:t>
+            </a:r>
+            <a:r>
+              <a:rPr lang="en-US" altLang="ko-KR" sz="1400" dirty="0" err="1">
+                <a:solidFill>
+                  <a:prstClr val="black"/>
+                </a:solidFill>
+                <a:latin typeface="Lucida Console" panose="020B0609040504020204" pitchFamily="49" charset="0"/>
+              </a:rPr>
+              <a:t>xr</a:t>
+            </a:r>
+            <a:r>
+              <a:rPr lang="en-US" altLang="ko-KR" sz="1400" dirty="0">
+                <a:solidFill>
+                  <a:prstClr val="black"/>
+                </a:solidFill>
+                <a:latin typeface="Lucida Console" panose="020B0609040504020204" pitchFamily="49" charset="0"/>
+              </a:rPr>
+              <a:t>-x 1 PC 197121   0 May 22 11:38 </a:t>
+            </a:r>
+            <a:r>
+              <a:rPr lang="en-US" altLang="ko-KR" sz="1400" dirty="0">
+                <a:solidFill>
+                  <a:srgbClr val="6060FF"/>
+                </a:solidFill>
+                <a:latin typeface="Lucida Console" panose="020B0609040504020204" pitchFamily="49" charset="0"/>
+              </a:rPr>
+              <a:t>..</a:t>
+            </a:r>
+            <a:r>
+              <a:rPr lang="en-US" altLang="ko-KR" sz="1400" dirty="0">
+                <a:solidFill>
+                  <a:prstClr val="black"/>
+                </a:solidFill>
+                <a:latin typeface="Lucida Console" panose="020B0609040504020204" pitchFamily="49" charset="0"/>
+              </a:rPr>
+              <a:t>/</a:t>
+            </a:r>
+          </a:p>
+          <a:p>
+            <a:r>
+              <a:rPr lang="en-US" altLang="ko-KR" sz="1400" dirty="0" err="1">
+                <a:solidFill>
+                  <a:prstClr val="black"/>
+                </a:solidFill>
+                <a:latin typeface="Lucida Console" panose="020B0609040504020204" pitchFamily="49" charset="0"/>
+              </a:rPr>
+              <a:t>drwxr</a:t>
+            </a:r>
+            <a:r>
+              <a:rPr lang="en-US" altLang="ko-KR" sz="1400" dirty="0">
+                <a:solidFill>
+                  <a:prstClr val="black"/>
+                </a:solidFill>
+                <a:latin typeface="Lucida Console" panose="020B0609040504020204" pitchFamily="49" charset="0"/>
+              </a:rPr>
+              <a:t>-</a:t>
+            </a:r>
+            <a:r>
+              <a:rPr lang="en-US" altLang="ko-KR" sz="1400" dirty="0" err="1">
+                <a:solidFill>
+                  <a:prstClr val="black"/>
+                </a:solidFill>
+                <a:latin typeface="Lucida Console" panose="020B0609040504020204" pitchFamily="49" charset="0"/>
+              </a:rPr>
+              <a:t>xr</a:t>
+            </a:r>
+            <a:r>
+              <a:rPr lang="en-US" altLang="ko-KR" sz="1400" dirty="0">
+                <a:solidFill>
+                  <a:prstClr val="black"/>
+                </a:solidFill>
+                <a:latin typeface="Lucida Console" panose="020B0609040504020204" pitchFamily="49" charset="0"/>
+              </a:rPr>
+              <a:t>-x 1 PC 197121   0 May 22 13:06 </a:t>
+            </a:r>
+            <a:r>
+              <a:rPr lang="en-US" altLang="ko-KR" sz="1400" dirty="0">
+                <a:solidFill>
+                  <a:srgbClr val="6060FF"/>
+                </a:solidFill>
+                <a:latin typeface="Lucida Console" panose="020B0609040504020204" pitchFamily="49" charset="0"/>
+              </a:rPr>
+              <a:t>.git</a:t>
+            </a:r>
+            <a:r>
+              <a:rPr lang="en-US" altLang="ko-KR" sz="1400" dirty="0">
+                <a:solidFill>
+                  <a:prstClr val="black"/>
+                </a:solidFill>
+                <a:latin typeface="Lucida Console" panose="020B0609040504020204" pitchFamily="49" charset="0"/>
+              </a:rPr>
+              <a:t>/</a:t>
+            </a:r>
+          </a:p>
+          <a:p>
+            <a:r>
+              <a:rPr lang="en-US" altLang="ko-KR" sz="1400" dirty="0">
+                <a:solidFill>
+                  <a:prstClr val="black"/>
+                </a:solidFill>
+                <a:latin typeface="Lucida Console" panose="020B0609040504020204" pitchFamily="49" charset="0"/>
+              </a:rPr>
+              <a:t>-</a:t>
+            </a:r>
+            <a:r>
+              <a:rPr lang="en-US" altLang="ko-KR" sz="1400" dirty="0" err="1">
+                <a:solidFill>
+                  <a:prstClr val="black"/>
+                </a:solidFill>
+                <a:latin typeface="Lucida Console" panose="020B0609040504020204" pitchFamily="49" charset="0"/>
+              </a:rPr>
+              <a:t>rw</a:t>
+            </a:r>
+            <a:r>
+              <a:rPr lang="en-US" altLang="ko-KR" sz="1400" dirty="0">
+                <a:solidFill>
+                  <a:prstClr val="black"/>
+                </a:solidFill>
+                <a:latin typeface="Lucida Console" panose="020B0609040504020204" pitchFamily="49" charset="0"/>
+              </a:rPr>
+              <a:t>-r--r-- 1 PC 197121 165 May 22 13:06 README.md</a:t>
+            </a:r>
+          </a:p>
+          <a:p>
+            <a:r>
+              <a:rPr lang="en-US" altLang="ko-KR" sz="1400" dirty="0">
+                <a:solidFill>
+                  <a:prstClr val="black"/>
+                </a:solidFill>
+                <a:latin typeface="Lucida Console" panose="020B0609040504020204" pitchFamily="49" charset="0"/>
+              </a:rPr>
+              <a:t>-</a:t>
+            </a:r>
+            <a:r>
+              <a:rPr lang="en-US" altLang="ko-KR" sz="1400" dirty="0" err="1">
+                <a:solidFill>
+                  <a:prstClr val="black"/>
+                </a:solidFill>
+                <a:latin typeface="Lucida Console" panose="020B0609040504020204" pitchFamily="49" charset="0"/>
+              </a:rPr>
+              <a:t>rw</a:t>
+            </a:r>
+            <a:r>
+              <a:rPr lang="en-US" altLang="ko-KR" sz="1400" dirty="0">
+                <a:solidFill>
+                  <a:prstClr val="black"/>
+                </a:solidFill>
+                <a:latin typeface="Lucida Console" panose="020B0609040504020204" pitchFamily="49" charset="0"/>
+              </a:rPr>
+              <a:t>-r--r-- 1 PC 197121  24 May 22 13:29 hello.py</a:t>
+            </a:r>
+          </a:p>
+          <a:p>
+            <a:endParaRPr lang="ko-KR" altLang="en-US" sz="1400" dirty="0">
+              <a:solidFill>
+                <a:prstClr val="black"/>
+              </a:solidFill>
+              <a:latin typeface="Lucida Console" panose="020B0609040504020204" pitchFamily="49" charset="0"/>
+            </a:endParaRPr>
+          </a:p>
+          <a:p>
+            <a:r>
+              <a:rPr lang="en-US" altLang="ko-KR" sz="1400" dirty="0">
+                <a:solidFill>
+                  <a:srgbClr val="00BF00"/>
+                </a:solidFill>
+                <a:latin typeface="Lucida Console" panose="020B0609040504020204" pitchFamily="49" charset="0"/>
+              </a:rPr>
+              <a:t>PC@DESKTOP-482NOAB </a:t>
+            </a:r>
+            <a:r>
+              <a:rPr lang="en-US" altLang="ko-KR" sz="1400" dirty="0">
+                <a:solidFill>
+                  <a:srgbClr val="BF00BF"/>
+                </a:solidFill>
+                <a:latin typeface="Lucida Console" panose="020B0609040504020204" pitchFamily="49" charset="0"/>
+              </a:rPr>
+              <a:t>MINGW64 </a:t>
+            </a:r>
+            <a:r>
+              <a:rPr lang="en-US" altLang="ko-KR" sz="1400" dirty="0">
+                <a:solidFill>
+                  <a:srgbClr val="BFBF00"/>
+                </a:solidFill>
+                <a:latin typeface="Lucida Console" panose="020B0609040504020204" pitchFamily="49" charset="0"/>
+              </a:rPr>
+              <a:t>/c/[git tutorial]/git-clone</a:t>
+            </a:r>
+            <a:r>
+              <a:rPr lang="en-US" altLang="ko-KR" sz="1400" dirty="0">
+                <a:solidFill>
+                  <a:srgbClr val="00BFBF"/>
+                </a:solidFill>
+                <a:latin typeface="Lucida Console" panose="020B0609040504020204" pitchFamily="49" charset="0"/>
+              </a:rPr>
+              <a:t> (main)</a:t>
+            </a:r>
+          </a:p>
+          <a:p>
+            <a:r>
+              <a:rPr lang="en-US" altLang="ko-KR" sz="1400" dirty="0">
+                <a:solidFill>
+                  <a:prstClr val="black"/>
+                </a:solidFill>
+                <a:latin typeface="Lucida Console" panose="020B0609040504020204" pitchFamily="49" charset="0"/>
+              </a:rPr>
+              <a:t>$ git status</a:t>
+            </a:r>
+          </a:p>
+          <a:p>
+            <a:r>
+              <a:rPr lang="en-US" altLang="ko-KR" sz="1400" dirty="0">
+                <a:solidFill>
+                  <a:prstClr val="black"/>
+                </a:solidFill>
+                <a:latin typeface="Lucida Console" panose="020B0609040504020204" pitchFamily="49" charset="0"/>
+              </a:rPr>
+              <a:t>On branch main</a:t>
+            </a:r>
+          </a:p>
+          <a:p>
+            <a:r>
+              <a:rPr lang="en-US" altLang="ko-KR" sz="1400" dirty="0">
+                <a:solidFill>
+                  <a:prstClr val="black"/>
+                </a:solidFill>
+                <a:latin typeface="Lucida Console" panose="020B0609040504020204" pitchFamily="49" charset="0"/>
+              </a:rPr>
+              <a:t>Your branch is up to date with 'origin/main'.</a:t>
+            </a:r>
+          </a:p>
+          <a:p>
+            <a:endParaRPr lang="ko-KR" altLang="en-US" sz="1400" dirty="0">
+              <a:solidFill>
+                <a:prstClr val="black"/>
+              </a:solidFill>
+              <a:latin typeface="Lucida Console" panose="020B0609040504020204" pitchFamily="49" charset="0"/>
+            </a:endParaRPr>
+          </a:p>
+          <a:p>
+            <a:r>
+              <a:rPr lang="en-US" altLang="ko-KR" sz="1400" dirty="0">
+                <a:solidFill>
+                  <a:prstClr val="black"/>
+                </a:solidFill>
+                <a:latin typeface="Lucida Console" panose="020B0609040504020204" pitchFamily="49" charset="0"/>
+              </a:rPr>
+              <a:t>Untracked files:</a:t>
+            </a:r>
+          </a:p>
+          <a:p>
+            <a:r>
+              <a:rPr lang="en-US" altLang="ko-KR" sz="1400" dirty="0">
+                <a:solidFill>
+                  <a:prstClr val="black"/>
+                </a:solidFill>
+                <a:latin typeface="Lucida Console" panose="020B0609040504020204" pitchFamily="49" charset="0"/>
+              </a:rPr>
+              <a:t>  (use "git add &lt;file&gt;..." to include in what will be committed)</a:t>
+            </a:r>
+          </a:p>
+          <a:p>
+            <a:r>
+              <a:rPr lang="en-US" altLang="ko-KR" sz="1400" dirty="0">
+                <a:solidFill>
+                  <a:prstClr val="black"/>
+                </a:solidFill>
+                <a:latin typeface="Lucida Console" panose="020B0609040504020204" pitchFamily="49" charset="0"/>
+              </a:rPr>
+              <a:t>        </a:t>
+            </a:r>
+            <a:r>
+              <a:rPr lang="en-US" altLang="ko-KR" sz="1400" dirty="0">
+                <a:solidFill>
+                  <a:srgbClr val="BF0000"/>
+                </a:solidFill>
+                <a:latin typeface="Lucida Console" panose="020B0609040504020204" pitchFamily="49" charset="0"/>
+              </a:rPr>
+              <a:t>hello.py</a:t>
+            </a:r>
+          </a:p>
+          <a:p>
+            <a:endParaRPr lang="ko-KR" altLang="en-US" sz="1400" dirty="0">
+              <a:solidFill>
+                <a:srgbClr val="BF0000"/>
+              </a:solidFill>
+              <a:latin typeface="Lucida Console" panose="020B0609040504020204" pitchFamily="49" charset="0"/>
+            </a:endParaRPr>
+          </a:p>
+          <a:p>
+            <a:r>
+              <a:rPr lang="en-US" altLang="ko-KR" sz="1400" dirty="0">
+                <a:solidFill>
+                  <a:prstClr val="black"/>
+                </a:solidFill>
+                <a:latin typeface="Lucida Console" panose="020B0609040504020204" pitchFamily="49" charset="0"/>
+              </a:rPr>
+              <a:t>nothing added to commit but untracked files present (use "git add" to track)</a:t>
+            </a:r>
+          </a:p>
+          <a:p>
+            <a:endParaRPr lang="ko-KR" altLang="en-US" sz="1400" dirty="0">
+              <a:solidFill>
+                <a:prstClr val="black"/>
+              </a:solidFill>
+              <a:latin typeface="Lucida Console" panose="020B0609040504020204" pitchFamily="49" charset="0"/>
+            </a:endParaRPr>
+          </a:p>
+          <a:p>
+            <a:r>
+              <a:rPr lang="en-US" altLang="ko-KR" sz="1400" dirty="0">
+                <a:solidFill>
+                  <a:srgbClr val="00BF00"/>
+                </a:solidFill>
+                <a:latin typeface="Lucida Console" panose="020B0609040504020204" pitchFamily="49" charset="0"/>
+              </a:rPr>
+              <a:t>PC@DESKTOP-482NOAB </a:t>
+            </a:r>
+            <a:r>
+              <a:rPr lang="en-US" altLang="ko-KR" sz="1400" dirty="0">
+                <a:solidFill>
+                  <a:srgbClr val="BF00BF"/>
+                </a:solidFill>
+                <a:latin typeface="Lucida Console" panose="020B0609040504020204" pitchFamily="49" charset="0"/>
+              </a:rPr>
+              <a:t>MINGW64 </a:t>
+            </a:r>
+            <a:r>
+              <a:rPr lang="en-US" altLang="ko-KR" sz="1400" dirty="0">
+                <a:solidFill>
+                  <a:srgbClr val="BFBF00"/>
+                </a:solidFill>
+                <a:latin typeface="Lucida Console" panose="020B0609040504020204" pitchFamily="49" charset="0"/>
+              </a:rPr>
+              <a:t>/c/[git tutorial]/git-clone</a:t>
+            </a:r>
+            <a:r>
+              <a:rPr lang="en-US" altLang="ko-KR" sz="1400" dirty="0">
+                <a:solidFill>
+                  <a:srgbClr val="00BFBF"/>
+                </a:solidFill>
+                <a:latin typeface="Lucida Console" panose="020B0609040504020204" pitchFamily="49" charset="0"/>
+              </a:rPr>
+              <a:t> (main)</a:t>
+            </a:r>
+          </a:p>
+          <a:p>
+            <a:r>
+              <a:rPr lang="en-US" altLang="ko-KR" sz="1400" dirty="0">
+                <a:solidFill>
+                  <a:prstClr val="black"/>
+                </a:solidFill>
+                <a:latin typeface="Lucida Console" panose="020B0609040504020204" pitchFamily="49" charset="0"/>
+              </a:rPr>
+              <a:t>$</a:t>
+            </a:r>
+          </a:p>
+        </p:txBody>
+      </p:sp>
+    </p:spTree>
+    <p:extLst>
+      <p:ext uri="{BB962C8B-B14F-4D97-AF65-F5344CB8AC3E}">
+        <p14:creationId xmlns:p14="http://schemas.microsoft.com/office/powerpoint/2010/main" val="2576728242"/>
+      </p:ext>
+    </p:extLst>
+  </p:cSld>
+  <p:clrMapOvr>
+    <a:masterClrMapping/>
+  </p:clrMapOvr>
+</p:sld>
+</file>
+
+<file path=ppt/slides/slide36.xml><?xml version="1.0" encoding="utf-8"?>
+<p:sld xmlns:a="http://schemas.openxmlformats.org/drawingml/2006/main" xmlns:r="http://schemas.openxmlformats.org/officeDocument/2006/relationships" xmlns:p="http://schemas.openxmlformats.org/presentationml/2006/main">
+  <p:cSld>
+    <p:spTree>
+      <p:nvGrpSpPr>
+        <p:cNvPr id="1" name=""/>
+        <p:cNvGrpSpPr/>
+        <p:nvPr/>
+      </p:nvGrpSpPr>
+      <p:grpSpPr>
+        <a:xfrm>
+          <a:off x="0" y="0"/>
+          <a:ext cx="0" cy="0"/>
+          <a:chOff x="0" y="0"/>
+          <a:chExt cx="0" cy="0"/>
+        </a:xfrm>
+      </p:grpSpPr>
+      <p:sp>
+        <p:nvSpPr>
+          <p:cNvPr id="2" name="제목 1">
+            <a:extLst>
+              <a:ext uri="{FF2B5EF4-FFF2-40B4-BE49-F238E27FC236}">
+                <a16:creationId xmlns:a16="http://schemas.microsoft.com/office/drawing/2014/main" id="{0ED665D2-43B7-4F32-86EA-7D6102168E73}"/>
+              </a:ext>
+            </a:extLst>
+          </p:cNvPr>
+          <p:cNvSpPr>
+            <a:spLocks noGrp="1"/>
+          </p:cNvSpPr>
+          <p:nvPr>
+            <p:ph type="ctrTitle"/>
+          </p:nvPr>
+        </p:nvSpPr>
+        <p:spPr/>
+        <p:txBody>
+          <a:bodyPr/>
+          <a:lstStyle/>
+          <a:p>
+            <a:r>
+              <a:rPr lang="en-US" altLang="ko-KR" dirty="0"/>
+              <a:t>Tracked</a:t>
+            </a:r>
+            <a:r>
+              <a:rPr lang="ko-KR" altLang="en-US" dirty="0"/>
+              <a:t> 파일로 이동</a:t>
+            </a:r>
+          </a:p>
+        </p:txBody>
+      </p:sp>
+      <p:sp>
+        <p:nvSpPr>
+          <p:cNvPr id="3" name="내용 개체 틀 2">
+            <a:extLst>
+              <a:ext uri="{FF2B5EF4-FFF2-40B4-BE49-F238E27FC236}">
+                <a16:creationId xmlns:a16="http://schemas.microsoft.com/office/drawing/2014/main" id="{BC9C482C-E87F-4366-A09F-7305C397AE02}"/>
+              </a:ext>
+            </a:extLst>
+          </p:cNvPr>
+          <p:cNvSpPr>
+            <a:spLocks noGrp="1"/>
+          </p:cNvSpPr>
+          <p:nvPr>
+            <p:ph idx="1"/>
+          </p:nvPr>
+        </p:nvSpPr>
+        <p:spPr/>
+        <p:txBody>
+          <a:bodyPr/>
+          <a:lstStyle/>
+          <a:p>
+            <a:r>
+              <a:rPr lang="ko-KR" altLang="en-US" dirty="0"/>
+              <a:t>작업 디렉토리에서 </a:t>
+            </a:r>
+            <a:r>
+              <a:rPr lang="ko-KR" altLang="en-US" dirty="0" err="1"/>
+              <a:t>스테이징</a:t>
+            </a:r>
+            <a:r>
+              <a:rPr lang="ko-KR" altLang="en-US" dirty="0"/>
+              <a:t> 영역으로</a:t>
+            </a:r>
+            <a:endParaRPr lang="en-US" altLang="ko-KR" dirty="0"/>
+          </a:p>
+          <a:p>
+            <a:endParaRPr lang="en-US" altLang="ko-KR" dirty="0"/>
+          </a:p>
+          <a:p>
+            <a:r>
+              <a:rPr lang="en-US" altLang="ko-KR" dirty="0"/>
+              <a:t>$ git add hello.py </a:t>
+            </a:r>
+            <a:endParaRPr lang="ko-KR" altLang="en-US" dirty="0"/>
+          </a:p>
+          <a:p>
+            <a:endParaRPr lang="en-US" altLang="ko-KR" dirty="0"/>
+          </a:p>
+          <a:p>
+            <a:r>
+              <a:rPr lang="en-US" altLang="ko-KR" dirty="0"/>
+              <a:t>$ git status</a:t>
+            </a:r>
+            <a:endParaRPr lang="ko-KR" altLang="en-US" dirty="0"/>
+          </a:p>
+          <a:p>
+            <a:endParaRPr lang="en-US" altLang="ko-KR" dirty="0"/>
+          </a:p>
+          <a:p>
+            <a:pPr marL="0" indent="0">
+              <a:buNone/>
+            </a:pPr>
+            <a:endParaRPr lang="ko-KR" altLang="en-US" dirty="0"/>
+          </a:p>
+          <a:p>
+            <a:endParaRPr lang="ko-KR" altLang="en-US" dirty="0"/>
+          </a:p>
+        </p:txBody>
+      </p:sp>
+      <p:sp>
+        <p:nvSpPr>
+          <p:cNvPr id="4" name="직사각형 3">
+            <a:extLst>
+              <a:ext uri="{FF2B5EF4-FFF2-40B4-BE49-F238E27FC236}">
+                <a16:creationId xmlns:a16="http://schemas.microsoft.com/office/drawing/2014/main" id="{7A419F2B-2453-416D-80DC-5203A3494E70}"/>
+              </a:ext>
+            </a:extLst>
+          </p:cNvPr>
+          <p:cNvSpPr/>
+          <p:nvPr/>
+        </p:nvSpPr>
+        <p:spPr>
+          <a:xfrm>
+            <a:off x="1314252" y="2916535"/>
+            <a:ext cx="8352928" cy="3970318"/>
+          </a:xfrm>
+          <a:prstGeom prst="rect">
+            <a:avLst/>
+          </a:prstGeom>
+        </p:spPr>
+        <p:txBody>
+          <a:bodyPr wrap="square">
+            <a:spAutoFit/>
+          </a:bodyPr>
+          <a:lstStyle/>
+          <a:p>
+            <a:endParaRPr lang="ko-KR" altLang="en-US" sz="1400" dirty="0">
+              <a:latin typeface="Lucida Console" panose="020B0609040504020204" pitchFamily="49" charset="0"/>
+            </a:endParaRPr>
+          </a:p>
+          <a:p>
+            <a:r>
+              <a:rPr lang="en-US" altLang="ko-KR" sz="1400" dirty="0">
+                <a:solidFill>
+                  <a:srgbClr val="00BF00"/>
+                </a:solidFill>
+                <a:latin typeface="Lucida Console" panose="020B0609040504020204" pitchFamily="49" charset="0"/>
+              </a:rPr>
+              <a:t>PC@DESKTOP-482NOAB </a:t>
+            </a:r>
+            <a:r>
+              <a:rPr lang="en-US" altLang="ko-KR" sz="1400" dirty="0">
+                <a:solidFill>
+                  <a:srgbClr val="BF00BF"/>
+                </a:solidFill>
+                <a:latin typeface="Lucida Console" panose="020B0609040504020204" pitchFamily="49" charset="0"/>
+              </a:rPr>
+              <a:t>MINGW64 </a:t>
+            </a:r>
+            <a:r>
+              <a:rPr lang="en-US" altLang="ko-KR" sz="1400" dirty="0">
+                <a:solidFill>
+                  <a:srgbClr val="BFBF00"/>
+                </a:solidFill>
+                <a:latin typeface="Lucida Console" panose="020B0609040504020204" pitchFamily="49" charset="0"/>
+              </a:rPr>
+              <a:t>/c/[git tutorial]/git-clone</a:t>
+            </a:r>
+            <a:r>
+              <a:rPr lang="en-US" altLang="ko-KR" sz="1400" dirty="0">
+                <a:solidFill>
+                  <a:srgbClr val="00BFBF"/>
+                </a:solidFill>
+                <a:latin typeface="Lucida Console" panose="020B0609040504020204" pitchFamily="49" charset="0"/>
+              </a:rPr>
+              <a:t> (main)</a:t>
+            </a:r>
+          </a:p>
+          <a:p>
+            <a:r>
+              <a:rPr lang="en-US" altLang="ko-KR" sz="1400" dirty="0">
+                <a:solidFill>
+                  <a:prstClr val="black"/>
+                </a:solidFill>
+                <a:latin typeface="Lucida Console" panose="020B0609040504020204" pitchFamily="49" charset="0"/>
+              </a:rPr>
+              <a:t>$ git add hello.py</a:t>
+            </a:r>
+          </a:p>
+          <a:p>
+            <a:r>
+              <a:rPr lang="en-US" altLang="ko-KR" sz="1400" dirty="0">
+                <a:solidFill>
+                  <a:prstClr val="black"/>
+                </a:solidFill>
+                <a:latin typeface="Lucida Console" panose="020B0609040504020204" pitchFamily="49" charset="0"/>
+              </a:rPr>
+              <a:t>warning: LF will be replaced by CRLF in hello.py.</a:t>
+            </a:r>
+          </a:p>
+          <a:p>
+            <a:r>
+              <a:rPr lang="en-US" altLang="ko-KR" sz="1400" dirty="0">
+                <a:solidFill>
+                  <a:prstClr val="black"/>
+                </a:solidFill>
+                <a:latin typeface="Lucida Console" panose="020B0609040504020204" pitchFamily="49" charset="0"/>
+              </a:rPr>
+              <a:t>The file will have its original line endings in your working directory</a:t>
+            </a:r>
+          </a:p>
+          <a:p>
+            <a:endParaRPr lang="ko-KR" altLang="en-US" sz="1400" dirty="0">
+              <a:solidFill>
+                <a:prstClr val="black"/>
+              </a:solidFill>
+              <a:latin typeface="Lucida Console" panose="020B0609040504020204" pitchFamily="49" charset="0"/>
+            </a:endParaRPr>
+          </a:p>
+          <a:p>
+            <a:r>
+              <a:rPr lang="en-US" altLang="ko-KR" sz="1400" dirty="0">
+                <a:solidFill>
+                  <a:srgbClr val="00BF00"/>
+                </a:solidFill>
+                <a:latin typeface="Lucida Console" panose="020B0609040504020204" pitchFamily="49" charset="0"/>
+              </a:rPr>
+              <a:t>PC@DESKTOP-482NOAB </a:t>
+            </a:r>
+            <a:r>
+              <a:rPr lang="en-US" altLang="ko-KR" sz="1400" dirty="0">
+                <a:solidFill>
+                  <a:srgbClr val="BF00BF"/>
+                </a:solidFill>
+                <a:latin typeface="Lucida Console" panose="020B0609040504020204" pitchFamily="49" charset="0"/>
+              </a:rPr>
+              <a:t>MINGW64 </a:t>
+            </a:r>
+            <a:r>
+              <a:rPr lang="en-US" altLang="ko-KR" sz="1400" dirty="0">
+                <a:solidFill>
+                  <a:srgbClr val="BFBF00"/>
+                </a:solidFill>
+                <a:latin typeface="Lucida Console" panose="020B0609040504020204" pitchFamily="49" charset="0"/>
+              </a:rPr>
+              <a:t>/c/[git tutorial]/git-clone</a:t>
+            </a:r>
+            <a:r>
+              <a:rPr lang="en-US" altLang="ko-KR" sz="1400" dirty="0">
+                <a:solidFill>
+                  <a:srgbClr val="00BFBF"/>
+                </a:solidFill>
+                <a:latin typeface="Lucida Console" panose="020B0609040504020204" pitchFamily="49" charset="0"/>
+              </a:rPr>
+              <a:t> (main)</a:t>
+            </a:r>
+          </a:p>
+          <a:p>
+            <a:r>
+              <a:rPr lang="en-US" altLang="ko-KR" sz="1400" dirty="0">
+                <a:solidFill>
+                  <a:prstClr val="black"/>
+                </a:solidFill>
+                <a:latin typeface="Lucida Console" panose="020B0609040504020204" pitchFamily="49" charset="0"/>
+              </a:rPr>
+              <a:t>$ git status</a:t>
+            </a:r>
+          </a:p>
+          <a:p>
+            <a:r>
+              <a:rPr lang="en-US" altLang="ko-KR" sz="1400" dirty="0">
+                <a:solidFill>
+                  <a:prstClr val="black"/>
+                </a:solidFill>
+                <a:latin typeface="Lucida Console" panose="020B0609040504020204" pitchFamily="49" charset="0"/>
+              </a:rPr>
+              <a:t>On branch main</a:t>
+            </a:r>
+          </a:p>
+          <a:p>
+            <a:r>
+              <a:rPr lang="en-US" altLang="ko-KR" sz="1400" dirty="0">
+                <a:solidFill>
+                  <a:prstClr val="black"/>
+                </a:solidFill>
+                <a:latin typeface="Lucida Console" panose="020B0609040504020204" pitchFamily="49" charset="0"/>
+              </a:rPr>
+              <a:t>Your branch is up to date with 'origin/main'.</a:t>
+            </a:r>
+          </a:p>
+          <a:p>
+            <a:endParaRPr lang="ko-KR" altLang="en-US" sz="1400" dirty="0">
+              <a:solidFill>
+                <a:prstClr val="black"/>
+              </a:solidFill>
+              <a:latin typeface="Lucida Console" panose="020B0609040504020204" pitchFamily="49" charset="0"/>
+            </a:endParaRPr>
+          </a:p>
+          <a:p>
+            <a:r>
+              <a:rPr lang="en-US" altLang="ko-KR" sz="1400" dirty="0">
+                <a:solidFill>
+                  <a:prstClr val="black"/>
+                </a:solidFill>
+                <a:latin typeface="Lucida Console" panose="020B0609040504020204" pitchFamily="49" charset="0"/>
+              </a:rPr>
+              <a:t>Changes to be committed:</a:t>
+            </a:r>
+          </a:p>
+          <a:p>
+            <a:r>
+              <a:rPr lang="en-US" altLang="ko-KR" sz="1400" dirty="0">
+                <a:solidFill>
+                  <a:prstClr val="black"/>
+                </a:solidFill>
+                <a:latin typeface="Lucida Console" panose="020B0609040504020204" pitchFamily="49" charset="0"/>
+              </a:rPr>
+              <a:t>  (use "git restore --staged &lt;file&gt;..." to </a:t>
+            </a:r>
+            <a:r>
+              <a:rPr lang="en-US" altLang="ko-KR" sz="1400" dirty="0" err="1">
+                <a:solidFill>
+                  <a:prstClr val="black"/>
+                </a:solidFill>
+                <a:latin typeface="Lucida Console" panose="020B0609040504020204" pitchFamily="49" charset="0"/>
+              </a:rPr>
+              <a:t>unstage</a:t>
+            </a:r>
+            <a:r>
+              <a:rPr lang="en-US" altLang="ko-KR" sz="1400" dirty="0">
+                <a:solidFill>
+                  <a:prstClr val="black"/>
+                </a:solidFill>
+                <a:latin typeface="Lucida Console" panose="020B0609040504020204" pitchFamily="49" charset="0"/>
+              </a:rPr>
+              <a:t>)</a:t>
+            </a:r>
+          </a:p>
+          <a:p>
+            <a:r>
+              <a:rPr lang="en-US" altLang="ko-KR" sz="1400" dirty="0">
+                <a:solidFill>
+                  <a:prstClr val="black"/>
+                </a:solidFill>
+                <a:latin typeface="Lucida Console" panose="020B0609040504020204" pitchFamily="49" charset="0"/>
+              </a:rPr>
+              <a:t>        </a:t>
+            </a:r>
+            <a:r>
+              <a:rPr lang="en-US" altLang="ko-KR" sz="1400" dirty="0">
+                <a:solidFill>
+                  <a:srgbClr val="00BF00"/>
+                </a:solidFill>
+                <a:latin typeface="Lucida Console" panose="020B0609040504020204" pitchFamily="49" charset="0"/>
+              </a:rPr>
+              <a:t>new file:   hello.py</a:t>
+            </a:r>
+          </a:p>
+          <a:p>
+            <a:endParaRPr lang="ko-KR" altLang="en-US" sz="1400" dirty="0">
+              <a:solidFill>
+                <a:srgbClr val="00BF00"/>
+              </a:solidFill>
+              <a:latin typeface="Lucida Console" panose="020B0609040504020204" pitchFamily="49" charset="0"/>
+            </a:endParaRPr>
+          </a:p>
+          <a:p>
+            <a:endParaRPr lang="ko-KR" altLang="en-US" sz="1400" dirty="0">
+              <a:solidFill>
+                <a:srgbClr val="00BF00"/>
+              </a:solidFill>
+              <a:latin typeface="Lucida Console" panose="020B0609040504020204" pitchFamily="49" charset="0"/>
+            </a:endParaRPr>
+          </a:p>
+          <a:p>
+            <a:r>
+              <a:rPr lang="en-US" altLang="ko-KR" sz="1400" dirty="0">
+                <a:solidFill>
+                  <a:srgbClr val="00BF00"/>
+                </a:solidFill>
+                <a:latin typeface="Lucida Console" panose="020B0609040504020204" pitchFamily="49" charset="0"/>
+              </a:rPr>
+              <a:t>PC@DESKTOP-482NOAB </a:t>
+            </a:r>
+            <a:r>
+              <a:rPr lang="en-US" altLang="ko-KR" sz="1400" dirty="0">
+                <a:solidFill>
+                  <a:srgbClr val="BF00BF"/>
+                </a:solidFill>
+                <a:latin typeface="Lucida Console" panose="020B0609040504020204" pitchFamily="49" charset="0"/>
+              </a:rPr>
+              <a:t>MINGW64 </a:t>
+            </a:r>
+            <a:r>
+              <a:rPr lang="en-US" altLang="ko-KR" sz="1400" dirty="0">
+                <a:solidFill>
+                  <a:srgbClr val="BFBF00"/>
+                </a:solidFill>
+                <a:latin typeface="Lucida Console" panose="020B0609040504020204" pitchFamily="49" charset="0"/>
+              </a:rPr>
+              <a:t>/c/[git tutorial]/git-clone</a:t>
+            </a:r>
+            <a:r>
+              <a:rPr lang="en-US" altLang="ko-KR" sz="1400" dirty="0">
+                <a:solidFill>
+                  <a:srgbClr val="00BFBF"/>
+                </a:solidFill>
+                <a:latin typeface="Lucida Console" panose="020B0609040504020204" pitchFamily="49" charset="0"/>
+              </a:rPr>
+              <a:t> (main)</a:t>
+            </a:r>
+          </a:p>
+          <a:p>
+            <a:r>
+              <a:rPr lang="en-US" altLang="ko-KR" sz="1400" dirty="0">
+                <a:solidFill>
+                  <a:prstClr val="black"/>
+                </a:solidFill>
+                <a:latin typeface="Lucida Console" panose="020B0609040504020204" pitchFamily="49" charset="0"/>
+              </a:rPr>
+              <a:t>$</a:t>
+            </a:r>
+          </a:p>
+        </p:txBody>
+      </p:sp>
+    </p:spTree>
+    <p:extLst>
+      <p:ext uri="{BB962C8B-B14F-4D97-AF65-F5344CB8AC3E}">
+        <p14:creationId xmlns:p14="http://schemas.microsoft.com/office/powerpoint/2010/main" val="3512793197"/>
+      </p:ext>
+    </p:extLst>
+  </p:cSld>
+  <p:clrMapOvr>
+    <a:masterClrMapping/>
+  </p:clrMapOvr>
+</p:sld>
+</file>
+
+<file path=ppt/slides/slide37.xml><?xml version="1.0" encoding="utf-8"?>
+<p:sld xmlns:a="http://schemas.openxmlformats.org/drawingml/2006/main" xmlns:r="http://schemas.openxmlformats.org/officeDocument/2006/relationships" xmlns:p="http://schemas.openxmlformats.org/presentationml/2006/main">
+  <p:cSld>
+    <p:spTree>
+      <p:nvGrpSpPr>
+        <p:cNvPr id="1" name=""/>
+        <p:cNvGrpSpPr/>
+        <p:nvPr/>
+      </p:nvGrpSpPr>
+      <p:grpSpPr>
+        <a:xfrm>
+          <a:off x="0" y="0"/>
+          <a:ext cx="0" cy="0"/>
+          <a:chOff x="0" y="0"/>
+          <a:chExt cx="0" cy="0"/>
+        </a:xfrm>
+      </p:grpSpPr>
+      <p:sp>
+        <p:nvSpPr>
+          <p:cNvPr id="2" name="제목 1">
+            <a:extLst>
+              <a:ext uri="{FF2B5EF4-FFF2-40B4-BE49-F238E27FC236}">
+                <a16:creationId xmlns:a16="http://schemas.microsoft.com/office/drawing/2014/main" id="{0ED665D2-43B7-4F32-86EA-7D6102168E73}"/>
+              </a:ext>
+            </a:extLst>
+          </p:cNvPr>
+          <p:cNvSpPr>
+            <a:spLocks noGrp="1"/>
+          </p:cNvSpPr>
+          <p:nvPr>
+            <p:ph type="ctrTitle"/>
+          </p:nvPr>
+        </p:nvSpPr>
+        <p:spPr/>
+        <p:txBody>
+          <a:bodyPr/>
+          <a:lstStyle/>
+          <a:p>
+            <a:r>
               <a:rPr lang="ko-KR" altLang="en-US" dirty="0" err="1"/>
               <a:t>커밋</a:t>
             </a:r>
@@ -17773,7 +18578,7 @@
 </p:sld>
 </file>
 
-<file path=ppt/slides/slide35.xml><?xml version="1.0" encoding="utf-8"?>
+<file path=ppt/slides/slide38.xml><?xml version="1.0" encoding="utf-8"?>
 <p:sld xmlns:a="http://schemas.openxmlformats.org/drawingml/2006/main" xmlns:r="http://schemas.openxmlformats.org/officeDocument/2006/relationships" xmlns:p="http://schemas.openxmlformats.org/presentationml/2006/main">
   <p:cSld>
     <p:spTree>
@@ -18156,7 +18961,7 @@
 </p:sld>
 </file>
 
-<file path=ppt/slides/slide36.xml><?xml version="1.0" encoding="utf-8"?>
+<file path=ppt/slides/slide39.xml><?xml version="1.0" encoding="utf-8"?>
 <p:sld xmlns:a="http://schemas.openxmlformats.org/drawingml/2006/main" xmlns:r="http://schemas.openxmlformats.org/officeDocument/2006/relationships" xmlns:p="http://schemas.openxmlformats.org/presentationml/2006/main">
   <p:cSld>
     <p:spTree>
@@ -18477,7 +19282,224 @@
 </p:sld>
 </file>
 
-<file path=ppt/slides/slide37.xml><?xml version="1.0" encoding="utf-8"?>
+<file path=ppt/slides/slide4.xml><?xml version="1.0" encoding="utf-8"?>
+<p:sld xmlns:a="http://schemas.openxmlformats.org/drawingml/2006/main" xmlns:r="http://schemas.openxmlformats.org/officeDocument/2006/relationships" xmlns:p="http://schemas.openxmlformats.org/presentationml/2006/main">
+  <p:cSld>
+    <p:spTree>
+      <p:nvGrpSpPr>
+        <p:cNvPr id="1" name=""/>
+        <p:cNvGrpSpPr/>
+        <p:nvPr/>
+      </p:nvGrpSpPr>
+      <p:grpSpPr>
+        <a:xfrm>
+          <a:off x="0" y="0"/>
+          <a:ext cx="0" cy="0"/>
+          <a:chOff x="0" y="0"/>
+          <a:chExt cx="0" cy="0"/>
+        </a:xfrm>
+      </p:grpSpPr>
+      <p:sp>
+        <p:nvSpPr>
+          <p:cNvPr id="2" name="제목 1">
+            <a:extLst>
+              <a:ext uri="{FF2B5EF4-FFF2-40B4-BE49-F238E27FC236}">
+                <a16:creationId xmlns:a16="http://schemas.microsoft.com/office/drawing/2014/main" id="{73F38D01-02B2-40F0-8E0C-FBEE6FFE4AC9}"/>
+              </a:ext>
+            </a:extLst>
+          </p:cNvPr>
+          <p:cNvSpPr>
+            <a:spLocks noGrp="1"/>
+          </p:cNvSpPr>
+          <p:nvPr>
+            <p:ph type="ctrTitle"/>
+          </p:nvPr>
+        </p:nvSpPr>
+        <p:spPr/>
+        <p:txBody>
+          <a:bodyPr/>
+          <a:lstStyle/>
+          <a:p>
+            <a:r>
+              <a:rPr lang="ko-KR" altLang="en-US" dirty="0"/>
+              <a:t>현재 기본 </a:t>
+            </a:r>
+            <a:r>
+              <a:rPr lang="ko-KR" altLang="en-US" dirty="0" err="1"/>
+              <a:t>브랜치</a:t>
+            </a:r>
+            <a:r>
+              <a:rPr lang="ko-KR" altLang="en-US" dirty="0"/>
+              <a:t> 이름</a:t>
+            </a:r>
+          </a:p>
+        </p:txBody>
+      </p:sp>
+      <p:sp>
+        <p:nvSpPr>
+          <p:cNvPr id="3" name="내용 개체 틀 2">
+            <a:extLst>
+              <a:ext uri="{FF2B5EF4-FFF2-40B4-BE49-F238E27FC236}">
+                <a16:creationId xmlns:a16="http://schemas.microsoft.com/office/drawing/2014/main" id="{24A8A6F5-42C2-4BF1-B6C9-6A388ECE0C21}"/>
+              </a:ext>
+            </a:extLst>
+          </p:cNvPr>
+          <p:cNvSpPr>
+            <a:spLocks noGrp="1"/>
+          </p:cNvSpPr>
+          <p:nvPr>
+            <p:ph idx="1"/>
+          </p:nvPr>
+        </p:nvSpPr>
+        <p:spPr/>
+        <p:txBody>
+          <a:bodyPr/>
+          <a:lstStyle/>
+          <a:p>
+            <a:r>
+              <a:rPr lang="ko-KR" altLang="en-US" dirty="0" err="1"/>
+              <a:t>깃허브</a:t>
+            </a:r>
+            <a:r>
+              <a:rPr lang="ko-KR" altLang="en-US" dirty="0"/>
+              <a:t> </a:t>
+            </a:r>
+            <a:endParaRPr lang="en-US" altLang="ko-KR" dirty="0"/>
+          </a:p>
+          <a:p>
+            <a:pPr lvl="1"/>
+            <a:r>
+              <a:rPr lang="en-US" altLang="ko-KR" dirty="0"/>
+              <a:t>main</a:t>
+            </a:r>
+          </a:p>
+          <a:p>
+            <a:pPr lvl="1"/>
+            <a:endParaRPr lang="en-US" altLang="ko-KR" dirty="0"/>
+          </a:p>
+          <a:p>
+            <a:r>
+              <a:rPr lang="ko-KR" altLang="en-US" dirty="0"/>
+              <a:t>깃</a:t>
+            </a:r>
+            <a:endParaRPr lang="en-US" altLang="ko-KR" dirty="0"/>
+          </a:p>
+          <a:p>
+            <a:pPr lvl="1"/>
+            <a:r>
+              <a:rPr lang="en-US" altLang="ko-KR" dirty="0"/>
+              <a:t>master</a:t>
+            </a:r>
+            <a:r>
+              <a:rPr lang="ko-KR" altLang="en-US" dirty="0"/>
+              <a:t> </a:t>
+            </a:r>
+            <a:endParaRPr lang="en-US" altLang="ko-KR" dirty="0"/>
+          </a:p>
+          <a:p>
+            <a:pPr lvl="1"/>
+            <a:endParaRPr lang="en-US" altLang="ko-KR" dirty="0"/>
+          </a:p>
+          <a:p>
+            <a:pPr lvl="1"/>
+            <a:endParaRPr lang="en-US" altLang="ko-KR" dirty="0"/>
+          </a:p>
+          <a:p>
+            <a:r>
+              <a:rPr lang="ko-KR" altLang="en-US" dirty="0"/>
+              <a:t>현재 깃 </a:t>
+            </a:r>
+            <a:r>
+              <a:rPr lang="ko-KR" altLang="en-US" dirty="0" err="1"/>
+              <a:t>브랜치</a:t>
+            </a:r>
+            <a:r>
+              <a:rPr lang="ko-KR" altLang="en-US" dirty="0"/>
+              <a:t> 목록 보기</a:t>
+            </a:r>
+            <a:endParaRPr lang="en-US" altLang="ko-KR" dirty="0"/>
+          </a:p>
+          <a:p>
+            <a:pPr lvl="1"/>
+            <a:r>
+              <a:rPr lang="en-US" altLang="ko-KR" dirty="0"/>
+              <a:t>$ git branch</a:t>
+            </a:r>
+          </a:p>
+          <a:p>
+            <a:pPr lvl="1"/>
+            <a:endParaRPr lang="en-US" altLang="ko-KR" dirty="0"/>
+          </a:p>
+          <a:p>
+            <a:r>
+              <a:rPr lang="ko-KR" altLang="en-US" dirty="0"/>
+              <a:t>현재 깃 </a:t>
+            </a:r>
+            <a:r>
+              <a:rPr lang="ko-KR" altLang="en-US" dirty="0" err="1"/>
+              <a:t>브랜치</a:t>
+            </a:r>
+            <a:r>
+              <a:rPr lang="ko-KR" altLang="en-US" dirty="0"/>
+              <a:t> 이름을</a:t>
+            </a:r>
+            <a:r>
+              <a:rPr lang="en-US" altLang="ko-KR" dirty="0"/>
+              <a:t> main</a:t>
+            </a:r>
+            <a:r>
+              <a:rPr lang="ko-KR" altLang="en-US" dirty="0"/>
+              <a:t>으로 수정</a:t>
+            </a:r>
+            <a:endParaRPr lang="en-US" altLang="ko-KR" dirty="0"/>
+          </a:p>
+          <a:p>
+            <a:pPr lvl="1"/>
+            <a:r>
+              <a:rPr lang="en-US" altLang="ko-KR" dirty="0"/>
+              <a:t>$ git branch –M main</a:t>
+            </a:r>
+            <a:r>
+              <a:rPr lang="ko-KR" altLang="en-US" dirty="0"/>
+              <a:t> </a:t>
+            </a:r>
+            <a:endParaRPr lang="en-US" altLang="ko-KR" dirty="0"/>
+          </a:p>
+          <a:p>
+            <a:pPr lvl="1"/>
+            <a:endParaRPr lang="en-US" altLang="ko-KR" dirty="0"/>
+          </a:p>
+          <a:p>
+            <a:pPr lvl="1"/>
+            <a:endParaRPr lang="en-US" altLang="ko-KR" dirty="0"/>
+          </a:p>
+          <a:p>
+            <a:pPr lvl="1"/>
+            <a:endParaRPr lang="en-US" altLang="ko-KR" dirty="0"/>
+          </a:p>
+          <a:p>
+            <a:pPr lvl="1"/>
+            <a:endParaRPr lang="en-US" altLang="ko-KR" dirty="0"/>
+          </a:p>
+          <a:p>
+            <a:endParaRPr lang="ko-KR" altLang="en-US" dirty="0"/>
+          </a:p>
+        </p:txBody>
+      </p:sp>
+    </p:spTree>
+    <p:extLst>
+      <p:ext uri="{BB962C8B-B14F-4D97-AF65-F5344CB8AC3E}">
+        <p14:creationId xmlns:p14="http://schemas.microsoft.com/office/powerpoint/2010/main" val="2500198793"/>
+      </p:ext>
+    </p:extLst>
+  </p:cSld>
+  <p:clrMapOvr>
+    <a:masterClrMapping/>
+  </p:clrMapOvr>
+</p:sld>
+</file>
+
+<file path=ppt/slides/slide40.xml><?xml version="1.0" encoding="utf-8"?>
 <p:sld xmlns:a="http://schemas.openxmlformats.org/drawingml/2006/main" xmlns:r="http://schemas.openxmlformats.org/officeDocument/2006/relationships" xmlns:p="http://schemas.openxmlformats.org/presentationml/2006/main">
   <p:cSld>
     <p:spTree>
@@ -19087,7 +20109,7 @@
 </p:sld>
 </file>
 
-<file path=ppt/slides/slide38.xml><?xml version="1.0" encoding="utf-8"?>
+<file path=ppt/slides/slide41.xml><?xml version="1.0" encoding="utf-8"?>
 <p:sld xmlns:a="http://schemas.openxmlformats.org/drawingml/2006/main" xmlns:r="http://schemas.openxmlformats.org/officeDocument/2006/relationships" xmlns:p="http://schemas.openxmlformats.org/presentationml/2006/main">
   <p:cSld>
     <p:spTree>
@@ -19714,7 +20736,7 @@
 </p:sld>
 </file>
 
-<file path=ppt/slides/slide39.xml><?xml version="1.0" encoding="utf-8"?>
+<file path=ppt/slides/slide42.xml><?xml version="1.0" encoding="utf-8"?>
 <p:sld xmlns:a="http://schemas.openxmlformats.org/drawingml/2006/main" xmlns:r="http://schemas.openxmlformats.org/officeDocument/2006/relationships" xmlns:p="http://schemas.openxmlformats.org/presentationml/2006/main">
   <p:cSld>
     <p:spTree>
@@ -19839,137 +20861,7 @@
 </p:sld>
 </file>
 
-<file path=ppt/slides/slide4.xml><?xml version="1.0" encoding="utf-8"?>
-<p:sld xmlns:a="http://schemas.openxmlformats.org/drawingml/2006/main" xmlns:r="http://schemas.openxmlformats.org/officeDocument/2006/relationships" xmlns:p="http://schemas.openxmlformats.org/presentationml/2006/main">
-  <p:cSld>
-    <p:spTree>
-      <p:nvGrpSpPr>
-        <p:cNvPr id="1" name=""/>
-        <p:cNvGrpSpPr/>
-        <p:nvPr/>
-      </p:nvGrpSpPr>
-      <p:grpSpPr>
-        <a:xfrm>
-          <a:off x="0" y="0"/>
-          <a:ext cx="0" cy="0"/>
-          <a:chOff x="0" y="0"/>
-          <a:chExt cx="0" cy="0"/>
-        </a:xfrm>
-      </p:grpSpPr>
-      <p:sp>
-        <p:nvSpPr>
-          <p:cNvPr id="2" name="제목 1">
-            <a:extLst>
-              <a:ext uri="{FF2B5EF4-FFF2-40B4-BE49-F238E27FC236}">
-                <a16:creationId xmlns:a16="http://schemas.microsoft.com/office/drawing/2014/main" id="{BCAF5BD5-8477-4DE1-98C6-20D6AE27469A}"/>
-              </a:ext>
-            </a:extLst>
-          </p:cNvPr>
-          <p:cNvSpPr>
-            <a:spLocks noGrp="1"/>
-          </p:cNvSpPr>
-          <p:nvPr>
-            <p:ph type="ctrTitle"/>
-          </p:nvPr>
-        </p:nvSpPr>
-        <p:spPr/>
-        <p:txBody>
-          <a:bodyPr/>
-          <a:lstStyle/>
-          <a:p>
-            <a:r>
-              <a:rPr lang="ko-KR" altLang="en-US" dirty="0"/>
-              <a:t>포크와 클론</a:t>
-            </a:r>
-          </a:p>
-        </p:txBody>
-      </p:sp>
-      <p:sp>
-        <p:nvSpPr>
-          <p:cNvPr id="3" name="내용 개체 틀 2">
-            <a:extLst>
-              <a:ext uri="{FF2B5EF4-FFF2-40B4-BE49-F238E27FC236}">
-                <a16:creationId xmlns:a16="http://schemas.microsoft.com/office/drawing/2014/main" id="{2236DBEC-C656-452F-BEA2-6FA5149F4511}"/>
-              </a:ext>
-            </a:extLst>
-          </p:cNvPr>
-          <p:cNvSpPr>
-            <a:spLocks noGrp="1"/>
-          </p:cNvSpPr>
-          <p:nvPr>
-            <p:ph idx="1"/>
-          </p:nvPr>
-        </p:nvSpPr>
-        <p:spPr/>
-        <p:txBody>
-          <a:bodyPr/>
-          <a:lstStyle/>
-          <a:p>
-            <a:endParaRPr lang="ko-KR" altLang="en-US"/>
-          </a:p>
-        </p:txBody>
-      </p:sp>
-      <p:pic>
-        <p:nvPicPr>
-          <p:cNvPr id="4" name="Picture 2" descr="https://miro.medium.com/max/1400/1*fn8qxN2ehkBhnxxX1df88w.png">
-            <a:extLst>
-              <a:ext uri="{FF2B5EF4-FFF2-40B4-BE49-F238E27FC236}">
-                <a16:creationId xmlns:a16="http://schemas.microsoft.com/office/drawing/2014/main" id="{90AA33A3-85DF-4078-9611-D59B8626A342}"/>
-              </a:ext>
-            </a:extLst>
-          </p:cNvPr>
-          <p:cNvPicPr>
-            <a:picLocks noChangeAspect="1" noChangeArrowheads="1"/>
-          </p:cNvPicPr>
-          <p:nvPr/>
-        </p:nvPicPr>
-        <p:blipFill>
-          <a:blip r:embed="rId2">
-            <a:extLst>
-              <a:ext uri="{28A0092B-C50C-407E-A947-70E740481C1C}">
-                <a14:useLocalDpi xmlns:a14="http://schemas.microsoft.com/office/drawing/2010/main" val="0"/>
-              </a:ext>
-            </a:extLst>
-          </a:blip>
-          <a:srcRect/>
-          <a:stretch>
-            <a:fillRect/>
-          </a:stretch>
-        </p:blipFill>
-        <p:spPr bwMode="auto">
-          <a:xfrm>
-            <a:off x="1375366" y="1600920"/>
-            <a:ext cx="7870660" cy="4844008"/>
-          </a:xfrm>
-          <a:prstGeom prst="rect">
-            <a:avLst/>
-          </a:prstGeom>
-          <a:noFill/>
-          <a:extLst>
-            <a:ext uri="{909E8E84-426E-40DD-AFC4-6F175D3DCCD1}">
-              <a14:hiddenFill xmlns:a14="http://schemas.microsoft.com/office/drawing/2010/main">
-                <a:solidFill>
-                  <a:srgbClr val="FFFFFF"/>
-                </a:solidFill>
-              </a14:hiddenFill>
-            </a:ext>
-          </a:extLst>
-        </p:spPr>
-      </p:pic>
-    </p:spTree>
-    <p:extLst>
-      <p:ext uri="{BB962C8B-B14F-4D97-AF65-F5344CB8AC3E}">
-        <p14:creationId xmlns:p14="http://schemas.microsoft.com/office/powerpoint/2010/main" val="409474156"/>
-      </p:ext>
-    </p:extLst>
-  </p:cSld>
-  <p:clrMapOvr>
-    <a:masterClrMapping/>
-  </p:clrMapOvr>
-</p:sld>
-</file>
-
-<file path=ppt/slides/slide40.xml><?xml version="1.0" encoding="utf-8"?>
+<file path=ppt/slides/slide43.xml><?xml version="1.0" encoding="utf-8"?>
 <p:sld xmlns:a="http://schemas.openxmlformats.org/drawingml/2006/main" xmlns:r="http://schemas.openxmlformats.org/officeDocument/2006/relationships" xmlns:p="http://schemas.openxmlformats.org/presentationml/2006/main">
   <p:cSld>
     <p:spTree>
@@ -20178,7 +21070,7 @@
 </p:sld>
 </file>
 
-<file path=ppt/slides/slide41.xml><?xml version="1.0" encoding="utf-8"?>
+<file path=ppt/slides/slide44.xml><?xml version="1.0" encoding="utf-8"?>
 <p:sld xmlns:a="http://schemas.openxmlformats.org/drawingml/2006/main" xmlns:r="http://schemas.openxmlformats.org/officeDocument/2006/relationships" xmlns:p="http://schemas.openxmlformats.org/presentationml/2006/main">
   <p:cSld>
     <p:spTree>
@@ -20494,7 +21386,7 @@
 </p:sld>
 </file>
 
-<file path=ppt/slides/slide42.xml><?xml version="1.0" encoding="utf-8"?>
+<file path=ppt/slides/slide45.xml><?xml version="1.0" encoding="utf-8"?>
 <p:sld xmlns:a="http://schemas.openxmlformats.org/drawingml/2006/main" xmlns:r="http://schemas.openxmlformats.org/officeDocument/2006/relationships" xmlns:p="http://schemas.openxmlformats.org/presentationml/2006/main">
   <p:cSld>
     <p:spTree>
@@ -21253,7 +22145,7 @@
 </p:sld>
 </file>
 
-<file path=ppt/slides/slide43.xml><?xml version="1.0" encoding="utf-8"?>
+<file path=ppt/slides/slide46.xml><?xml version="1.0" encoding="utf-8"?>
 <p:sld xmlns:a="http://schemas.openxmlformats.org/drawingml/2006/main" xmlns:r="http://schemas.openxmlformats.org/officeDocument/2006/relationships" xmlns:p="http://schemas.openxmlformats.org/presentationml/2006/main">
   <p:cSld>
     <p:spTree>
@@ -21337,6 +22229,1144 @@
 </file>
 
 <file path=ppt/slides/slide5.xml><?xml version="1.0" encoding="utf-8"?>
+<p:sld xmlns:a="http://schemas.openxmlformats.org/drawingml/2006/main" xmlns:r="http://schemas.openxmlformats.org/officeDocument/2006/relationships" xmlns:p="http://schemas.openxmlformats.org/presentationml/2006/main">
+  <p:cSld>
+    <p:spTree>
+      <p:nvGrpSpPr>
+        <p:cNvPr id="1" name=""/>
+        <p:cNvGrpSpPr/>
+        <p:nvPr/>
+      </p:nvGrpSpPr>
+      <p:grpSpPr>
+        <a:xfrm>
+          <a:off x="0" y="0"/>
+          <a:ext cx="0" cy="0"/>
+          <a:chOff x="0" y="0"/>
+          <a:chExt cx="0" cy="0"/>
+        </a:xfrm>
+      </p:grpSpPr>
+      <p:sp>
+        <p:nvSpPr>
+          <p:cNvPr id="2" name="제목 1">
+            <a:extLst>
+              <a:ext uri="{FF2B5EF4-FFF2-40B4-BE49-F238E27FC236}">
+                <a16:creationId xmlns:a16="http://schemas.microsoft.com/office/drawing/2014/main" id="{73F38D01-02B2-40F0-8E0C-FBEE6FFE4AC9}"/>
+              </a:ext>
+            </a:extLst>
+          </p:cNvPr>
+          <p:cNvSpPr>
+            <a:spLocks noGrp="1"/>
+          </p:cNvSpPr>
+          <p:nvPr>
+            <p:ph type="ctrTitle"/>
+          </p:nvPr>
+        </p:nvSpPr>
+        <p:spPr/>
+        <p:txBody>
+          <a:bodyPr/>
+          <a:lstStyle/>
+          <a:p>
+            <a:r>
+              <a:rPr lang="ko-KR" altLang="en-US" dirty="0"/>
+              <a:t>현재 기본 </a:t>
+            </a:r>
+            <a:r>
+              <a:rPr lang="ko-KR" altLang="en-US" dirty="0" err="1"/>
+              <a:t>브랜치</a:t>
+            </a:r>
+            <a:r>
+              <a:rPr lang="ko-KR" altLang="en-US" dirty="0"/>
+              <a:t> 이름</a:t>
+            </a:r>
+          </a:p>
+        </p:txBody>
+      </p:sp>
+      <p:sp>
+        <p:nvSpPr>
+          <p:cNvPr id="3" name="내용 개체 틀 2">
+            <a:extLst>
+              <a:ext uri="{FF2B5EF4-FFF2-40B4-BE49-F238E27FC236}">
+                <a16:creationId xmlns:a16="http://schemas.microsoft.com/office/drawing/2014/main" id="{24A8A6F5-42C2-4BF1-B6C9-6A388ECE0C21}"/>
+              </a:ext>
+            </a:extLst>
+          </p:cNvPr>
+          <p:cNvSpPr>
+            <a:spLocks noGrp="1"/>
+          </p:cNvSpPr>
+          <p:nvPr>
+            <p:ph idx="1"/>
+          </p:nvPr>
+        </p:nvSpPr>
+        <p:spPr/>
+        <p:txBody>
+          <a:bodyPr/>
+          <a:lstStyle/>
+          <a:p>
+            <a:r>
+              <a:rPr lang="ko-KR" altLang="en-US" dirty="0" err="1"/>
+              <a:t>깃허브</a:t>
+            </a:r>
+            <a:r>
+              <a:rPr lang="ko-KR" altLang="en-US" dirty="0"/>
+              <a:t> </a:t>
+            </a:r>
+            <a:endParaRPr lang="en-US" altLang="ko-KR" dirty="0"/>
+          </a:p>
+          <a:p>
+            <a:pPr lvl="1"/>
+            <a:r>
+              <a:rPr lang="en-US" altLang="ko-KR" dirty="0"/>
+              <a:t>main</a:t>
+            </a:r>
+          </a:p>
+          <a:p>
+            <a:pPr lvl="1"/>
+            <a:endParaRPr lang="en-US" altLang="ko-KR" dirty="0"/>
+          </a:p>
+          <a:p>
+            <a:r>
+              <a:rPr lang="ko-KR" altLang="en-US" dirty="0"/>
+              <a:t>깃</a:t>
+            </a:r>
+            <a:endParaRPr lang="en-US" altLang="ko-KR" dirty="0"/>
+          </a:p>
+          <a:p>
+            <a:pPr lvl="1"/>
+            <a:r>
+              <a:rPr lang="en-US" altLang="ko-KR" dirty="0"/>
+              <a:t>master</a:t>
+            </a:r>
+            <a:r>
+              <a:rPr lang="ko-KR" altLang="en-US" dirty="0"/>
+              <a:t> </a:t>
+            </a:r>
+            <a:endParaRPr lang="en-US" altLang="ko-KR" dirty="0"/>
+          </a:p>
+          <a:p>
+            <a:pPr lvl="1"/>
+            <a:endParaRPr lang="en-US" altLang="ko-KR" dirty="0"/>
+          </a:p>
+          <a:p>
+            <a:r>
+              <a:rPr lang="ko-KR" altLang="en-US" dirty="0"/>
+              <a:t>깃의 기본 </a:t>
+            </a:r>
+            <a:r>
+              <a:rPr lang="ko-KR" altLang="en-US" dirty="0" err="1"/>
+              <a:t>브랜치</a:t>
+            </a:r>
+            <a:r>
+              <a:rPr lang="ko-KR" altLang="en-US" dirty="0"/>
+              <a:t> 이름 </a:t>
+            </a:r>
+            <a:r>
+              <a:rPr lang="en-US" altLang="ko-KR" dirty="0" err="1"/>
+              <a:t>init.defaultBranch</a:t>
+            </a:r>
+            <a:r>
+              <a:rPr lang="en-US" altLang="ko-KR" dirty="0"/>
+              <a:t> </a:t>
+            </a:r>
+            <a:r>
+              <a:rPr lang="ko-KR" altLang="en-US" dirty="0"/>
+              <a:t>을</a:t>
+            </a:r>
+            <a:r>
+              <a:rPr lang="en-US" altLang="ko-KR" dirty="0"/>
+              <a:t> main</a:t>
+            </a:r>
+            <a:r>
+              <a:rPr lang="ko-KR" altLang="en-US" dirty="0"/>
+              <a:t>으로</a:t>
+            </a:r>
+            <a:r>
+              <a:rPr lang="en-US" altLang="ko-KR" dirty="0"/>
+              <a:t> </a:t>
+            </a:r>
+            <a:r>
+              <a:rPr lang="ko-KR" altLang="en-US" dirty="0"/>
+              <a:t>설정</a:t>
+            </a:r>
+            <a:endParaRPr lang="en-US" altLang="ko-KR" dirty="0"/>
+          </a:p>
+          <a:p>
+            <a:pPr lvl="1"/>
+            <a:r>
+              <a:rPr lang="en-US" altLang="ko-KR" dirty="0"/>
+              <a:t>$ git config --global </a:t>
+            </a:r>
+            <a:r>
+              <a:rPr lang="en-US" altLang="ko-KR" dirty="0" err="1"/>
+              <a:t>init.defaultBranch</a:t>
+            </a:r>
+            <a:r>
+              <a:rPr lang="en-US" altLang="ko-KR" dirty="0"/>
+              <a:t> main</a:t>
+            </a:r>
+          </a:p>
+          <a:p>
+            <a:pPr lvl="1"/>
+            <a:endParaRPr lang="en-US" altLang="ko-KR" dirty="0"/>
+          </a:p>
+          <a:p>
+            <a:pPr lvl="1"/>
+            <a:endParaRPr lang="en-US" altLang="ko-KR" dirty="0"/>
+          </a:p>
+          <a:p>
+            <a:r>
+              <a:rPr lang="en-US" altLang="ko-KR" dirty="0"/>
+              <a:t>$ git</a:t>
+            </a:r>
+            <a:r>
+              <a:rPr lang="ko-KR" altLang="en-US" dirty="0"/>
+              <a:t> </a:t>
+            </a:r>
+            <a:r>
+              <a:rPr lang="en-US" altLang="ko-KR" dirty="0" err="1"/>
+              <a:t>init</a:t>
+            </a:r>
+            <a:r>
+              <a:rPr lang="ko-KR" altLang="en-US" dirty="0"/>
+              <a:t> </a:t>
+            </a:r>
+            <a:r>
+              <a:rPr lang="en-US" altLang="ko-KR" dirty="0"/>
+              <a:t>t1</a:t>
+            </a:r>
+          </a:p>
+          <a:p>
+            <a:pPr lvl="1"/>
+            <a:endParaRPr lang="en-US" altLang="ko-KR" dirty="0"/>
+          </a:p>
+          <a:p>
+            <a:pPr lvl="1"/>
+            <a:endParaRPr lang="en-US" altLang="ko-KR" dirty="0"/>
+          </a:p>
+          <a:p>
+            <a:pPr lvl="1"/>
+            <a:endParaRPr lang="en-US" altLang="ko-KR" dirty="0"/>
+          </a:p>
+          <a:p>
+            <a:pPr lvl="1"/>
+            <a:endParaRPr lang="en-US" altLang="ko-KR" dirty="0"/>
+          </a:p>
+          <a:p>
+            <a:endParaRPr lang="ko-KR" altLang="en-US" dirty="0"/>
+          </a:p>
+        </p:txBody>
+      </p:sp>
+    </p:spTree>
+    <p:extLst>
+      <p:ext uri="{BB962C8B-B14F-4D97-AF65-F5344CB8AC3E}">
+        <p14:creationId xmlns:p14="http://schemas.microsoft.com/office/powerpoint/2010/main" val="2427868181"/>
+      </p:ext>
+    </p:extLst>
+  </p:cSld>
+  <p:clrMapOvr>
+    <a:masterClrMapping/>
+  </p:clrMapOvr>
+</p:sld>
+</file>
+
+<file path=ppt/slides/slide6.xml><?xml version="1.0" encoding="utf-8"?>
+<p:sld xmlns:a="http://schemas.openxmlformats.org/drawingml/2006/main" xmlns:r="http://schemas.openxmlformats.org/officeDocument/2006/relationships" xmlns:p="http://schemas.openxmlformats.org/presentationml/2006/main">
+  <p:cSld>
+    <p:spTree>
+      <p:nvGrpSpPr>
+        <p:cNvPr id="1" name=""/>
+        <p:cNvGrpSpPr/>
+        <p:nvPr/>
+      </p:nvGrpSpPr>
+      <p:grpSpPr>
+        <a:xfrm>
+          <a:off x="0" y="0"/>
+          <a:ext cx="0" cy="0"/>
+          <a:chOff x="0" y="0"/>
+          <a:chExt cx="0" cy="0"/>
+        </a:xfrm>
+      </p:grpSpPr>
+      <p:sp>
+        <p:nvSpPr>
+          <p:cNvPr id="2" name="제목 1">
+            <a:extLst>
+              <a:ext uri="{FF2B5EF4-FFF2-40B4-BE49-F238E27FC236}">
+                <a16:creationId xmlns:a16="http://schemas.microsoft.com/office/drawing/2014/main" id="{FD30809C-B9AB-476F-93DF-F9BD42BB5774}"/>
+              </a:ext>
+            </a:extLst>
+          </p:cNvPr>
+          <p:cNvSpPr>
+            <a:spLocks noGrp="1"/>
+          </p:cNvSpPr>
+          <p:nvPr>
+            <p:ph type="ctrTitle"/>
+          </p:nvPr>
+        </p:nvSpPr>
+        <p:spPr/>
+        <p:txBody>
+          <a:bodyPr/>
+          <a:lstStyle/>
+          <a:p>
+            <a:endParaRPr lang="ko-KR" altLang="en-US"/>
+          </a:p>
+        </p:txBody>
+      </p:sp>
+      <p:sp>
+        <p:nvSpPr>
+          <p:cNvPr id="3" name="내용 개체 틀 2">
+            <a:extLst>
+              <a:ext uri="{FF2B5EF4-FFF2-40B4-BE49-F238E27FC236}">
+                <a16:creationId xmlns:a16="http://schemas.microsoft.com/office/drawing/2014/main" id="{2A582CF9-ED4A-4975-A3E0-05BA5652A788}"/>
+              </a:ext>
+            </a:extLst>
+          </p:cNvPr>
+          <p:cNvSpPr>
+            <a:spLocks noGrp="1"/>
+          </p:cNvSpPr>
+          <p:nvPr>
+            <p:ph idx="1"/>
+          </p:nvPr>
+        </p:nvSpPr>
+        <p:spPr/>
+        <p:txBody>
+          <a:bodyPr/>
+          <a:lstStyle/>
+          <a:p>
+            <a:endParaRPr lang="ko-KR" altLang="en-US"/>
+          </a:p>
+        </p:txBody>
+      </p:sp>
+      <p:sp>
+        <p:nvSpPr>
+          <p:cNvPr id="4" name="직사각형 3">
+            <a:extLst>
+              <a:ext uri="{FF2B5EF4-FFF2-40B4-BE49-F238E27FC236}">
+                <a16:creationId xmlns:a16="http://schemas.microsoft.com/office/drawing/2014/main" id="{5709F69A-08A9-4131-A2D7-3F6B72BD2D11}"/>
+              </a:ext>
+            </a:extLst>
+          </p:cNvPr>
+          <p:cNvSpPr/>
+          <p:nvPr/>
+        </p:nvSpPr>
+        <p:spPr>
+          <a:xfrm>
+            <a:off x="1386260" y="939504"/>
+            <a:ext cx="7848872" cy="6186309"/>
+          </a:xfrm>
+          <a:prstGeom prst="rect">
+            <a:avLst/>
+          </a:prstGeom>
+        </p:spPr>
+        <p:txBody>
+          <a:bodyPr wrap="square">
+            <a:spAutoFit/>
+          </a:bodyPr>
+          <a:lstStyle/>
+          <a:p>
+            <a:r>
+              <a:rPr lang="en-US" altLang="ko-KR" sz="1200" dirty="0">
+                <a:solidFill>
+                  <a:srgbClr val="00BF00"/>
+                </a:solidFill>
+                <a:latin typeface="Lucida Console" panose="020B0609040504020204" pitchFamily="49" charset="0"/>
+              </a:rPr>
+              <a:t>PC@DESKTOP-482NOAB </a:t>
+            </a:r>
+            <a:r>
+              <a:rPr lang="en-US" altLang="ko-KR" sz="1200" dirty="0">
+                <a:solidFill>
+                  <a:srgbClr val="BF00BF"/>
+                </a:solidFill>
+                <a:latin typeface="Lucida Console" panose="020B0609040504020204" pitchFamily="49" charset="0"/>
+              </a:rPr>
+              <a:t>MINGW64 </a:t>
+            </a:r>
+            <a:r>
+              <a:rPr lang="en-US" altLang="ko-KR" sz="1200" dirty="0">
+                <a:solidFill>
+                  <a:srgbClr val="BFBF00"/>
+                </a:solidFill>
+                <a:latin typeface="Lucida Console" panose="020B0609040504020204" pitchFamily="49" charset="0"/>
+              </a:rPr>
+              <a:t>/c/[git tutorial]/rep01</a:t>
+            </a:r>
+            <a:r>
+              <a:rPr lang="en-US" altLang="ko-KR" sz="1200" dirty="0">
+                <a:solidFill>
+                  <a:srgbClr val="00BFBF"/>
+                </a:solidFill>
+                <a:latin typeface="Lucida Console" panose="020B0609040504020204" pitchFamily="49" charset="0"/>
+              </a:rPr>
+              <a:t> (main)</a:t>
+            </a:r>
+          </a:p>
+          <a:p>
+            <a:r>
+              <a:rPr lang="en-US" altLang="ko-KR" sz="1200" dirty="0">
+                <a:solidFill>
+                  <a:prstClr val="black"/>
+                </a:solidFill>
+                <a:latin typeface="Lucida Console" panose="020B0609040504020204" pitchFamily="49" charset="0"/>
+              </a:rPr>
+              <a:t>$ git config --global </a:t>
+            </a:r>
+            <a:r>
+              <a:rPr lang="en-US" altLang="ko-KR" sz="1200" dirty="0" err="1">
+                <a:solidFill>
+                  <a:prstClr val="black"/>
+                </a:solidFill>
+                <a:latin typeface="Lucida Console" panose="020B0609040504020204" pitchFamily="49" charset="0"/>
+              </a:rPr>
+              <a:t>defaultBranch</a:t>
+            </a:r>
+            <a:endParaRPr lang="en-US" altLang="ko-KR" sz="1200" dirty="0">
+              <a:solidFill>
+                <a:prstClr val="black"/>
+              </a:solidFill>
+              <a:latin typeface="Lucida Console" panose="020B0609040504020204" pitchFamily="49" charset="0"/>
+            </a:endParaRPr>
+          </a:p>
+          <a:p>
+            <a:r>
+              <a:rPr lang="en-US" altLang="ko-KR" sz="1200" dirty="0">
+                <a:solidFill>
+                  <a:prstClr val="black"/>
+                </a:solidFill>
+                <a:latin typeface="Lucida Console" panose="020B0609040504020204" pitchFamily="49" charset="0"/>
+              </a:rPr>
+              <a:t>error: key does not contain a section: </a:t>
+            </a:r>
+            <a:r>
+              <a:rPr lang="en-US" altLang="ko-KR" sz="1200" dirty="0" err="1">
+                <a:solidFill>
+                  <a:prstClr val="black"/>
+                </a:solidFill>
+                <a:latin typeface="Lucida Console" panose="020B0609040504020204" pitchFamily="49" charset="0"/>
+              </a:rPr>
+              <a:t>defaultBranch</a:t>
+            </a:r>
+            <a:endParaRPr lang="en-US" altLang="ko-KR" sz="1200" dirty="0">
+              <a:solidFill>
+                <a:prstClr val="black"/>
+              </a:solidFill>
+              <a:latin typeface="Lucida Console" panose="020B0609040504020204" pitchFamily="49" charset="0"/>
+            </a:endParaRPr>
+          </a:p>
+          <a:p>
+            <a:endParaRPr lang="ko-KR" altLang="en-US" sz="1200" dirty="0">
+              <a:solidFill>
+                <a:prstClr val="black"/>
+              </a:solidFill>
+              <a:latin typeface="Lucida Console" panose="020B0609040504020204" pitchFamily="49" charset="0"/>
+            </a:endParaRPr>
+          </a:p>
+          <a:p>
+            <a:r>
+              <a:rPr lang="en-US" altLang="ko-KR" sz="1200" dirty="0">
+                <a:solidFill>
+                  <a:srgbClr val="00BF00"/>
+                </a:solidFill>
+                <a:latin typeface="Lucida Console" panose="020B0609040504020204" pitchFamily="49" charset="0"/>
+              </a:rPr>
+              <a:t>PC@DESKTOP-482NOAB </a:t>
+            </a:r>
+            <a:r>
+              <a:rPr lang="en-US" altLang="ko-KR" sz="1200" dirty="0">
+                <a:solidFill>
+                  <a:srgbClr val="BF00BF"/>
+                </a:solidFill>
+                <a:latin typeface="Lucida Console" panose="020B0609040504020204" pitchFamily="49" charset="0"/>
+              </a:rPr>
+              <a:t>MINGW64 </a:t>
+            </a:r>
+            <a:r>
+              <a:rPr lang="en-US" altLang="ko-KR" sz="1200" dirty="0">
+                <a:solidFill>
+                  <a:srgbClr val="BFBF00"/>
+                </a:solidFill>
+                <a:latin typeface="Lucida Console" panose="020B0609040504020204" pitchFamily="49" charset="0"/>
+              </a:rPr>
+              <a:t>/c/[git tutorial]/rep01</a:t>
+            </a:r>
+            <a:r>
+              <a:rPr lang="en-US" altLang="ko-KR" sz="1200" dirty="0">
+                <a:solidFill>
+                  <a:srgbClr val="00BFBF"/>
+                </a:solidFill>
+                <a:latin typeface="Lucida Console" panose="020B0609040504020204" pitchFamily="49" charset="0"/>
+              </a:rPr>
+              <a:t> (main)</a:t>
+            </a:r>
+          </a:p>
+          <a:p>
+            <a:r>
+              <a:rPr lang="en-US" altLang="ko-KR" sz="1200" dirty="0">
+                <a:solidFill>
+                  <a:prstClr val="black"/>
+                </a:solidFill>
+                <a:latin typeface="Lucida Console" panose="020B0609040504020204" pitchFamily="49" charset="0"/>
+              </a:rPr>
+              <a:t>$ git config --global </a:t>
+            </a:r>
+            <a:r>
+              <a:rPr lang="en-US" altLang="ko-KR" sz="1200" dirty="0" err="1">
+                <a:solidFill>
+                  <a:prstClr val="black"/>
+                </a:solidFill>
+                <a:latin typeface="Lucida Console" panose="020B0609040504020204" pitchFamily="49" charset="0"/>
+              </a:rPr>
+              <a:t>init.defaultBranch</a:t>
+            </a:r>
+            <a:endParaRPr lang="en-US" altLang="ko-KR" sz="1200" dirty="0">
+              <a:solidFill>
+                <a:prstClr val="black"/>
+              </a:solidFill>
+              <a:latin typeface="Lucida Console" panose="020B0609040504020204" pitchFamily="49" charset="0"/>
+            </a:endParaRPr>
+          </a:p>
+          <a:p>
+            <a:endParaRPr lang="ko-KR" altLang="en-US" sz="1200" dirty="0">
+              <a:solidFill>
+                <a:prstClr val="black"/>
+              </a:solidFill>
+              <a:latin typeface="Lucida Console" panose="020B0609040504020204" pitchFamily="49" charset="0"/>
+            </a:endParaRPr>
+          </a:p>
+          <a:p>
+            <a:r>
+              <a:rPr lang="en-US" altLang="ko-KR" sz="1200" dirty="0">
+                <a:solidFill>
+                  <a:srgbClr val="00BF00"/>
+                </a:solidFill>
+                <a:latin typeface="Lucida Console" panose="020B0609040504020204" pitchFamily="49" charset="0"/>
+              </a:rPr>
+              <a:t>PC@DESKTOP-482NOAB </a:t>
+            </a:r>
+            <a:r>
+              <a:rPr lang="en-US" altLang="ko-KR" sz="1200" dirty="0">
+                <a:solidFill>
+                  <a:srgbClr val="BF00BF"/>
+                </a:solidFill>
+                <a:latin typeface="Lucida Console" panose="020B0609040504020204" pitchFamily="49" charset="0"/>
+              </a:rPr>
+              <a:t>MINGW64 </a:t>
+            </a:r>
+            <a:r>
+              <a:rPr lang="en-US" altLang="ko-KR" sz="1200" dirty="0">
+                <a:solidFill>
+                  <a:srgbClr val="BFBF00"/>
+                </a:solidFill>
+                <a:latin typeface="Lucida Console" panose="020B0609040504020204" pitchFamily="49" charset="0"/>
+              </a:rPr>
+              <a:t>/c/[git tutorial]/rep01</a:t>
+            </a:r>
+            <a:r>
+              <a:rPr lang="en-US" altLang="ko-KR" sz="1200" dirty="0">
+                <a:solidFill>
+                  <a:srgbClr val="00BFBF"/>
+                </a:solidFill>
+                <a:latin typeface="Lucida Console" panose="020B0609040504020204" pitchFamily="49" charset="0"/>
+              </a:rPr>
+              <a:t> (main)</a:t>
+            </a:r>
+          </a:p>
+          <a:p>
+            <a:r>
+              <a:rPr lang="en-US" altLang="ko-KR" sz="1200" dirty="0">
+                <a:solidFill>
+                  <a:prstClr val="black"/>
+                </a:solidFill>
+                <a:latin typeface="Lucida Console" panose="020B0609040504020204" pitchFamily="49" charset="0"/>
+              </a:rPr>
+              <a:t>$ cd..</a:t>
+            </a:r>
+          </a:p>
+          <a:p>
+            <a:r>
+              <a:rPr lang="en-US" altLang="ko-KR" sz="1200" dirty="0">
+                <a:solidFill>
+                  <a:prstClr val="black"/>
+                </a:solidFill>
+                <a:latin typeface="Lucida Console" panose="020B0609040504020204" pitchFamily="49" charset="0"/>
+              </a:rPr>
+              <a:t>bash: cd..: command not found</a:t>
+            </a:r>
+          </a:p>
+          <a:p>
+            <a:endParaRPr lang="ko-KR" altLang="en-US" sz="1200" dirty="0">
+              <a:solidFill>
+                <a:prstClr val="black"/>
+              </a:solidFill>
+              <a:latin typeface="Lucida Console" panose="020B0609040504020204" pitchFamily="49" charset="0"/>
+            </a:endParaRPr>
+          </a:p>
+          <a:p>
+            <a:r>
+              <a:rPr lang="en-US" altLang="ko-KR" sz="1200" dirty="0">
+                <a:solidFill>
+                  <a:srgbClr val="00BF00"/>
+                </a:solidFill>
+                <a:latin typeface="Lucida Console" panose="020B0609040504020204" pitchFamily="49" charset="0"/>
+              </a:rPr>
+              <a:t>PC@DESKTOP-482NOAB </a:t>
+            </a:r>
+            <a:r>
+              <a:rPr lang="en-US" altLang="ko-KR" sz="1200" dirty="0">
+                <a:solidFill>
+                  <a:srgbClr val="BF00BF"/>
+                </a:solidFill>
+                <a:latin typeface="Lucida Console" panose="020B0609040504020204" pitchFamily="49" charset="0"/>
+              </a:rPr>
+              <a:t>MINGW64 </a:t>
+            </a:r>
+            <a:r>
+              <a:rPr lang="en-US" altLang="ko-KR" sz="1200" dirty="0">
+                <a:solidFill>
+                  <a:srgbClr val="BFBF00"/>
+                </a:solidFill>
+                <a:latin typeface="Lucida Console" panose="020B0609040504020204" pitchFamily="49" charset="0"/>
+              </a:rPr>
+              <a:t>/c/[git tutorial]/rep01</a:t>
+            </a:r>
+            <a:r>
+              <a:rPr lang="en-US" altLang="ko-KR" sz="1200" dirty="0">
+                <a:solidFill>
+                  <a:srgbClr val="00BFBF"/>
+                </a:solidFill>
+                <a:latin typeface="Lucida Console" panose="020B0609040504020204" pitchFamily="49" charset="0"/>
+              </a:rPr>
+              <a:t> (main)</a:t>
+            </a:r>
+          </a:p>
+          <a:p>
+            <a:r>
+              <a:rPr lang="en-US" altLang="ko-KR" sz="1200" dirty="0">
+                <a:solidFill>
+                  <a:prstClr val="black"/>
+                </a:solidFill>
+                <a:latin typeface="Lucida Console" panose="020B0609040504020204" pitchFamily="49" charset="0"/>
+              </a:rPr>
+              <a:t>$ cd ..</a:t>
+            </a:r>
+          </a:p>
+          <a:p>
+            <a:endParaRPr lang="ko-KR" altLang="en-US" sz="1200" dirty="0">
+              <a:solidFill>
+                <a:prstClr val="black"/>
+              </a:solidFill>
+              <a:latin typeface="Lucida Console" panose="020B0609040504020204" pitchFamily="49" charset="0"/>
+            </a:endParaRPr>
+          </a:p>
+          <a:p>
+            <a:r>
+              <a:rPr lang="en-US" altLang="ko-KR" sz="1200" dirty="0">
+                <a:solidFill>
+                  <a:srgbClr val="00BF00"/>
+                </a:solidFill>
+                <a:latin typeface="Lucida Console" panose="020B0609040504020204" pitchFamily="49" charset="0"/>
+              </a:rPr>
+              <a:t>PC@DESKTOP-482NOAB </a:t>
+            </a:r>
+            <a:r>
+              <a:rPr lang="en-US" altLang="ko-KR" sz="1200" dirty="0">
+                <a:solidFill>
+                  <a:srgbClr val="BF00BF"/>
+                </a:solidFill>
+                <a:latin typeface="Lucida Console" panose="020B0609040504020204" pitchFamily="49" charset="0"/>
+              </a:rPr>
+              <a:t>MINGW64 </a:t>
+            </a:r>
+            <a:r>
+              <a:rPr lang="en-US" altLang="ko-KR" sz="1200" dirty="0">
+                <a:solidFill>
+                  <a:srgbClr val="BFBF00"/>
+                </a:solidFill>
+                <a:latin typeface="Lucida Console" panose="020B0609040504020204" pitchFamily="49" charset="0"/>
+              </a:rPr>
+              <a:t>/c/[git tutorial]</a:t>
+            </a:r>
+          </a:p>
+          <a:p>
+            <a:r>
+              <a:rPr lang="en-US" altLang="ko-KR" sz="1200" dirty="0">
+                <a:solidFill>
+                  <a:prstClr val="black"/>
+                </a:solidFill>
+                <a:latin typeface="Lucida Console" panose="020B0609040504020204" pitchFamily="49" charset="0"/>
+              </a:rPr>
+              <a:t>$ git </a:t>
+            </a:r>
+            <a:r>
+              <a:rPr lang="en-US" altLang="ko-KR" sz="1200" dirty="0" err="1">
+                <a:solidFill>
+                  <a:prstClr val="black"/>
+                </a:solidFill>
+                <a:latin typeface="Lucida Console" panose="020B0609040504020204" pitchFamily="49" charset="0"/>
+              </a:rPr>
+              <a:t>init</a:t>
+            </a:r>
+            <a:r>
+              <a:rPr lang="en-US" altLang="ko-KR" sz="1200" dirty="0">
+                <a:solidFill>
+                  <a:prstClr val="black"/>
+                </a:solidFill>
+                <a:latin typeface="Lucida Console" panose="020B0609040504020204" pitchFamily="49" charset="0"/>
+              </a:rPr>
+              <a:t> t1</a:t>
+            </a:r>
+          </a:p>
+          <a:p>
+            <a:r>
+              <a:rPr lang="en-US" altLang="ko-KR" sz="1200" dirty="0">
+                <a:solidFill>
+                  <a:prstClr val="black"/>
+                </a:solidFill>
+                <a:latin typeface="Lucida Console" panose="020B0609040504020204" pitchFamily="49" charset="0"/>
+              </a:rPr>
+              <a:t>Initialized empty Git repository in C:/[git tutorial]/t1/.git/</a:t>
+            </a:r>
+          </a:p>
+          <a:p>
+            <a:endParaRPr lang="ko-KR" altLang="en-US" sz="1200" dirty="0">
+              <a:solidFill>
+                <a:prstClr val="black"/>
+              </a:solidFill>
+              <a:latin typeface="Lucida Console" panose="020B0609040504020204" pitchFamily="49" charset="0"/>
+            </a:endParaRPr>
+          </a:p>
+          <a:p>
+            <a:r>
+              <a:rPr lang="en-US" altLang="ko-KR" sz="1200" dirty="0">
+                <a:solidFill>
+                  <a:srgbClr val="00BF00"/>
+                </a:solidFill>
+                <a:latin typeface="Lucida Console" panose="020B0609040504020204" pitchFamily="49" charset="0"/>
+              </a:rPr>
+              <a:t>PC@DESKTOP-482NOAB </a:t>
+            </a:r>
+            <a:r>
+              <a:rPr lang="en-US" altLang="ko-KR" sz="1200" dirty="0">
+                <a:solidFill>
+                  <a:srgbClr val="BF00BF"/>
+                </a:solidFill>
+                <a:latin typeface="Lucida Console" panose="020B0609040504020204" pitchFamily="49" charset="0"/>
+              </a:rPr>
+              <a:t>MINGW64 </a:t>
+            </a:r>
+            <a:r>
+              <a:rPr lang="en-US" altLang="ko-KR" sz="1200" dirty="0">
+                <a:solidFill>
+                  <a:srgbClr val="BFBF00"/>
+                </a:solidFill>
+                <a:latin typeface="Lucida Console" panose="020B0609040504020204" pitchFamily="49" charset="0"/>
+              </a:rPr>
+              <a:t>/c/[git tutorial]</a:t>
+            </a:r>
+          </a:p>
+          <a:p>
+            <a:r>
+              <a:rPr lang="en-US" altLang="ko-KR" sz="1200" dirty="0">
+                <a:solidFill>
+                  <a:prstClr val="black"/>
+                </a:solidFill>
+                <a:latin typeface="Lucida Console" panose="020B0609040504020204" pitchFamily="49" charset="0"/>
+              </a:rPr>
+              <a:t>$ cd t1</a:t>
+            </a:r>
+          </a:p>
+          <a:p>
+            <a:endParaRPr lang="ko-KR" altLang="en-US" sz="1200" dirty="0">
+              <a:solidFill>
+                <a:prstClr val="black"/>
+              </a:solidFill>
+              <a:latin typeface="Lucida Console" panose="020B0609040504020204" pitchFamily="49" charset="0"/>
+            </a:endParaRPr>
+          </a:p>
+          <a:p>
+            <a:r>
+              <a:rPr lang="en-US" altLang="ko-KR" sz="1200" dirty="0">
+                <a:solidFill>
+                  <a:srgbClr val="00BF00"/>
+                </a:solidFill>
+                <a:latin typeface="Lucida Console" panose="020B0609040504020204" pitchFamily="49" charset="0"/>
+              </a:rPr>
+              <a:t>PC@DESKTOP-482NOAB </a:t>
+            </a:r>
+            <a:r>
+              <a:rPr lang="en-US" altLang="ko-KR" sz="1200" dirty="0">
+                <a:solidFill>
+                  <a:srgbClr val="BF00BF"/>
+                </a:solidFill>
+                <a:latin typeface="Lucida Console" panose="020B0609040504020204" pitchFamily="49" charset="0"/>
+              </a:rPr>
+              <a:t>MINGW64 </a:t>
+            </a:r>
+            <a:r>
+              <a:rPr lang="en-US" altLang="ko-KR" sz="1200" dirty="0">
+                <a:solidFill>
+                  <a:srgbClr val="BFBF00"/>
+                </a:solidFill>
+                <a:latin typeface="Lucida Console" panose="020B0609040504020204" pitchFamily="49" charset="0"/>
+              </a:rPr>
+              <a:t>/c/[git tutorial]/t1</a:t>
+            </a:r>
+            <a:r>
+              <a:rPr lang="en-US" altLang="ko-KR" sz="1200" dirty="0">
+                <a:solidFill>
+                  <a:srgbClr val="00BFBF"/>
+                </a:solidFill>
+                <a:latin typeface="Lucida Console" panose="020B0609040504020204" pitchFamily="49" charset="0"/>
+              </a:rPr>
+              <a:t> (master)</a:t>
+            </a:r>
+          </a:p>
+          <a:p>
+            <a:r>
+              <a:rPr lang="en-US" altLang="ko-KR" sz="1200" dirty="0">
+                <a:solidFill>
+                  <a:prstClr val="black"/>
+                </a:solidFill>
+                <a:latin typeface="Lucida Console" panose="020B0609040504020204" pitchFamily="49" charset="0"/>
+              </a:rPr>
+              <a:t>$ cd ..</a:t>
+            </a:r>
+          </a:p>
+          <a:p>
+            <a:endParaRPr lang="ko-KR" altLang="en-US" sz="1200" dirty="0">
+              <a:solidFill>
+                <a:prstClr val="black"/>
+              </a:solidFill>
+              <a:latin typeface="Lucida Console" panose="020B0609040504020204" pitchFamily="49" charset="0"/>
+            </a:endParaRPr>
+          </a:p>
+          <a:p>
+            <a:r>
+              <a:rPr lang="en-US" altLang="ko-KR" sz="1200" dirty="0">
+                <a:solidFill>
+                  <a:srgbClr val="00BF00"/>
+                </a:solidFill>
+                <a:latin typeface="Lucida Console" panose="020B0609040504020204" pitchFamily="49" charset="0"/>
+              </a:rPr>
+              <a:t>PC@DESKTOP-482NOAB </a:t>
+            </a:r>
+            <a:r>
+              <a:rPr lang="en-US" altLang="ko-KR" sz="1200" dirty="0">
+                <a:solidFill>
+                  <a:srgbClr val="BF00BF"/>
+                </a:solidFill>
+                <a:latin typeface="Lucida Console" panose="020B0609040504020204" pitchFamily="49" charset="0"/>
+              </a:rPr>
+              <a:t>MINGW64 </a:t>
+            </a:r>
+            <a:r>
+              <a:rPr lang="en-US" altLang="ko-KR" sz="1200" dirty="0">
+                <a:solidFill>
+                  <a:srgbClr val="BFBF00"/>
+                </a:solidFill>
+                <a:latin typeface="Lucida Console" panose="020B0609040504020204" pitchFamily="49" charset="0"/>
+              </a:rPr>
+              <a:t>/c/[git tutorial]</a:t>
+            </a:r>
+          </a:p>
+          <a:p>
+            <a:r>
+              <a:rPr lang="en-US" altLang="ko-KR" sz="1200" dirty="0">
+                <a:solidFill>
+                  <a:prstClr val="black"/>
+                </a:solidFill>
+                <a:latin typeface="Lucida Console" panose="020B0609040504020204" pitchFamily="49" charset="0"/>
+              </a:rPr>
+              <a:t>$ git config --global </a:t>
+            </a:r>
+            <a:r>
+              <a:rPr lang="en-US" altLang="ko-KR" sz="1200" dirty="0" err="1">
+                <a:solidFill>
+                  <a:prstClr val="black"/>
+                </a:solidFill>
+                <a:latin typeface="Lucida Console" panose="020B0609040504020204" pitchFamily="49" charset="0"/>
+              </a:rPr>
+              <a:t>init.defaultBranch</a:t>
+            </a:r>
+            <a:r>
+              <a:rPr lang="en-US" altLang="ko-KR" sz="1200" dirty="0">
+                <a:solidFill>
+                  <a:prstClr val="black"/>
+                </a:solidFill>
+                <a:latin typeface="Lucida Console" panose="020B0609040504020204" pitchFamily="49" charset="0"/>
+              </a:rPr>
+              <a:t> main</a:t>
+            </a:r>
+          </a:p>
+          <a:p>
+            <a:endParaRPr lang="ko-KR" altLang="en-US" sz="1200" dirty="0">
+              <a:solidFill>
+                <a:prstClr val="black"/>
+              </a:solidFill>
+              <a:latin typeface="Lucida Console" panose="020B0609040504020204" pitchFamily="49" charset="0"/>
+            </a:endParaRPr>
+          </a:p>
+          <a:p>
+            <a:r>
+              <a:rPr lang="en-US" altLang="ko-KR" sz="1200" dirty="0">
+                <a:solidFill>
+                  <a:srgbClr val="00BF00"/>
+                </a:solidFill>
+                <a:latin typeface="Lucida Console" panose="020B0609040504020204" pitchFamily="49" charset="0"/>
+              </a:rPr>
+              <a:t>PC@DESKTOP-482NOAB </a:t>
+            </a:r>
+            <a:r>
+              <a:rPr lang="en-US" altLang="ko-KR" sz="1200" dirty="0">
+                <a:solidFill>
+                  <a:srgbClr val="BF00BF"/>
+                </a:solidFill>
+                <a:latin typeface="Lucida Console" panose="020B0609040504020204" pitchFamily="49" charset="0"/>
+              </a:rPr>
+              <a:t>MINGW64 </a:t>
+            </a:r>
+            <a:r>
+              <a:rPr lang="en-US" altLang="ko-KR" sz="1200" dirty="0">
+                <a:solidFill>
+                  <a:srgbClr val="BFBF00"/>
+                </a:solidFill>
+                <a:latin typeface="Lucida Console" panose="020B0609040504020204" pitchFamily="49" charset="0"/>
+              </a:rPr>
+              <a:t>/c/[git tutorial]</a:t>
+            </a:r>
+          </a:p>
+          <a:p>
+            <a:r>
+              <a:rPr lang="en-US" altLang="ko-KR" sz="1200" dirty="0">
+                <a:solidFill>
+                  <a:prstClr val="black"/>
+                </a:solidFill>
+                <a:latin typeface="Lucida Console" panose="020B0609040504020204" pitchFamily="49" charset="0"/>
+              </a:rPr>
+              <a:t>$ git </a:t>
+            </a:r>
+            <a:r>
+              <a:rPr lang="en-US" altLang="ko-KR" sz="1200" dirty="0" err="1">
+                <a:solidFill>
+                  <a:prstClr val="black"/>
+                </a:solidFill>
+                <a:latin typeface="Lucida Console" panose="020B0609040504020204" pitchFamily="49" charset="0"/>
+              </a:rPr>
+              <a:t>init</a:t>
+            </a:r>
+            <a:r>
+              <a:rPr lang="en-US" altLang="ko-KR" sz="1200" dirty="0">
+                <a:solidFill>
+                  <a:prstClr val="black"/>
+                </a:solidFill>
+                <a:latin typeface="Lucida Console" panose="020B0609040504020204" pitchFamily="49" charset="0"/>
+              </a:rPr>
+              <a:t> t2</a:t>
+            </a:r>
+          </a:p>
+          <a:p>
+            <a:r>
+              <a:rPr lang="en-US" altLang="ko-KR" sz="1200" dirty="0">
+                <a:solidFill>
+                  <a:prstClr val="black"/>
+                </a:solidFill>
+                <a:latin typeface="Lucida Console" panose="020B0609040504020204" pitchFamily="49" charset="0"/>
+              </a:rPr>
+              <a:t>Initialized empty Git repository in C:/[git tutorial]/t2/.git/</a:t>
+            </a:r>
+          </a:p>
+          <a:p>
+            <a:endParaRPr lang="ko-KR" altLang="en-US" sz="1200" dirty="0">
+              <a:solidFill>
+                <a:prstClr val="black"/>
+              </a:solidFill>
+              <a:latin typeface="Lucida Console" panose="020B0609040504020204" pitchFamily="49" charset="0"/>
+            </a:endParaRPr>
+          </a:p>
+          <a:p>
+            <a:r>
+              <a:rPr lang="en-US" altLang="ko-KR" sz="1200" dirty="0">
+                <a:solidFill>
+                  <a:srgbClr val="00BF00"/>
+                </a:solidFill>
+                <a:latin typeface="Lucida Console" panose="020B0609040504020204" pitchFamily="49" charset="0"/>
+              </a:rPr>
+              <a:t>PC@DESKTOP-482NOAB </a:t>
+            </a:r>
+            <a:r>
+              <a:rPr lang="en-US" altLang="ko-KR" sz="1200" dirty="0">
+                <a:solidFill>
+                  <a:srgbClr val="BF00BF"/>
+                </a:solidFill>
+                <a:latin typeface="Lucida Console" panose="020B0609040504020204" pitchFamily="49" charset="0"/>
+              </a:rPr>
+              <a:t>MINGW64 </a:t>
+            </a:r>
+            <a:r>
+              <a:rPr lang="en-US" altLang="ko-KR" sz="1200" dirty="0">
+                <a:solidFill>
+                  <a:srgbClr val="BFBF00"/>
+                </a:solidFill>
+                <a:latin typeface="Lucida Console" panose="020B0609040504020204" pitchFamily="49" charset="0"/>
+              </a:rPr>
+              <a:t>/c/[git tutorial]</a:t>
+            </a:r>
+          </a:p>
+          <a:p>
+            <a:r>
+              <a:rPr lang="en-US" altLang="ko-KR" sz="1200" dirty="0">
+                <a:solidFill>
+                  <a:prstClr val="black"/>
+                </a:solidFill>
+                <a:latin typeface="Lucida Console" panose="020B0609040504020204" pitchFamily="49" charset="0"/>
+              </a:rPr>
+              <a:t>$ cd t2</a:t>
+            </a:r>
+          </a:p>
+        </p:txBody>
+      </p:sp>
+    </p:spTree>
+    <p:extLst>
+      <p:ext uri="{BB962C8B-B14F-4D97-AF65-F5344CB8AC3E}">
+        <p14:creationId xmlns:p14="http://schemas.microsoft.com/office/powerpoint/2010/main" val="145480922"/>
+      </p:ext>
+    </p:extLst>
+  </p:cSld>
+  <p:clrMapOvr>
+    <a:masterClrMapping/>
+  </p:clrMapOvr>
+</p:sld>
+</file>
+
+<file path=ppt/slides/slide7.xml><?xml version="1.0" encoding="utf-8"?>
+<p:sld xmlns:a="http://schemas.openxmlformats.org/drawingml/2006/main" xmlns:r="http://schemas.openxmlformats.org/officeDocument/2006/relationships" xmlns:p="http://schemas.openxmlformats.org/presentationml/2006/main">
+  <p:cSld>
+    <p:spTree>
+      <p:nvGrpSpPr>
+        <p:cNvPr id="1" name=""/>
+        <p:cNvGrpSpPr/>
+        <p:nvPr/>
+      </p:nvGrpSpPr>
+      <p:grpSpPr>
+        <a:xfrm>
+          <a:off x="0" y="0"/>
+          <a:ext cx="0" cy="0"/>
+          <a:chOff x="0" y="0"/>
+          <a:chExt cx="0" cy="0"/>
+        </a:xfrm>
+      </p:grpSpPr>
+      <p:sp>
+        <p:nvSpPr>
+          <p:cNvPr id="2" name="제목 1">
+            <a:extLst>
+              <a:ext uri="{FF2B5EF4-FFF2-40B4-BE49-F238E27FC236}">
+                <a16:creationId xmlns:a16="http://schemas.microsoft.com/office/drawing/2014/main" id="{BCAF5BD5-8477-4DE1-98C6-20D6AE27469A}"/>
+              </a:ext>
+            </a:extLst>
+          </p:cNvPr>
+          <p:cNvSpPr>
+            <a:spLocks noGrp="1"/>
+          </p:cNvSpPr>
+          <p:nvPr>
+            <p:ph type="ctrTitle"/>
+          </p:nvPr>
+        </p:nvSpPr>
+        <p:spPr/>
+        <p:txBody>
+          <a:bodyPr/>
+          <a:lstStyle/>
+          <a:p>
+            <a:r>
+              <a:rPr lang="ko-KR" altLang="en-US" dirty="0"/>
+              <a:t>포크와 클론</a:t>
+            </a:r>
+          </a:p>
+        </p:txBody>
+      </p:sp>
+      <p:sp>
+        <p:nvSpPr>
+          <p:cNvPr id="3" name="내용 개체 틀 2">
+            <a:extLst>
+              <a:ext uri="{FF2B5EF4-FFF2-40B4-BE49-F238E27FC236}">
+                <a16:creationId xmlns:a16="http://schemas.microsoft.com/office/drawing/2014/main" id="{2236DBEC-C656-452F-BEA2-6FA5149F4511}"/>
+              </a:ext>
+            </a:extLst>
+          </p:cNvPr>
+          <p:cNvSpPr>
+            <a:spLocks noGrp="1"/>
+          </p:cNvSpPr>
+          <p:nvPr>
+            <p:ph idx="1"/>
+          </p:nvPr>
+        </p:nvSpPr>
+        <p:spPr/>
+        <p:txBody>
+          <a:bodyPr/>
+          <a:lstStyle/>
+          <a:p>
+            <a:endParaRPr lang="ko-KR" altLang="en-US"/>
+          </a:p>
+        </p:txBody>
+      </p:sp>
+      <p:pic>
+        <p:nvPicPr>
+          <p:cNvPr id="4" name="Picture 2" descr="https://miro.medium.com/max/1400/1*fn8qxN2ehkBhnxxX1df88w.png">
+            <a:extLst>
+              <a:ext uri="{FF2B5EF4-FFF2-40B4-BE49-F238E27FC236}">
+                <a16:creationId xmlns:a16="http://schemas.microsoft.com/office/drawing/2014/main" id="{90AA33A3-85DF-4078-9611-D59B8626A342}"/>
+              </a:ext>
+            </a:extLst>
+          </p:cNvPr>
+          <p:cNvPicPr>
+            <a:picLocks noChangeAspect="1" noChangeArrowheads="1"/>
+          </p:cNvPicPr>
+          <p:nvPr/>
+        </p:nvPicPr>
+        <p:blipFill>
+          <a:blip r:embed="rId2">
+            <a:extLst>
+              <a:ext uri="{28A0092B-C50C-407E-A947-70E740481C1C}">
+                <a14:useLocalDpi xmlns:a14="http://schemas.microsoft.com/office/drawing/2010/main" val="0"/>
+              </a:ext>
+            </a:extLst>
+          </a:blip>
+          <a:srcRect/>
+          <a:stretch>
+            <a:fillRect/>
+          </a:stretch>
+        </p:blipFill>
+        <p:spPr bwMode="auto">
+          <a:xfrm>
+            <a:off x="1375366" y="1600920"/>
+            <a:ext cx="7870660" cy="4844008"/>
+          </a:xfrm>
+          <a:prstGeom prst="rect">
+            <a:avLst/>
+          </a:prstGeom>
+          <a:noFill/>
+          <a:extLst>
+            <a:ext uri="{909E8E84-426E-40DD-AFC4-6F175D3DCCD1}">
+              <a14:hiddenFill xmlns:a14="http://schemas.microsoft.com/office/drawing/2010/main">
+                <a:solidFill>
+                  <a:srgbClr val="FFFFFF"/>
+                </a:solidFill>
+              </a14:hiddenFill>
+            </a:ext>
+          </a:extLst>
+        </p:spPr>
+      </p:pic>
+    </p:spTree>
+    <p:extLst>
+      <p:ext uri="{BB962C8B-B14F-4D97-AF65-F5344CB8AC3E}">
+        <p14:creationId xmlns:p14="http://schemas.microsoft.com/office/powerpoint/2010/main" val="409474156"/>
+      </p:ext>
+    </p:extLst>
+  </p:cSld>
+  <p:clrMapOvr>
+    <a:masterClrMapping/>
+  </p:clrMapOvr>
+</p:sld>
+</file>
+
+<file path=ppt/slides/slide8.xml><?xml version="1.0" encoding="utf-8"?>
 <p:sld xmlns:a="http://schemas.openxmlformats.org/drawingml/2006/main" xmlns:r="http://schemas.openxmlformats.org/officeDocument/2006/relationships" xmlns:p="http://schemas.openxmlformats.org/presentationml/2006/main">
   <p:cSld>
     <p:spTree>
@@ -21500,7 +23530,7 @@
 </p:sld>
 </file>
 
-<file path=ppt/slides/slide6.xml><?xml version="1.0" encoding="utf-8"?>
+<file path=ppt/slides/slide9.xml><?xml version="1.0" encoding="utf-8"?>
 <p:sld xmlns:a="http://schemas.openxmlformats.org/drawingml/2006/main" xmlns:r="http://schemas.openxmlformats.org/officeDocument/2006/relationships" xmlns:p="http://schemas.openxmlformats.org/presentationml/2006/main">
   <p:cSld>
     <p:spTree>
@@ -21776,741 +23806,6 @@
     <p:extLst>
       <p:ext uri="{BB962C8B-B14F-4D97-AF65-F5344CB8AC3E}">
         <p14:creationId xmlns:p14="http://schemas.microsoft.com/office/powerpoint/2010/main" val="860716469"/>
-      </p:ext>
-    </p:extLst>
-  </p:cSld>
-  <p:clrMapOvr>
-    <a:masterClrMapping/>
-  </p:clrMapOvr>
-</p:sld>
-</file>
-
-<file path=ppt/slides/slide7.xml><?xml version="1.0" encoding="utf-8"?>
-<p:sld xmlns:a="http://schemas.openxmlformats.org/drawingml/2006/main" xmlns:r="http://schemas.openxmlformats.org/officeDocument/2006/relationships" xmlns:p="http://schemas.openxmlformats.org/presentationml/2006/main">
-  <p:cSld>
-    <p:spTree>
-      <p:nvGrpSpPr>
-        <p:cNvPr id="1" name=""/>
-        <p:cNvGrpSpPr/>
-        <p:nvPr/>
-      </p:nvGrpSpPr>
-      <p:grpSpPr>
-        <a:xfrm>
-          <a:off x="0" y="0"/>
-          <a:ext cx="0" cy="0"/>
-          <a:chOff x="0" y="0"/>
-          <a:chExt cx="0" cy="0"/>
-        </a:xfrm>
-      </p:grpSpPr>
-      <p:sp>
-        <p:nvSpPr>
-          <p:cNvPr id="2" name="제목 1">
-            <a:extLst>
-              <a:ext uri="{FF2B5EF4-FFF2-40B4-BE49-F238E27FC236}">
-                <a16:creationId xmlns:a16="http://schemas.microsoft.com/office/drawing/2014/main" id="{C443A739-11A8-4A02-B43C-0186762B6ABB}"/>
-              </a:ext>
-            </a:extLst>
-          </p:cNvPr>
-          <p:cNvSpPr>
-            <a:spLocks noGrp="1"/>
-          </p:cNvSpPr>
-          <p:nvPr>
-            <p:ph type="ctrTitle"/>
-          </p:nvPr>
-        </p:nvSpPr>
-        <p:spPr/>
-        <p:txBody>
-          <a:bodyPr/>
-          <a:lstStyle/>
-          <a:p>
-            <a:r>
-              <a:rPr lang="ko-KR" altLang="en-US" dirty="0" err="1"/>
-              <a:t>깃허브에서</a:t>
-            </a:r>
-            <a:r>
-              <a:rPr lang="ko-KR" altLang="en-US" dirty="0"/>
-              <a:t> 저장소 생성</a:t>
-            </a:r>
-          </a:p>
-        </p:txBody>
-      </p:sp>
-      <p:sp>
-        <p:nvSpPr>
-          <p:cNvPr id="3" name="내용 개체 틀 2">
-            <a:extLst>
-              <a:ext uri="{FF2B5EF4-FFF2-40B4-BE49-F238E27FC236}">
-                <a16:creationId xmlns:a16="http://schemas.microsoft.com/office/drawing/2014/main" id="{66CB6D4E-0059-4D81-A819-83FEC7AAB1B8}"/>
-              </a:ext>
-            </a:extLst>
-          </p:cNvPr>
-          <p:cNvSpPr>
-            <a:spLocks noGrp="1"/>
-          </p:cNvSpPr>
-          <p:nvPr>
-            <p:ph idx="1"/>
-          </p:nvPr>
-        </p:nvSpPr>
-        <p:spPr/>
-        <p:txBody>
-          <a:bodyPr/>
-          <a:lstStyle/>
-          <a:p>
-            <a:r>
-              <a:rPr lang="ko-KR" altLang="en-US" dirty="0"/>
-              <a:t>이름</a:t>
-            </a:r>
-            <a:r>
-              <a:rPr lang="en-US" altLang="ko-KR" dirty="0"/>
-              <a:t> git-clone</a:t>
-            </a:r>
-          </a:p>
-          <a:p>
-            <a:endParaRPr lang="en-US" altLang="ko-KR" dirty="0"/>
-          </a:p>
-          <a:p>
-            <a:r>
-              <a:rPr lang="en-US" altLang="ko-KR" dirty="0"/>
-              <a:t>Add a README file </a:t>
-            </a:r>
-            <a:r>
-              <a:rPr lang="ko-KR" altLang="en-US" dirty="0"/>
-              <a:t>체크</a:t>
-            </a:r>
-          </a:p>
-        </p:txBody>
-      </p:sp>
-      <p:pic>
-        <p:nvPicPr>
-          <p:cNvPr id="4" name="그림 3">
-            <a:extLst>
-              <a:ext uri="{FF2B5EF4-FFF2-40B4-BE49-F238E27FC236}">
-                <a16:creationId xmlns:a16="http://schemas.microsoft.com/office/drawing/2014/main" id="{20B708B0-52F7-4CC8-A145-5A4B12293339}"/>
-              </a:ext>
-            </a:extLst>
-          </p:cNvPr>
-          <p:cNvPicPr>
-            <a:picLocks noChangeAspect="1"/>
-          </p:cNvPicPr>
-          <p:nvPr/>
-        </p:nvPicPr>
-        <p:blipFill>
-          <a:blip r:embed="rId2"/>
-          <a:stretch>
-            <a:fillRect/>
-          </a:stretch>
-        </p:blipFill>
-        <p:spPr>
-          <a:xfrm>
-            <a:off x="4338588" y="1323909"/>
-            <a:ext cx="4728230" cy="5589730"/>
-          </a:xfrm>
-          <a:prstGeom prst="rect">
-            <a:avLst/>
-          </a:prstGeom>
-        </p:spPr>
-      </p:pic>
-    </p:spTree>
-    <p:extLst>
-      <p:ext uri="{BB962C8B-B14F-4D97-AF65-F5344CB8AC3E}">
-        <p14:creationId xmlns:p14="http://schemas.microsoft.com/office/powerpoint/2010/main" val="2503753545"/>
-      </p:ext>
-    </p:extLst>
-  </p:cSld>
-  <p:clrMapOvr>
-    <a:masterClrMapping/>
-  </p:clrMapOvr>
-</p:sld>
-</file>
-
-<file path=ppt/slides/slide8.xml><?xml version="1.0" encoding="utf-8"?>
-<p:sld xmlns:a="http://schemas.openxmlformats.org/drawingml/2006/main" xmlns:r="http://schemas.openxmlformats.org/officeDocument/2006/relationships" xmlns:p="http://schemas.openxmlformats.org/presentationml/2006/main">
-  <p:cSld>
-    <p:spTree>
-      <p:nvGrpSpPr>
-        <p:cNvPr id="1" name=""/>
-        <p:cNvGrpSpPr/>
-        <p:nvPr/>
-      </p:nvGrpSpPr>
-      <p:grpSpPr>
-        <a:xfrm>
-          <a:off x="0" y="0"/>
-          <a:ext cx="0" cy="0"/>
-          <a:chOff x="0" y="0"/>
-          <a:chExt cx="0" cy="0"/>
-        </a:xfrm>
-      </p:grpSpPr>
-      <p:sp>
-        <p:nvSpPr>
-          <p:cNvPr id="2" name="제목 1">
-            <a:extLst>
-              <a:ext uri="{FF2B5EF4-FFF2-40B4-BE49-F238E27FC236}">
-                <a16:creationId xmlns:a16="http://schemas.microsoft.com/office/drawing/2014/main" id="{36B1F655-BBAD-4BB0-9664-434ADC1913FA}"/>
-              </a:ext>
-            </a:extLst>
-          </p:cNvPr>
-          <p:cNvSpPr>
-            <a:spLocks noGrp="1"/>
-          </p:cNvSpPr>
-          <p:nvPr>
-            <p:ph type="ctrTitle"/>
-          </p:nvPr>
-        </p:nvSpPr>
-        <p:spPr/>
-        <p:txBody>
-          <a:bodyPr/>
-          <a:lstStyle/>
-          <a:p>
-            <a:r>
-              <a:rPr lang="ko-KR" altLang="en-US" dirty="0" err="1"/>
-              <a:t>깃허브에서</a:t>
-            </a:r>
-            <a:r>
-              <a:rPr lang="ko-KR" altLang="en-US" dirty="0"/>
-              <a:t> 저장소 주소 복사</a:t>
-            </a:r>
-          </a:p>
-        </p:txBody>
-      </p:sp>
-      <p:sp>
-        <p:nvSpPr>
-          <p:cNvPr id="3" name="내용 개체 틀 2">
-            <a:extLst>
-              <a:ext uri="{FF2B5EF4-FFF2-40B4-BE49-F238E27FC236}">
-                <a16:creationId xmlns:a16="http://schemas.microsoft.com/office/drawing/2014/main" id="{7347BD5F-0171-4876-9EC1-3F3F84D8E39F}"/>
-              </a:ext>
-            </a:extLst>
-          </p:cNvPr>
-          <p:cNvSpPr>
-            <a:spLocks noGrp="1"/>
-          </p:cNvSpPr>
-          <p:nvPr>
-            <p:ph idx="1"/>
-          </p:nvPr>
-        </p:nvSpPr>
-        <p:spPr/>
-        <p:txBody>
-          <a:bodyPr/>
-          <a:lstStyle/>
-          <a:p>
-            <a:endParaRPr lang="ko-KR" altLang="en-US"/>
-          </a:p>
-        </p:txBody>
-      </p:sp>
-      <p:pic>
-        <p:nvPicPr>
-          <p:cNvPr id="4" name="그림 3">
-            <a:extLst>
-              <a:ext uri="{FF2B5EF4-FFF2-40B4-BE49-F238E27FC236}">
-                <a16:creationId xmlns:a16="http://schemas.microsoft.com/office/drawing/2014/main" id="{71E5FD58-C800-4379-A231-1ADB3D644BF9}"/>
-              </a:ext>
-            </a:extLst>
-          </p:cNvPr>
-          <p:cNvPicPr>
-            <a:picLocks noChangeAspect="1"/>
-          </p:cNvPicPr>
-          <p:nvPr/>
-        </p:nvPicPr>
-        <p:blipFill>
-          <a:blip r:embed="rId2"/>
-          <a:stretch>
-            <a:fillRect/>
-          </a:stretch>
-        </p:blipFill>
-        <p:spPr>
-          <a:xfrm>
-            <a:off x="1818308" y="1620391"/>
-            <a:ext cx="6659690" cy="4984183"/>
-          </a:xfrm>
-          <a:prstGeom prst="rect">
-            <a:avLst/>
-          </a:prstGeom>
-        </p:spPr>
-      </p:pic>
-    </p:spTree>
-    <p:extLst>
-      <p:ext uri="{BB962C8B-B14F-4D97-AF65-F5344CB8AC3E}">
-        <p14:creationId xmlns:p14="http://schemas.microsoft.com/office/powerpoint/2010/main" val="3974151286"/>
-      </p:ext>
-    </p:extLst>
-  </p:cSld>
-  <p:clrMapOvr>
-    <a:masterClrMapping/>
-  </p:clrMapOvr>
-</p:sld>
-</file>
-
-<file path=ppt/slides/slide9.xml><?xml version="1.0" encoding="utf-8"?>
-<p:sld xmlns:a="http://schemas.openxmlformats.org/drawingml/2006/main" xmlns:r="http://schemas.openxmlformats.org/officeDocument/2006/relationships" xmlns:p="http://schemas.openxmlformats.org/presentationml/2006/main">
-  <p:cSld>
-    <p:spTree>
-      <p:nvGrpSpPr>
-        <p:cNvPr id="1" name=""/>
-        <p:cNvGrpSpPr/>
-        <p:nvPr/>
-      </p:nvGrpSpPr>
-      <p:grpSpPr>
-        <a:xfrm>
-          <a:off x="0" y="0"/>
-          <a:ext cx="0" cy="0"/>
-          <a:chOff x="0" y="0"/>
-          <a:chExt cx="0" cy="0"/>
-        </a:xfrm>
-      </p:grpSpPr>
-      <p:sp>
-        <p:nvSpPr>
-          <p:cNvPr id="2" name="제목 1">
-            <a:extLst>
-              <a:ext uri="{FF2B5EF4-FFF2-40B4-BE49-F238E27FC236}">
-                <a16:creationId xmlns:a16="http://schemas.microsoft.com/office/drawing/2014/main" id="{8E6A17C3-0BF8-48F7-B9DC-EAC254E1D31C}"/>
-              </a:ext>
-            </a:extLst>
-          </p:cNvPr>
-          <p:cNvSpPr>
-            <a:spLocks noGrp="1"/>
-          </p:cNvSpPr>
-          <p:nvPr>
-            <p:ph type="ctrTitle"/>
-          </p:nvPr>
-        </p:nvSpPr>
-        <p:spPr/>
-        <p:txBody>
-          <a:bodyPr/>
-          <a:lstStyle/>
-          <a:p>
-            <a:r>
-              <a:rPr lang="ko-KR" altLang="en-US" dirty="0"/>
-              <a:t>깃에서 복사 실행</a:t>
-            </a:r>
-          </a:p>
-        </p:txBody>
-      </p:sp>
-      <p:sp>
-        <p:nvSpPr>
-          <p:cNvPr id="3" name="내용 개체 틀 2">
-            <a:extLst>
-              <a:ext uri="{FF2B5EF4-FFF2-40B4-BE49-F238E27FC236}">
-                <a16:creationId xmlns:a16="http://schemas.microsoft.com/office/drawing/2014/main" id="{F7C00357-9506-4999-A666-368BE1A79C51}"/>
-              </a:ext>
-            </a:extLst>
-          </p:cNvPr>
-          <p:cNvSpPr>
-            <a:spLocks noGrp="1"/>
-          </p:cNvSpPr>
-          <p:nvPr>
-            <p:ph idx="1"/>
-          </p:nvPr>
-        </p:nvSpPr>
-        <p:spPr/>
-        <p:txBody>
-          <a:bodyPr/>
-          <a:lstStyle/>
-          <a:p>
-            <a:r>
-              <a:rPr lang="ko-KR" altLang="en-US" dirty="0"/>
-              <a:t>명령어</a:t>
-            </a:r>
-            <a:endParaRPr lang="en-US" altLang="ko-KR" dirty="0"/>
-          </a:p>
-          <a:p>
-            <a:pPr lvl="1"/>
-            <a:r>
-              <a:rPr lang="en-US" altLang="ko-KR" dirty="0"/>
-              <a:t>$ </a:t>
-            </a:r>
-            <a:r>
-              <a:rPr lang="en-US" altLang="ko-KR" dirty="0" err="1"/>
-              <a:t>gi</a:t>
-            </a:r>
-            <a:r>
-              <a:rPr lang="en-US" altLang="ko-KR" dirty="0"/>
-              <a:t> clone </a:t>
-            </a:r>
-            <a:r>
-              <a:rPr lang="ko-KR" altLang="en-US" dirty="0"/>
-              <a:t>저장소주소 </a:t>
-            </a:r>
-            <a:r>
-              <a:rPr lang="en-US" altLang="ko-KR" dirty="0"/>
-              <a:t>[</a:t>
-            </a:r>
-            <a:r>
-              <a:rPr lang="ko-KR" altLang="en-US" dirty="0" err="1"/>
-              <a:t>저장소폴더명</a:t>
-            </a:r>
-            <a:r>
-              <a:rPr lang="en-US" altLang="ko-KR" dirty="0"/>
-              <a:t>] </a:t>
-            </a:r>
-          </a:p>
-          <a:p>
-            <a:pPr lvl="1"/>
-            <a:endParaRPr lang="en-US" altLang="ko-KR" dirty="0"/>
-          </a:p>
-          <a:p>
-            <a:r>
-              <a:rPr lang="ko-KR" altLang="en-US" dirty="0"/>
-              <a:t>자신의 지역 저장소에 복사 명령</a:t>
-            </a:r>
-            <a:endParaRPr lang="en-US" altLang="ko-KR" dirty="0"/>
-          </a:p>
-          <a:p>
-            <a:pPr lvl="1"/>
-            <a:r>
-              <a:rPr lang="en-US" altLang="ko-KR" dirty="0"/>
-              <a:t>$ git clone https://github.com/ai7dnn/git-clone.git</a:t>
-            </a:r>
-          </a:p>
-          <a:p>
-            <a:pPr lvl="2"/>
-            <a:r>
-              <a:rPr lang="ko-KR" altLang="en-US" dirty="0"/>
-              <a:t>오른쪽 마우스 팝업 메뉴로 붙여 넣기</a:t>
-            </a:r>
-            <a:endParaRPr lang="en-US" altLang="ko-KR" dirty="0"/>
-          </a:p>
-          <a:p>
-            <a:endParaRPr lang="en-US" altLang="ko-KR" dirty="0"/>
-          </a:p>
-          <a:p>
-            <a:r>
-              <a:rPr lang="ko-KR" altLang="en-US" dirty="0"/>
-              <a:t>복사된 폴더 확인</a:t>
-            </a:r>
-          </a:p>
-        </p:txBody>
-      </p:sp>
-      <p:pic>
-        <p:nvPicPr>
-          <p:cNvPr id="4" name="그림 3">
-            <a:extLst>
-              <a:ext uri="{FF2B5EF4-FFF2-40B4-BE49-F238E27FC236}">
-                <a16:creationId xmlns:a16="http://schemas.microsoft.com/office/drawing/2014/main" id="{ABD51D4E-FC50-4E47-89BC-CE445DCF6727}"/>
-              </a:ext>
-            </a:extLst>
-          </p:cNvPr>
-          <p:cNvPicPr>
-            <a:picLocks noChangeAspect="1"/>
-          </p:cNvPicPr>
-          <p:nvPr/>
-        </p:nvPicPr>
-        <p:blipFill>
-          <a:blip r:embed="rId2"/>
-          <a:stretch>
-            <a:fillRect/>
-          </a:stretch>
-        </p:blipFill>
-        <p:spPr>
-          <a:xfrm>
-            <a:off x="6570836" y="1116335"/>
-            <a:ext cx="2066925" cy="2809875"/>
-          </a:xfrm>
-          <a:prstGeom prst="rect">
-            <a:avLst/>
-          </a:prstGeom>
-        </p:spPr>
-      </p:pic>
-      <p:sp>
-        <p:nvSpPr>
-          <p:cNvPr id="5" name="직사각형 4">
-            <a:extLst>
-              <a:ext uri="{FF2B5EF4-FFF2-40B4-BE49-F238E27FC236}">
-                <a16:creationId xmlns:a16="http://schemas.microsoft.com/office/drawing/2014/main" id="{A070092D-5101-4D9C-8B3E-CC6CAE4DCE56}"/>
-              </a:ext>
-            </a:extLst>
-          </p:cNvPr>
-          <p:cNvSpPr/>
-          <p:nvPr/>
-        </p:nvSpPr>
-        <p:spPr>
-          <a:xfrm>
-            <a:off x="6642844" y="1584294"/>
-            <a:ext cx="1944216" cy="229543"/>
-          </a:xfrm>
-          <a:prstGeom prst="rect">
-            <a:avLst/>
-          </a:prstGeom>
-          <a:noFill/>
-          <a:ln w="19050">
-            <a:solidFill>
-              <a:srgbClr val="FF0000"/>
-            </a:solidFill>
-            <a:prstDash val="sysDash"/>
-          </a:ln>
-        </p:spPr>
-        <p:style>
-          <a:lnRef idx="2">
-            <a:schemeClr val="accent1">
-              <a:shade val="50000"/>
-            </a:schemeClr>
-          </a:lnRef>
-          <a:fillRef idx="1">
-            <a:schemeClr val="accent1"/>
-          </a:fillRef>
-          <a:effectRef idx="0">
-            <a:schemeClr val="accent1"/>
-          </a:effectRef>
-          <a:fontRef idx="minor">
-            <a:schemeClr val="lt1"/>
-          </a:fontRef>
-        </p:style>
-        <p:txBody>
-          <a:bodyPr rtlCol="0" anchor="ctr"/>
-          <a:lstStyle/>
-          <a:p>
-            <a:pPr algn="ctr"/>
-            <a:endParaRPr lang="ko-KR" altLang="en-US"/>
-          </a:p>
-        </p:txBody>
-      </p:sp>
-      <p:sp>
-        <p:nvSpPr>
-          <p:cNvPr id="6" name="직사각형 5">
-            <a:extLst>
-              <a:ext uri="{FF2B5EF4-FFF2-40B4-BE49-F238E27FC236}">
-                <a16:creationId xmlns:a16="http://schemas.microsoft.com/office/drawing/2014/main" id="{E32CC6AB-A007-4896-8509-CCBE3475C3A0}"/>
-              </a:ext>
-            </a:extLst>
-          </p:cNvPr>
-          <p:cNvSpPr/>
-          <p:nvPr/>
-        </p:nvSpPr>
-        <p:spPr>
-          <a:xfrm>
-            <a:off x="810196" y="4010120"/>
-            <a:ext cx="8004809" cy="3108543"/>
-          </a:xfrm>
-          <a:prstGeom prst="rect">
-            <a:avLst/>
-          </a:prstGeom>
-        </p:spPr>
-        <p:txBody>
-          <a:bodyPr wrap="square">
-            <a:spAutoFit/>
-          </a:bodyPr>
-          <a:lstStyle/>
-          <a:p>
-            <a:r>
-              <a:rPr lang="en-US" altLang="ko-KR" sz="1400" dirty="0">
-                <a:solidFill>
-                  <a:srgbClr val="00BF00"/>
-                </a:solidFill>
-                <a:latin typeface="Lucida Console" panose="020B0609040504020204" pitchFamily="49" charset="0"/>
-              </a:rPr>
-              <a:t>PC@DESKTOP-482NOAB </a:t>
-            </a:r>
-            <a:r>
-              <a:rPr lang="en-US" altLang="ko-KR" sz="1400" dirty="0">
-                <a:solidFill>
-                  <a:srgbClr val="BF00BF"/>
-                </a:solidFill>
-                <a:latin typeface="Lucida Console" panose="020B0609040504020204" pitchFamily="49" charset="0"/>
-              </a:rPr>
-              <a:t>MINGW64 </a:t>
-            </a:r>
-            <a:r>
-              <a:rPr lang="en-US" altLang="ko-KR" sz="1400" dirty="0">
-                <a:solidFill>
-                  <a:srgbClr val="BFBF00"/>
-                </a:solidFill>
-                <a:latin typeface="Lucida Console" panose="020B0609040504020204" pitchFamily="49" charset="0"/>
-              </a:rPr>
-              <a:t>/c/[git tutorial]</a:t>
-            </a:r>
-          </a:p>
-          <a:p>
-            <a:r>
-              <a:rPr lang="en-US" altLang="ko-KR" sz="1400" dirty="0">
-                <a:solidFill>
-                  <a:prstClr val="black"/>
-                </a:solidFill>
-                <a:latin typeface="Lucida Console" panose="020B0609040504020204" pitchFamily="49" charset="0"/>
-              </a:rPr>
-              <a:t>$ </a:t>
-            </a:r>
-            <a:r>
-              <a:rPr lang="en-US" altLang="ko-KR" sz="1400" dirty="0" err="1">
-                <a:solidFill>
-                  <a:prstClr val="black"/>
-                </a:solidFill>
-                <a:latin typeface="Lucida Console" panose="020B0609040504020204" pitchFamily="49" charset="0"/>
-              </a:rPr>
-              <a:t>pwd</a:t>
-            </a:r>
-            <a:endParaRPr lang="en-US" altLang="ko-KR" sz="1400" dirty="0">
-              <a:solidFill>
-                <a:prstClr val="black"/>
-              </a:solidFill>
-              <a:latin typeface="Lucida Console" panose="020B0609040504020204" pitchFamily="49" charset="0"/>
-            </a:endParaRPr>
-          </a:p>
-          <a:p>
-            <a:r>
-              <a:rPr lang="en-US" altLang="ko-KR" sz="1400" dirty="0">
-                <a:solidFill>
-                  <a:prstClr val="black"/>
-                </a:solidFill>
-                <a:latin typeface="Lucida Console" panose="020B0609040504020204" pitchFamily="49" charset="0"/>
-              </a:rPr>
-              <a:t>/c/[git tutorial]</a:t>
-            </a:r>
-          </a:p>
-          <a:p>
-            <a:endParaRPr lang="ko-KR" altLang="en-US" sz="1400" dirty="0">
-              <a:solidFill>
-                <a:prstClr val="black"/>
-              </a:solidFill>
-              <a:latin typeface="Lucida Console" panose="020B0609040504020204" pitchFamily="49" charset="0"/>
-            </a:endParaRPr>
-          </a:p>
-          <a:p>
-            <a:r>
-              <a:rPr lang="en-US" altLang="ko-KR" sz="1400" dirty="0">
-                <a:solidFill>
-                  <a:srgbClr val="00BF00"/>
-                </a:solidFill>
-                <a:latin typeface="Lucida Console" panose="020B0609040504020204" pitchFamily="49" charset="0"/>
-              </a:rPr>
-              <a:t>PC@DESKTOP-482NOAB </a:t>
-            </a:r>
-            <a:r>
-              <a:rPr lang="en-US" altLang="ko-KR" sz="1400" dirty="0">
-                <a:solidFill>
-                  <a:srgbClr val="BF00BF"/>
-                </a:solidFill>
-                <a:latin typeface="Lucida Console" panose="020B0609040504020204" pitchFamily="49" charset="0"/>
-              </a:rPr>
-              <a:t>MINGW64 </a:t>
-            </a:r>
-            <a:r>
-              <a:rPr lang="en-US" altLang="ko-KR" sz="1400" dirty="0">
-                <a:solidFill>
-                  <a:srgbClr val="BFBF00"/>
-                </a:solidFill>
-                <a:latin typeface="Lucida Console" panose="020B0609040504020204" pitchFamily="49" charset="0"/>
-              </a:rPr>
-              <a:t>/c/[git tutorial]</a:t>
-            </a:r>
-          </a:p>
-          <a:p>
-            <a:r>
-              <a:rPr lang="en-US" altLang="ko-KR" sz="1400" dirty="0">
-                <a:solidFill>
-                  <a:prstClr val="black"/>
-                </a:solidFill>
-                <a:latin typeface="Lucida Console" panose="020B0609040504020204" pitchFamily="49" charset="0"/>
-              </a:rPr>
-              <a:t>$ git clone https://github.com/ai7dnn/git-clone.git</a:t>
-            </a:r>
-          </a:p>
-          <a:p>
-            <a:r>
-              <a:rPr lang="en-US" altLang="ko-KR" sz="1400" dirty="0">
-                <a:solidFill>
-                  <a:prstClr val="black"/>
-                </a:solidFill>
-                <a:latin typeface="Lucida Console" panose="020B0609040504020204" pitchFamily="49" charset="0"/>
-              </a:rPr>
-              <a:t>Cloning into 'git-clone'...</a:t>
-            </a:r>
-          </a:p>
-          <a:p>
-            <a:r>
-              <a:rPr lang="en-US" altLang="ko-KR" sz="1400" dirty="0">
-                <a:solidFill>
-                  <a:prstClr val="black"/>
-                </a:solidFill>
-                <a:latin typeface="Lucida Console" panose="020B0609040504020204" pitchFamily="49" charset="0"/>
-              </a:rPr>
-              <a:t>remote: Enumerating objects: 3, done.</a:t>
-            </a:r>
-          </a:p>
-          <a:p>
-            <a:r>
-              <a:rPr lang="en-US" altLang="ko-KR" sz="1400" dirty="0">
-                <a:solidFill>
-                  <a:prstClr val="black"/>
-                </a:solidFill>
-                <a:latin typeface="Lucida Console" panose="020B0609040504020204" pitchFamily="49" charset="0"/>
-              </a:rPr>
-              <a:t>remote: Counting objects: 100% (3/3), done.</a:t>
-            </a:r>
-          </a:p>
-          <a:p>
-            <a:r>
-              <a:rPr lang="en-US" altLang="ko-KR" sz="1400" dirty="0">
-                <a:solidFill>
-                  <a:prstClr val="black"/>
-                </a:solidFill>
-                <a:latin typeface="Lucida Console" panose="020B0609040504020204" pitchFamily="49" charset="0"/>
-              </a:rPr>
-              <a:t>remote: Total 3 (delta 0), reused 0 (delta 0), pack-reused 0</a:t>
-            </a:r>
-          </a:p>
-          <a:p>
-            <a:r>
-              <a:rPr lang="en-US" altLang="ko-KR" sz="1400" dirty="0">
-                <a:solidFill>
-                  <a:prstClr val="black"/>
-                </a:solidFill>
-                <a:latin typeface="Lucida Console" panose="020B0609040504020204" pitchFamily="49" charset="0"/>
-              </a:rPr>
-              <a:t>Receiving objects: 100% (3/3), done.</a:t>
-            </a:r>
-          </a:p>
-          <a:p>
-            <a:endParaRPr lang="ko-KR" altLang="en-US" sz="1400" dirty="0">
-              <a:solidFill>
-                <a:prstClr val="black"/>
-              </a:solidFill>
-              <a:latin typeface="Lucida Console" panose="020B0609040504020204" pitchFamily="49" charset="0"/>
-            </a:endParaRPr>
-          </a:p>
-          <a:p>
-            <a:r>
-              <a:rPr lang="en-US" altLang="ko-KR" sz="1400" dirty="0">
-                <a:solidFill>
-                  <a:srgbClr val="00BF00"/>
-                </a:solidFill>
-                <a:latin typeface="Lucida Console" panose="020B0609040504020204" pitchFamily="49" charset="0"/>
-              </a:rPr>
-              <a:t>PC@DESKTOP-482NOAB </a:t>
-            </a:r>
-            <a:r>
-              <a:rPr lang="en-US" altLang="ko-KR" sz="1400" dirty="0">
-                <a:solidFill>
-                  <a:srgbClr val="BF00BF"/>
-                </a:solidFill>
-                <a:latin typeface="Lucida Console" panose="020B0609040504020204" pitchFamily="49" charset="0"/>
-              </a:rPr>
-              <a:t>MINGW64 </a:t>
-            </a:r>
-            <a:r>
-              <a:rPr lang="en-US" altLang="ko-KR" sz="1400" dirty="0">
-                <a:solidFill>
-                  <a:srgbClr val="BFBF00"/>
-                </a:solidFill>
-                <a:latin typeface="Lucida Console" panose="020B0609040504020204" pitchFamily="49" charset="0"/>
-              </a:rPr>
-              <a:t>/c/[git tutorial]</a:t>
-            </a:r>
-          </a:p>
-          <a:p>
-            <a:r>
-              <a:rPr lang="en-US" altLang="ko-KR" sz="1400" dirty="0">
-                <a:solidFill>
-                  <a:prstClr val="black"/>
-                </a:solidFill>
-                <a:latin typeface="Lucida Console" panose="020B0609040504020204" pitchFamily="49" charset="0"/>
-              </a:rPr>
-              <a:t>$</a:t>
-            </a:r>
-          </a:p>
-        </p:txBody>
-      </p:sp>
-    </p:spTree>
-    <p:extLst>
-      <p:ext uri="{BB962C8B-B14F-4D97-AF65-F5344CB8AC3E}">
-        <p14:creationId xmlns:p14="http://schemas.microsoft.com/office/powerpoint/2010/main" val="1521725241"/>
       </p:ext>
     </p:extLst>
   </p:cSld>
